--- a/2 - Generative versus Discriminative/Support Vector Machine - Math.pptx
+++ b/2 - Generative versus Discriminative/Support Vector Machine - Math.pptx
@@ -5,7 +5,7 @@
     <p:sldMasterId id="2147483648" r:id="rId4"/>
   </p:sldMasterIdLst>
   <p:notesMasterIdLst>
-    <p:notesMasterId r:id="rId25"/>
+    <p:notesMasterId r:id="rId26"/>
   </p:notesMasterIdLst>
   <p:sldIdLst>
     <p:sldId id="257" r:id="rId5"/>
@@ -21,13 +21,14 @@
     <p:sldId id="300" r:id="rId15"/>
     <p:sldId id="301" r:id="rId16"/>
     <p:sldId id="311" r:id="rId17"/>
-    <p:sldId id="304" r:id="rId18"/>
-    <p:sldId id="308" r:id="rId19"/>
-    <p:sldId id="302" r:id="rId20"/>
-    <p:sldId id="305" r:id="rId21"/>
-    <p:sldId id="309" r:id="rId22"/>
-    <p:sldId id="306" r:id="rId23"/>
-    <p:sldId id="310" r:id="rId24"/>
+    <p:sldId id="312" r:id="rId18"/>
+    <p:sldId id="304" r:id="rId19"/>
+    <p:sldId id="308" r:id="rId20"/>
+    <p:sldId id="302" r:id="rId21"/>
+    <p:sldId id="305" r:id="rId22"/>
+    <p:sldId id="309" r:id="rId23"/>
+    <p:sldId id="306" r:id="rId24"/>
+    <p:sldId id="310" r:id="rId25"/>
   </p:sldIdLst>
   <p:sldSz cx="12192000" cy="6858000"/>
   <p:notesSz cx="6858000" cy="9144000"/>
@@ -13385,7 +13386,7 @@
           <a:p>
             <a:fld id="{F666E1FD-E7A0-497B-BBC0-740BAAC97C64}" type="datetimeFigureOut">
               <a:rPr lang="en-PH" smtClean="0"/>
-              <a:t>08/01/2024</a:t>
+              <a:t>09/01/2024</a:t>
             </a:fld>
             <a:endParaRPr lang="en-PH"/>
           </a:p>
@@ -14147,7 +14148,7 @@
     </p:spTree>
     <p:extLst>
       <p:ext uri="{BB962C8B-B14F-4D97-AF65-F5344CB8AC3E}">
-        <p14:creationId xmlns:p14="http://schemas.microsoft.com/office/powerpoint/2010/main" val="458715420"/>
+        <p14:creationId xmlns:p14="http://schemas.microsoft.com/office/powerpoint/2010/main" val="566893240"/>
       </p:ext>
     </p:extLst>
   </p:cSld>
@@ -14231,7 +14232,7 @@
     </p:spTree>
     <p:extLst>
       <p:ext uri="{BB962C8B-B14F-4D97-AF65-F5344CB8AC3E}">
-        <p14:creationId xmlns:p14="http://schemas.microsoft.com/office/powerpoint/2010/main" val="2850801456"/>
+        <p14:creationId xmlns:p14="http://schemas.microsoft.com/office/powerpoint/2010/main" val="458715420"/>
       </p:ext>
     </p:extLst>
   </p:cSld>
@@ -14315,7 +14316,7 @@
     </p:spTree>
     <p:extLst>
       <p:ext uri="{BB962C8B-B14F-4D97-AF65-F5344CB8AC3E}">
-        <p14:creationId xmlns:p14="http://schemas.microsoft.com/office/powerpoint/2010/main" val="3540785873"/>
+        <p14:creationId xmlns:p14="http://schemas.microsoft.com/office/powerpoint/2010/main" val="2850801456"/>
       </p:ext>
     </p:extLst>
   </p:cSld>
@@ -14399,7 +14400,7 @@
     </p:spTree>
     <p:extLst>
       <p:ext uri="{BB962C8B-B14F-4D97-AF65-F5344CB8AC3E}">
-        <p14:creationId xmlns:p14="http://schemas.microsoft.com/office/powerpoint/2010/main" val="4113008792"/>
+        <p14:creationId xmlns:p14="http://schemas.microsoft.com/office/powerpoint/2010/main" val="3540785873"/>
       </p:ext>
     </p:extLst>
   </p:cSld>
@@ -14483,7 +14484,7 @@
     </p:spTree>
     <p:extLst>
       <p:ext uri="{BB962C8B-B14F-4D97-AF65-F5344CB8AC3E}">
-        <p14:creationId xmlns:p14="http://schemas.microsoft.com/office/powerpoint/2010/main" val="552997215"/>
+        <p14:creationId xmlns:p14="http://schemas.microsoft.com/office/powerpoint/2010/main" val="4113008792"/>
       </p:ext>
     </p:extLst>
   </p:cSld>
@@ -14567,7 +14568,7 @@
     </p:spTree>
     <p:extLst>
       <p:ext uri="{BB962C8B-B14F-4D97-AF65-F5344CB8AC3E}">
-        <p14:creationId xmlns:p14="http://schemas.microsoft.com/office/powerpoint/2010/main" val="2638418903"/>
+        <p14:creationId xmlns:p14="http://schemas.microsoft.com/office/powerpoint/2010/main" val="552997215"/>
       </p:ext>
     </p:extLst>
   </p:cSld>
@@ -14727,6 +14728,90 @@
             <a:fld id="{FE90CCE9-4AAE-4E1F-85AD-521A406D6524}" type="slidenum">
               <a:rPr lang="en-PH" smtClean="0"/>
               <a:t>20</a:t>
+            </a:fld>
+            <a:endParaRPr lang="en-PH"/>
+          </a:p>
+        </p:txBody>
+      </p:sp>
+    </p:spTree>
+    <p:extLst>
+      <p:ext uri="{BB962C8B-B14F-4D97-AF65-F5344CB8AC3E}">
+        <p14:creationId xmlns:p14="http://schemas.microsoft.com/office/powerpoint/2010/main" val="2638418903"/>
+      </p:ext>
+    </p:extLst>
+  </p:cSld>
+  <p:clrMapOvr>
+    <a:masterClrMapping/>
+  </p:clrMapOvr>
+</p:notes>
+</file>
+
+<file path=ppt/notesSlides/notesSlide21.xml><?xml version="1.0" encoding="utf-8"?>
+<p:notes xmlns:a="http://schemas.openxmlformats.org/drawingml/2006/main" xmlns:r="http://schemas.openxmlformats.org/officeDocument/2006/relationships" xmlns:p="http://schemas.openxmlformats.org/presentationml/2006/main">
+  <p:cSld>
+    <p:spTree>
+      <p:nvGrpSpPr>
+        <p:cNvPr id="1" name=""/>
+        <p:cNvGrpSpPr/>
+        <p:nvPr/>
+      </p:nvGrpSpPr>
+      <p:grpSpPr>
+        <a:xfrm>
+          <a:off x="0" y="0"/>
+          <a:ext cx="0" cy="0"/>
+          <a:chOff x="0" y="0"/>
+          <a:chExt cx="0" cy="0"/>
+        </a:xfrm>
+      </p:grpSpPr>
+      <p:sp>
+        <p:nvSpPr>
+          <p:cNvPr id="2" name="Slide Image Placeholder 1"/>
+          <p:cNvSpPr>
+            <a:spLocks noGrp="1" noRot="1" noChangeAspect="1"/>
+          </p:cNvSpPr>
+          <p:nvPr>
+            <p:ph type="sldImg"/>
+          </p:nvPr>
+        </p:nvSpPr>
+        <p:spPr/>
+      </p:sp>
+      <p:sp>
+        <p:nvSpPr>
+          <p:cNvPr id="3" name="Notes Placeholder 2"/>
+          <p:cNvSpPr>
+            <a:spLocks noGrp="1"/>
+          </p:cNvSpPr>
+          <p:nvPr>
+            <p:ph type="body" idx="1"/>
+          </p:nvPr>
+        </p:nvSpPr>
+        <p:spPr/>
+        <p:txBody>
+          <a:bodyPr/>
+          <a:lstStyle/>
+          <a:p>
+            <a:endParaRPr lang="en-PH" dirty="0"/>
+          </a:p>
+        </p:txBody>
+      </p:sp>
+      <p:sp>
+        <p:nvSpPr>
+          <p:cNvPr id="4" name="Slide Number Placeholder 3"/>
+          <p:cNvSpPr>
+            <a:spLocks noGrp="1"/>
+          </p:cNvSpPr>
+          <p:nvPr>
+            <p:ph type="sldNum" sz="quarter" idx="5"/>
+          </p:nvPr>
+        </p:nvSpPr>
+        <p:spPr/>
+        <p:txBody>
+          <a:bodyPr/>
+          <a:lstStyle/>
+          <a:p>
+            <a:fld id="{FE90CCE9-4AAE-4E1F-85AD-521A406D6524}" type="slidenum">
+              <a:rPr lang="en-PH" smtClean="0"/>
+              <a:t>21</a:t>
             </a:fld>
             <a:endParaRPr lang="en-PH"/>
           </a:p>
@@ -15482,7 +15567,7 @@
           <a:p>
             <a:fld id="{0CCF0B81-6BD8-4C65-9459-815598C5F1F4}" type="datetimeFigureOut">
               <a:rPr lang="en-PH" smtClean="0"/>
-              <a:t>08/01/2024</a:t>
+              <a:t>09/01/2024</a:t>
             </a:fld>
             <a:endParaRPr lang="en-PH"/>
           </a:p>
@@ -15682,7 +15767,7 @@
           <a:p>
             <a:fld id="{0CCF0B81-6BD8-4C65-9459-815598C5F1F4}" type="datetimeFigureOut">
               <a:rPr lang="en-PH" smtClean="0"/>
-              <a:t>08/01/2024</a:t>
+              <a:t>09/01/2024</a:t>
             </a:fld>
             <a:endParaRPr lang="en-PH"/>
           </a:p>
@@ -15892,7 +15977,7 @@
           <a:p>
             <a:fld id="{0CCF0B81-6BD8-4C65-9459-815598C5F1F4}" type="datetimeFigureOut">
               <a:rPr lang="en-PH" smtClean="0"/>
-              <a:t>08/01/2024</a:t>
+              <a:t>09/01/2024</a:t>
             </a:fld>
             <a:endParaRPr lang="en-PH"/>
           </a:p>
@@ -16092,7 +16177,7 @@
           <a:p>
             <a:fld id="{0CCF0B81-6BD8-4C65-9459-815598C5F1F4}" type="datetimeFigureOut">
               <a:rPr lang="en-PH" smtClean="0"/>
-              <a:t>08/01/2024</a:t>
+              <a:t>09/01/2024</a:t>
             </a:fld>
             <a:endParaRPr lang="en-PH"/>
           </a:p>
@@ -16368,7 +16453,7 @@
           <a:p>
             <a:fld id="{0CCF0B81-6BD8-4C65-9459-815598C5F1F4}" type="datetimeFigureOut">
               <a:rPr lang="en-PH" smtClean="0"/>
-              <a:t>08/01/2024</a:t>
+              <a:t>09/01/2024</a:t>
             </a:fld>
             <a:endParaRPr lang="en-PH"/>
           </a:p>
@@ -16636,7 +16721,7 @@
           <a:p>
             <a:fld id="{0CCF0B81-6BD8-4C65-9459-815598C5F1F4}" type="datetimeFigureOut">
               <a:rPr lang="en-PH" smtClean="0"/>
-              <a:t>08/01/2024</a:t>
+              <a:t>09/01/2024</a:t>
             </a:fld>
             <a:endParaRPr lang="en-PH"/>
           </a:p>
@@ -17051,7 +17136,7 @@
           <a:p>
             <a:fld id="{0CCF0B81-6BD8-4C65-9459-815598C5F1F4}" type="datetimeFigureOut">
               <a:rPr lang="en-PH" smtClean="0"/>
-              <a:t>08/01/2024</a:t>
+              <a:t>09/01/2024</a:t>
             </a:fld>
             <a:endParaRPr lang="en-PH"/>
           </a:p>
@@ -17193,7 +17278,7 @@
           <a:p>
             <a:fld id="{0CCF0B81-6BD8-4C65-9459-815598C5F1F4}" type="datetimeFigureOut">
               <a:rPr lang="en-PH" smtClean="0"/>
-              <a:t>08/01/2024</a:t>
+              <a:t>09/01/2024</a:t>
             </a:fld>
             <a:endParaRPr lang="en-PH"/>
           </a:p>
@@ -17306,7 +17391,7 @@
           <a:p>
             <a:fld id="{0CCF0B81-6BD8-4C65-9459-815598C5F1F4}" type="datetimeFigureOut">
               <a:rPr lang="en-PH" smtClean="0"/>
-              <a:t>08/01/2024</a:t>
+              <a:t>09/01/2024</a:t>
             </a:fld>
             <a:endParaRPr lang="en-PH"/>
           </a:p>
@@ -17619,7 +17704,7 @@
           <a:p>
             <a:fld id="{0CCF0B81-6BD8-4C65-9459-815598C5F1F4}" type="datetimeFigureOut">
               <a:rPr lang="en-PH" smtClean="0"/>
-              <a:t>08/01/2024</a:t>
+              <a:t>09/01/2024</a:t>
             </a:fld>
             <a:endParaRPr lang="en-PH"/>
           </a:p>
@@ -17908,7 +17993,7 @@
           <a:p>
             <a:fld id="{0CCF0B81-6BD8-4C65-9459-815598C5F1F4}" type="datetimeFigureOut">
               <a:rPr lang="en-PH" smtClean="0"/>
-              <a:t>08/01/2024</a:t>
+              <a:t>09/01/2024</a:t>
             </a:fld>
             <a:endParaRPr lang="en-PH"/>
           </a:p>
@@ -18151,7 +18236,7 @@
           <a:p>
             <a:fld id="{0CCF0B81-6BD8-4C65-9459-815598C5F1F4}" type="datetimeFigureOut">
               <a:rPr lang="en-PH" smtClean="0"/>
-              <a:t>08/01/2024</a:t>
+              <a:t>09/01/2024</a:t>
             </a:fld>
             <a:endParaRPr lang="en-PH"/>
           </a:p>
@@ -22476,8 +22561,8 @@
             </p:nvSpPr>
             <p:spPr>
               <a:xfrm>
-                <a:off x="459203" y="4375458"/>
-                <a:ext cx="2649575" cy="1477328"/>
+                <a:off x="346765" y="4514299"/>
+                <a:ext cx="3827412" cy="1200329"/>
               </a:xfrm>
               <a:prstGeom prst="rect">
                 <a:avLst/>
@@ -22490,185 +22575,185 @@
               </a:bodyPr>
               <a:lstStyle/>
               <a:p>
-                <a:pPr/>
+                <a:r>
+                  <a:rPr lang="en-US" b="1" dirty="0"/>
+                  <a:t>Constraints:</a:t>
+                </a:r>
+              </a:p>
+              <a:p>
                 <a14:m>
                   <m:oMathPara xmlns:m="http://schemas.openxmlformats.org/officeDocument/2006/math">
                     <m:oMathParaPr>
                       <m:jc m:val="centerGroup"/>
                     </m:oMathParaPr>
                     <m:oMath xmlns:m="http://schemas.openxmlformats.org/officeDocument/2006/math">
+                      <m:acc>
+                        <m:accPr>
+                          <m:chr m:val="⃗"/>
+                          <m:ctrlPr>
+                            <a:rPr lang="en-US" b="1" i="1" dirty="0" smtClean="0">
+                              <a:latin typeface="Cambria Math" panose="02040503050406030204" pitchFamily="18" charset="0"/>
+                              <a:ea typeface="Cambria Math" panose="02040503050406030204" pitchFamily="18" charset="0"/>
+                            </a:rPr>
+                          </m:ctrlPr>
+                        </m:accPr>
+                        <m:e>
+                          <m:r>
+                            <a:rPr lang="en-US" b="1" i="1" dirty="0">
+                              <a:latin typeface="Cambria Math" panose="02040503050406030204" pitchFamily="18" charset="0"/>
+                              <a:ea typeface="Cambria Math" panose="02040503050406030204" pitchFamily="18" charset="0"/>
+                            </a:rPr>
+                            <m:t>𝒘</m:t>
+                          </m:r>
+                          <m:r>
+                            <a:rPr lang="en-US" b="1" i="1" dirty="0">
+                              <a:latin typeface="Cambria Math" panose="02040503050406030204" pitchFamily="18" charset="0"/>
+                              <a:ea typeface="Cambria Math" panose="02040503050406030204" pitchFamily="18" charset="0"/>
+                            </a:rPr>
+                            <m:t> </m:t>
+                          </m:r>
+                        </m:e>
+                      </m:acc>
                       <m:r>
-                        <a:rPr lang="en-US" b="1" i="1" smtClean="0">
+                        <m:rPr>
+                          <m:nor/>
+                        </m:rPr>
+                        <a:rPr lang="en-PH" b="1" dirty="0">
                           <a:latin typeface="Cambria Math" panose="02040503050406030204" pitchFamily="18" charset="0"/>
+                          <a:ea typeface="Cambria Math" panose="02040503050406030204" pitchFamily="18" charset="0"/>
                         </a:rPr>
-                        <m:t>𝑪𝒐𝒏𝒔𝒕𝒓𝒂𝒊𝒏𝒕𝒔</m:t>
+                        <m:t>⋅ </m:t>
+                      </m:r>
+                      <m:acc>
+                        <m:accPr>
+                          <m:chr m:val="⃗"/>
+                          <m:ctrlPr>
+                            <a:rPr lang="en-US" b="1" i="1" dirty="0">
+                              <a:latin typeface="Cambria Math" panose="02040503050406030204" pitchFamily="18" charset="0"/>
+                              <a:ea typeface="Cambria Math" panose="02040503050406030204" pitchFamily="18" charset="0"/>
+                            </a:rPr>
+                          </m:ctrlPr>
+                        </m:accPr>
+                        <m:e>
+                          <m:r>
+                            <a:rPr lang="en-US" b="1" i="1" dirty="0">
+                              <a:latin typeface="Cambria Math" panose="02040503050406030204" pitchFamily="18" charset="0"/>
+                              <a:ea typeface="Cambria Math" panose="02040503050406030204" pitchFamily="18" charset="0"/>
+                            </a:rPr>
+                            <m:t>𝒙</m:t>
+                          </m:r>
+                          <m:r>
+                            <a:rPr lang="en-US" b="1" i="1" dirty="0">
+                              <a:latin typeface="Cambria Math" panose="02040503050406030204" pitchFamily="18" charset="0"/>
+                              <a:ea typeface="Cambria Math" panose="02040503050406030204" pitchFamily="18" charset="0"/>
+                            </a:rPr>
+                            <m:t> </m:t>
+                          </m:r>
+                        </m:e>
+                      </m:acc>
+                      <m:r>
+                        <m:rPr>
+                          <m:nor/>
+                        </m:rPr>
+                        <a:rPr lang="en-PH" b="1" dirty="0">
+                          <a:latin typeface="Cambria Math" panose="02040503050406030204" pitchFamily="18" charset="0"/>
+                          <a:ea typeface="Cambria Math" panose="02040503050406030204" pitchFamily="18" charset="0"/>
+                        </a:rPr>
+                        <m:t> - </m:t>
                       </m:r>
                       <m:r>
-                        <a:rPr lang="en-US" b="1" i="1" smtClean="0">
+                        <m:rPr>
+                          <m:nor/>
+                        </m:rPr>
+                        <a:rPr lang="en-PH" b="1" dirty="0">
                           <a:latin typeface="Cambria Math" panose="02040503050406030204" pitchFamily="18" charset="0"/>
+                          <a:ea typeface="Cambria Math" panose="02040503050406030204" pitchFamily="18" charset="0"/>
                         </a:rPr>
-                        <m:t>:</m:t>
+                        <m:t>b</m:t>
+                      </m:r>
+                      <m:r>
+                        <m:rPr>
+                          <m:nor/>
+                        </m:rPr>
+                        <a:rPr lang="en-PH" b="1" dirty="0">
+                          <a:latin typeface="Cambria Math" panose="02040503050406030204" pitchFamily="18" charset="0"/>
+                          <a:ea typeface="Cambria Math" panose="02040503050406030204" pitchFamily="18" charset="0"/>
+                        </a:rPr>
+                        <m:t> ≥ +1, </m:t>
+                      </m:r>
+                      <m:sSub>
+                        <m:sSubPr>
+                          <m:ctrlPr>
+                            <a:rPr lang="en-US" b="1" i="1" dirty="0">
+                              <a:latin typeface="Cambria Math" panose="02040503050406030204" pitchFamily="18" charset="0"/>
+                              <a:ea typeface="Cambria Math" panose="02040503050406030204" pitchFamily="18" charset="0"/>
+                            </a:rPr>
+                          </m:ctrlPr>
+                        </m:sSubPr>
+                        <m:e>
+                          <m:r>
+                            <a:rPr lang="en-US" b="1" i="1" dirty="0">
+                              <a:latin typeface="Cambria Math" panose="02040503050406030204" pitchFamily="18" charset="0"/>
+                              <a:ea typeface="Cambria Math" panose="02040503050406030204" pitchFamily="18" charset="0"/>
+                            </a:rPr>
+                            <m:t>𝒊𝒇</m:t>
+                          </m:r>
+                          <m:r>
+                            <a:rPr lang="en-US" b="1" i="1" dirty="0">
+                              <a:latin typeface="Cambria Math" panose="02040503050406030204" pitchFamily="18" charset="0"/>
+                              <a:ea typeface="Cambria Math" panose="02040503050406030204" pitchFamily="18" charset="0"/>
+                            </a:rPr>
+                            <m:t> </m:t>
+                          </m:r>
+                          <m:r>
+                            <a:rPr lang="en-US" b="1" i="1" dirty="0">
+                              <a:latin typeface="Cambria Math" panose="02040503050406030204" pitchFamily="18" charset="0"/>
+                              <a:ea typeface="Cambria Math" panose="02040503050406030204" pitchFamily="18" charset="0"/>
+                            </a:rPr>
+                            <m:t>𝒚</m:t>
+                          </m:r>
+                        </m:e>
+                        <m:sub>
+                          <m:r>
+                            <a:rPr lang="en-US" b="1" i="1" dirty="0">
+                              <a:latin typeface="Cambria Math" panose="02040503050406030204" pitchFamily="18" charset="0"/>
+                              <a:ea typeface="Cambria Math" panose="02040503050406030204" pitchFamily="18" charset="0"/>
+                            </a:rPr>
+                            <m:t>𝒊</m:t>
+                          </m:r>
+                        </m:sub>
+                      </m:sSub>
+                      <m:r>
+                        <m:rPr>
+                          <m:nor/>
+                        </m:rPr>
+                        <a:rPr lang="en-US" b="1" dirty="0">
+                          <a:ea typeface="Cambria Math" panose="02040503050406030204" pitchFamily="18" charset="0"/>
+                        </a:rPr>
+                        <m:t> = </m:t>
+                      </m:r>
+                      <m:r>
+                        <m:rPr>
+                          <m:nor/>
+                        </m:rPr>
+                        <a:rPr lang="en-US" b="1" dirty="0">
+                          <a:solidFill>
+                            <a:srgbClr val="00B050"/>
+                          </a:solidFill>
+                          <a:ea typeface="Cambria Math" panose="02040503050406030204" pitchFamily="18" charset="0"/>
+                        </a:rPr>
+                        <m:t>+1</m:t>
                       </m:r>
                     </m:oMath>
                   </m:oMathPara>
                 </a14:m>
                 <a:endParaRPr lang="en-US" b="1" dirty="0">
-                  <a:latin typeface="+mj-lt"/>
+                  <a:solidFill>
+                    <a:srgbClr val="00B050"/>
+                  </a:solidFill>
+                  <a:latin typeface="Cambria Math" panose="02040503050406030204" pitchFamily="18" charset="0"/>
+                  <a:ea typeface="Cambria Math" panose="02040503050406030204" pitchFamily="18" charset="0"/>
                 </a:endParaRPr>
-              </a:p>
-              <a:p>
-                <a:pPr/>
-                <a:endParaRPr lang="en-US" b="1" dirty="0">
-                  <a:latin typeface="+mj-lt"/>
-                </a:endParaRPr>
-              </a:p>
-              <a:p>
-                <a14:m>
-                  <m:oMath xmlns:m="http://schemas.openxmlformats.org/officeDocument/2006/math">
-                    <m:sSub>
-                      <m:sSubPr>
-                        <m:ctrlPr>
-                          <a:rPr lang="en-US" b="1" i="1" dirty="0">
-                            <a:latin typeface="Cambria Math" panose="02040503050406030204" pitchFamily="18" charset="0"/>
-                            <a:ea typeface="Cambria Math" panose="02040503050406030204" pitchFamily="18" charset="0"/>
-                          </a:rPr>
-                        </m:ctrlPr>
-                      </m:sSubPr>
-                      <m:e>
-                        <m:r>
-                          <a:rPr lang="en-US" b="1" i="1" dirty="0">
-                            <a:latin typeface="Cambria Math" panose="02040503050406030204" pitchFamily="18" charset="0"/>
-                            <a:ea typeface="Cambria Math" panose="02040503050406030204" pitchFamily="18" charset="0"/>
-                          </a:rPr>
-                          <m:t>𝒚</m:t>
-                        </m:r>
-                      </m:e>
-                      <m:sub>
-                        <m:r>
-                          <a:rPr lang="en-US" b="1" i="1" dirty="0">
-                            <a:latin typeface="Cambria Math" panose="02040503050406030204" pitchFamily="18" charset="0"/>
-                            <a:ea typeface="Cambria Math" panose="02040503050406030204" pitchFamily="18" charset="0"/>
-                          </a:rPr>
-                          <m:t>𝒊</m:t>
-                        </m:r>
-                      </m:sub>
-                    </m:sSub>
-                  </m:oMath>
-                </a14:m>
-                <a:r>
-                  <a:rPr lang="en-US" b="1" dirty="0">
-                    <a:ea typeface="Cambria Math" panose="02040503050406030204" pitchFamily="18" charset="0"/>
-                  </a:rPr>
-                  <a:t> = </a:t>
-                </a:r>
-                <a:r>
-                  <a:rPr lang="en-US" b="1" dirty="0">
-                    <a:solidFill>
-                      <a:srgbClr val="00B050"/>
-                    </a:solidFill>
-                    <a:ea typeface="Cambria Math" panose="02040503050406030204" pitchFamily="18" charset="0"/>
-                  </a:rPr>
-                  <a:t>+1</a:t>
-                </a:r>
-                <a:r>
-                  <a:rPr lang="en-US" b="1" dirty="0">
-                    <a:ea typeface="Cambria Math" panose="02040503050406030204" pitchFamily="18" charset="0"/>
-                  </a:rPr>
-                  <a:t>, </a:t>
-                </a:r>
-                <a14:m>
-                  <m:oMath xmlns:m="http://schemas.openxmlformats.org/officeDocument/2006/math">
-                    <m:r>
-                      <a:rPr lang="en-US" b="1" i="1" smtClean="0">
-                        <a:latin typeface="Cambria Math" panose="02040503050406030204" pitchFamily="18" charset="0"/>
-                        <a:ea typeface="Cambria Math" panose="02040503050406030204" pitchFamily="18" charset="0"/>
-                      </a:rPr>
-                      <m:t>𝒊𝒇</m:t>
-                    </m:r>
-                  </m:oMath>
-                </a14:m>
-                <a:r>
-                  <a:rPr lang="en-US" b="1" dirty="0">
-                    <a:ea typeface="Cambria Math" panose="02040503050406030204" pitchFamily="18" charset="0"/>
-                  </a:rPr>
-                  <a:t> </a:t>
-                </a:r>
-                <a14:m>
-                  <m:oMath xmlns:m="http://schemas.openxmlformats.org/officeDocument/2006/math">
-                    <m:acc>
-                      <m:accPr>
-                        <m:chr m:val="⃗"/>
-                        <m:ctrlPr>
-                          <a:rPr lang="en-US" b="1" i="1" dirty="0">
-                            <a:latin typeface="Cambria Math" panose="02040503050406030204" pitchFamily="18" charset="0"/>
-                            <a:ea typeface="Cambria Math" panose="02040503050406030204" pitchFamily="18" charset="0"/>
-                          </a:rPr>
-                        </m:ctrlPr>
-                      </m:accPr>
-                      <m:e>
-                        <m:r>
-                          <a:rPr lang="en-US" b="1" i="1" dirty="0">
-                            <a:latin typeface="Cambria Math" panose="02040503050406030204" pitchFamily="18" charset="0"/>
-                            <a:ea typeface="Cambria Math" panose="02040503050406030204" pitchFamily="18" charset="0"/>
-                          </a:rPr>
-                          <m:t>𝒘</m:t>
-                        </m:r>
-                        <m:r>
-                          <a:rPr lang="en-US" b="1" i="1" dirty="0">
-                            <a:latin typeface="Cambria Math" panose="02040503050406030204" pitchFamily="18" charset="0"/>
-                            <a:ea typeface="Cambria Math" panose="02040503050406030204" pitchFamily="18" charset="0"/>
-                          </a:rPr>
-                          <m:t> </m:t>
-                        </m:r>
-                      </m:e>
-                    </m:acc>
-                  </m:oMath>
-                </a14:m>
-                <a:r>
-                  <a:rPr lang="en-PH" b="1" dirty="0">
-                    <a:latin typeface="Cambria Math" panose="02040503050406030204" pitchFamily="18" charset="0"/>
-                    <a:ea typeface="Cambria Math" panose="02040503050406030204" pitchFamily="18" charset="0"/>
-                  </a:rPr>
-                  <a:t>⋅ </a:t>
-                </a:r>
-                <a14:m>
-                  <m:oMath xmlns:m="http://schemas.openxmlformats.org/officeDocument/2006/math">
-                    <m:acc>
-                      <m:accPr>
-                        <m:chr m:val="⃗"/>
-                        <m:ctrlPr>
-                          <a:rPr lang="en-US" b="1" i="1" dirty="0">
-                            <a:latin typeface="Cambria Math" panose="02040503050406030204" pitchFamily="18" charset="0"/>
-                            <a:ea typeface="Cambria Math" panose="02040503050406030204" pitchFamily="18" charset="0"/>
-                          </a:rPr>
-                        </m:ctrlPr>
-                      </m:accPr>
-                      <m:e>
-                        <m:r>
-                          <a:rPr lang="en-US" b="1" i="1" dirty="0">
-                            <a:latin typeface="Cambria Math" panose="02040503050406030204" pitchFamily="18" charset="0"/>
-                            <a:ea typeface="Cambria Math" panose="02040503050406030204" pitchFamily="18" charset="0"/>
-                          </a:rPr>
-                          <m:t>𝒙</m:t>
-                        </m:r>
-                        <m:r>
-                          <a:rPr lang="en-US" b="1" i="1" dirty="0">
-                            <a:latin typeface="Cambria Math" panose="02040503050406030204" pitchFamily="18" charset="0"/>
-                            <a:ea typeface="Cambria Math" panose="02040503050406030204" pitchFamily="18" charset="0"/>
-                          </a:rPr>
-                          <m:t> </m:t>
-                        </m:r>
-                      </m:e>
-                    </m:acc>
-                  </m:oMath>
-                </a14:m>
-                <a:r>
-                  <a:rPr lang="en-PH" b="1" dirty="0">
-                    <a:latin typeface="Cambria Math" panose="02040503050406030204" pitchFamily="18" charset="0"/>
-                    <a:ea typeface="Cambria Math" panose="02040503050406030204" pitchFamily="18" charset="0"/>
-                  </a:rPr>
-                  <a:t> - b ≥ +1</a:t>
-                </a:r>
               </a:p>
               <a:p>
                 <a:endParaRPr lang="en-PH" b="1" dirty="0">
@@ -22678,151 +22763,175 @@
               </a:p>
               <a:p>
                 <a14:m>
-                  <m:oMath xmlns:m="http://schemas.openxmlformats.org/officeDocument/2006/math">
-                    <m:sSub>
-                      <m:sSubPr>
-                        <m:ctrlPr>
-                          <a:rPr lang="en-US" b="1" i="1" dirty="0">
-                            <a:latin typeface="Cambria Math" panose="02040503050406030204" pitchFamily="18" charset="0"/>
-                            <a:ea typeface="Cambria Math" panose="02040503050406030204" pitchFamily="18" charset="0"/>
-                          </a:rPr>
-                        </m:ctrlPr>
-                      </m:sSubPr>
-                      <m:e>
-                        <m:r>
-                          <a:rPr lang="en-US" b="1" i="1" dirty="0">
-                            <a:latin typeface="Cambria Math" panose="02040503050406030204" pitchFamily="18" charset="0"/>
-                            <a:ea typeface="Cambria Math" panose="02040503050406030204" pitchFamily="18" charset="0"/>
-                          </a:rPr>
-                          <m:t>𝒚</m:t>
-                        </m:r>
-                      </m:e>
-                      <m:sub>
-                        <m:r>
-                          <a:rPr lang="en-US" b="1" i="1" dirty="0">
-                            <a:latin typeface="Cambria Math" panose="02040503050406030204" pitchFamily="18" charset="0"/>
-                            <a:ea typeface="Cambria Math" panose="02040503050406030204" pitchFamily="18" charset="0"/>
-                          </a:rPr>
-                          <m:t>𝒊</m:t>
-                        </m:r>
-                      </m:sub>
-                    </m:sSub>
-                  </m:oMath>
+                  <m:oMathPara xmlns:m="http://schemas.openxmlformats.org/officeDocument/2006/math">
+                    <m:oMathParaPr>
+                      <m:jc m:val="centerGroup"/>
+                    </m:oMathParaPr>
+                    <m:oMath xmlns:m="http://schemas.openxmlformats.org/officeDocument/2006/math">
+                      <m:acc>
+                        <m:accPr>
+                          <m:chr m:val="⃗"/>
+                          <m:ctrlPr>
+                            <a:rPr lang="en-US" b="1" i="1" dirty="0" smtClean="0">
+                              <a:latin typeface="Cambria Math" panose="02040503050406030204" pitchFamily="18" charset="0"/>
+                              <a:ea typeface="Cambria Math" panose="02040503050406030204" pitchFamily="18" charset="0"/>
+                            </a:rPr>
+                          </m:ctrlPr>
+                        </m:accPr>
+                        <m:e>
+                          <m:r>
+                            <a:rPr lang="en-US" b="1" i="1" dirty="0">
+                              <a:latin typeface="Cambria Math" panose="02040503050406030204" pitchFamily="18" charset="0"/>
+                              <a:ea typeface="Cambria Math" panose="02040503050406030204" pitchFamily="18" charset="0"/>
+                            </a:rPr>
+                            <m:t>𝒘</m:t>
+                          </m:r>
+                          <m:r>
+                            <a:rPr lang="en-US" b="1" i="1" dirty="0">
+                              <a:latin typeface="Cambria Math" panose="02040503050406030204" pitchFamily="18" charset="0"/>
+                              <a:ea typeface="Cambria Math" panose="02040503050406030204" pitchFamily="18" charset="0"/>
+                            </a:rPr>
+                            <m:t> </m:t>
+                          </m:r>
+                        </m:e>
+                      </m:acc>
+                      <m:r>
+                        <m:rPr>
+                          <m:nor/>
+                        </m:rPr>
+                        <a:rPr lang="en-PH" b="1" dirty="0">
+                          <a:latin typeface="Cambria Math" panose="02040503050406030204" pitchFamily="18" charset="0"/>
+                          <a:ea typeface="Cambria Math" panose="02040503050406030204" pitchFamily="18" charset="0"/>
+                        </a:rPr>
+                        <m:t>⋅ </m:t>
+                      </m:r>
+                      <m:acc>
+                        <m:accPr>
+                          <m:chr m:val="⃗"/>
+                          <m:ctrlPr>
+                            <a:rPr lang="en-US" b="1" i="1" dirty="0">
+                              <a:latin typeface="Cambria Math" panose="02040503050406030204" pitchFamily="18" charset="0"/>
+                              <a:ea typeface="Cambria Math" panose="02040503050406030204" pitchFamily="18" charset="0"/>
+                            </a:rPr>
+                          </m:ctrlPr>
+                        </m:accPr>
+                        <m:e>
+                          <m:r>
+                            <a:rPr lang="en-US" b="1" i="1" dirty="0">
+                              <a:latin typeface="Cambria Math" panose="02040503050406030204" pitchFamily="18" charset="0"/>
+                              <a:ea typeface="Cambria Math" panose="02040503050406030204" pitchFamily="18" charset="0"/>
+                            </a:rPr>
+                            <m:t>𝒙</m:t>
+                          </m:r>
+                          <m:r>
+                            <a:rPr lang="en-US" b="1" i="1" dirty="0">
+                              <a:latin typeface="Cambria Math" panose="02040503050406030204" pitchFamily="18" charset="0"/>
+                              <a:ea typeface="Cambria Math" panose="02040503050406030204" pitchFamily="18" charset="0"/>
+                            </a:rPr>
+                            <m:t> </m:t>
+                          </m:r>
+                        </m:e>
+                      </m:acc>
+                      <m:r>
+                        <m:rPr>
+                          <m:nor/>
+                        </m:rPr>
+                        <a:rPr lang="en-PH" b="1" dirty="0">
+                          <a:latin typeface="Cambria Math" panose="02040503050406030204" pitchFamily="18" charset="0"/>
+                          <a:ea typeface="Cambria Math" panose="02040503050406030204" pitchFamily="18" charset="0"/>
+                        </a:rPr>
+                        <m:t> - </m:t>
+                      </m:r>
+                      <m:r>
+                        <m:rPr>
+                          <m:nor/>
+                        </m:rPr>
+                        <a:rPr lang="en-PH" b="1" dirty="0">
+                          <a:latin typeface="Cambria Math" panose="02040503050406030204" pitchFamily="18" charset="0"/>
+                          <a:ea typeface="Cambria Math" panose="02040503050406030204" pitchFamily="18" charset="0"/>
+                        </a:rPr>
+                        <m:t>b</m:t>
+                      </m:r>
+                      <m:r>
+                        <m:rPr>
+                          <m:nor/>
+                        </m:rPr>
+                        <a:rPr lang="en-PH" b="1" dirty="0">
+                          <a:latin typeface="Cambria Math" panose="02040503050406030204" pitchFamily="18" charset="0"/>
+                          <a:ea typeface="Cambria Math" panose="02040503050406030204" pitchFamily="18" charset="0"/>
+                        </a:rPr>
+                        <m:t> ≤ -1, </m:t>
+                      </m:r>
+                      <m:r>
+                        <a:rPr lang="en-US" b="1" i="1" dirty="0" smtClean="0">
+                          <a:latin typeface="Cambria Math" panose="02040503050406030204" pitchFamily="18" charset="0"/>
+                          <a:ea typeface="Cambria Math" panose="02040503050406030204" pitchFamily="18" charset="0"/>
+                        </a:rPr>
+                        <m:t>𝒊𝒇</m:t>
+                      </m:r>
+                      <m:r>
+                        <a:rPr lang="en-US" b="1" i="1" dirty="0" smtClean="0">
+                          <a:latin typeface="Cambria Math" panose="02040503050406030204" pitchFamily="18" charset="0"/>
+                          <a:ea typeface="Cambria Math" panose="02040503050406030204" pitchFamily="18" charset="0"/>
+                        </a:rPr>
+                        <m:t> </m:t>
+                      </m:r>
+                      <m:sSub>
+                        <m:sSubPr>
+                          <m:ctrlPr>
+                            <a:rPr lang="en-US" b="1" i="1" dirty="0">
+                              <a:latin typeface="Cambria Math" panose="02040503050406030204" pitchFamily="18" charset="0"/>
+                              <a:ea typeface="Cambria Math" panose="02040503050406030204" pitchFamily="18" charset="0"/>
+                            </a:rPr>
+                          </m:ctrlPr>
+                        </m:sSubPr>
+                        <m:e>
+                          <m:r>
+                            <a:rPr lang="en-US" b="1" i="1" dirty="0">
+                              <a:latin typeface="Cambria Math" panose="02040503050406030204" pitchFamily="18" charset="0"/>
+                              <a:ea typeface="Cambria Math" panose="02040503050406030204" pitchFamily="18" charset="0"/>
+                            </a:rPr>
+                            <m:t>𝒚</m:t>
+                          </m:r>
+                        </m:e>
+                        <m:sub>
+                          <m:r>
+                            <a:rPr lang="en-US" b="1" i="1" dirty="0">
+                              <a:latin typeface="Cambria Math" panose="02040503050406030204" pitchFamily="18" charset="0"/>
+                              <a:ea typeface="Cambria Math" panose="02040503050406030204" pitchFamily="18" charset="0"/>
+                            </a:rPr>
+                            <m:t>𝒊</m:t>
+                          </m:r>
+                        </m:sub>
+                      </m:sSub>
+                      <m:r>
+                        <m:rPr>
+                          <m:nor/>
+                        </m:rPr>
+                        <a:rPr lang="en-US" b="1" dirty="0">
+                          <a:ea typeface="Cambria Math" panose="02040503050406030204" pitchFamily="18" charset="0"/>
+                        </a:rPr>
+                        <m:t> = </m:t>
+                      </m:r>
+                      <m:r>
+                        <m:rPr>
+                          <m:nor/>
+                        </m:rPr>
+                        <a:rPr lang="en-US" b="1" dirty="0">
+                          <a:solidFill>
+                            <a:srgbClr val="FF0000"/>
+                          </a:solidFill>
+                          <a:ea typeface="Cambria Math" panose="02040503050406030204" pitchFamily="18" charset="0"/>
+                        </a:rPr>
+                        <m:t>-1</m:t>
+                      </m:r>
+                    </m:oMath>
+                  </m:oMathPara>
                 </a14:m>
-                <a:r>
-                  <a:rPr lang="en-US" b="1" dirty="0">
-                    <a:ea typeface="Cambria Math" panose="02040503050406030204" pitchFamily="18" charset="0"/>
-                  </a:rPr>
-                  <a:t> = </a:t>
-                </a:r>
-                <a:r>
-                  <a:rPr lang="en-US" b="1" dirty="0">
-                    <a:solidFill>
-                      <a:srgbClr val="FF0000"/>
-                    </a:solidFill>
-                    <a:ea typeface="Cambria Math" panose="02040503050406030204" pitchFamily="18" charset="0"/>
-                  </a:rPr>
-                  <a:t>-1</a:t>
-                </a:r>
-                <a:r>
-                  <a:rPr lang="en-US" b="1" dirty="0">
-                    <a:ea typeface="Cambria Math" panose="02040503050406030204" pitchFamily="18" charset="0"/>
-                  </a:rPr>
-                  <a:t>, </a:t>
-                </a:r>
-                <a14:m>
-                  <m:oMath xmlns:m="http://schemas.openxmlformats.org/officeDocument/2006/math">
-                    <m:r>
-                      <a:rPr lang="en-US" b="1" i="1">
-                        <a:latin typeface="Cambria Math" panose="02040503050406030204" pitchFamily="18" charset="0"/>
-                        <a:ea typeface="Cambria Math" panose="02040503050406030204" pitchFamily="18" charset="0"/>
-                      </a:rPr>
-                      <m:t>𝒊𝒇</m:t>
-                    </m:r>
-                  </m:oMath>
-                </a14:m>
-                <a:r>
-                  <a:rPr lang="en-US" b="1" dirty="0">
-                    <a:ea typeface="Cambria Math" panose="02040503050406030204" pitchFamily="18" charset="0"/>
-                  </a:rPr>
-                  <a:t> </a:t>
-                </a:r>
-                <a14:m>
-                  <m:oMath xmlns:m="http://schemas.openxmlformats.org/officeDocument/2006/math">
-                    <m:acc>
-                      <m:accPr>
-                        <m:chr m:val="⃗"/>
-                        <m:ctrlPr>
-                          <a:rPr lang="en-US" b="1" i="1" dirty="0">
-                            <a:latin typeface="Cambria Math" panose="02040503050406030204" pitchFamily="18" charset="0"/>
-                            <a:ea typeface="Cambria Math" panose="02040503050406030204" pitchFamily="18" charset="0"/>
-                          </a:rPr>
-                        </m:ctrlPr>
-                      </m:accPr>
-                      <m:e>
-                        <m:r>
-                          <a:rPr lang="en-US" b="1" i="1" dirty="0">
-                            <a:latin typeface="Cambria Math" panose="02040503050406030204" pitchFamily="18" charset="0"/>
-                            <a:ea typeface="Cambria Math" panose="02040503050406030204" pitchFamily="18" charset="0"/>
-                          </a:rPr>
-                          <m:t>𝒘</m:t>
-                        </m:r>
-                        <m:r>
-                          <a:rPr lang="en-US" b="1" i="1" dirty="0">
-                            <a:latin typeface="Cambria Math" panose="02040503050406030204" pitchFamily="18" charset="0"/>
-                            <a:ea typeface="Cambria Math" panose="02040503050406030204" pitchFamily="18" charset="0"/>
-                          </a:rPr>
-                          <m:t> </m:t>
-                        </m:r>
-                      </m:e>
-                    </m:acc>
-                  </m:oMath>
-                </a14:m>
-                <a:r>
-                  <a:rPr lang="en-PH" b="1" dirty="0">
-                    <a:latin typeface="Cambria Math" panose="02040503050406030204" pitchFamily="18" charset="0"/>
-                    <a:ea typeface="Cambria Math" panose="02040503050406030204" pitchFamily="18" charset="0"/>
-                  </a:rPr>
-                  <a:t>⋅ </a:t>
-                </a:r>
-                <a14:m>
-                  <m:oMath xmlns:m="http://schemas.openxmlformats.org/officeDocument/2006/math">
-                    <m:acc>
-                      <m:accPr>
-                        <m:chr m:val="⃗"/>
-                        <m:ctrlPr>
-                          <a:rPr lang="en-US" b="1" i="1" dirty="0">
-                            <a:latin typeface="Cambria Math" panose="02040503050406030204" pitchFamily="18" charset="0"/>
-                            <a:ea typeface="Cambria Math" panose="02040503050406030204" pitchFamily="18" charset="0"/>
-                          </a:rPr>
-                        </m:ctrlPr>
-                      </m:accPr>
-                      <m:e>
-                        <m:r>
-                          <a:rPr lang="en-US" b="1" i="1" dirty="0">
-                            <a:latin typeface="Cambria Math" panose="02040503050406030204" pitchFamily="18" charset="0"/>
-                            <a:ea typeface="Cambria Math" panose="02040503050406030204" pitchFamily="18" charset="0"/>
-                          </a:rPr>
-                          <m:t>𝒙</m:t>
-                        </m:r>
-                        <m:r>
-                          <a:rPr lang="en-US" b="1" i="1" dirty="0">
-                            <a:latin typeface="Cambria Math" panose="02040503050406030204" pitchFamily="18" charset="0"/>
-                            <a:ea typeface="Cambria Math" panose="02040503050406030204" pitchFamily="18" charset="0"/>
-                          </a:rPr>
-                          <m:t> </m:t>
-                        </m:r>
-                      </m:e>
-                    </m:acc>
-                  </m:oMath>
-                </a14:m>
-                <a:r>
-                  <a:rPr lang="en-PH" b="1" dirty="0">
-                    <a:latin typeface="Cambria Math" panose="02040503050406030204" pitchFamily="18" charset="0"/>
-                    <a:ea typeface="Cambria Math" panose="02040503050406030204" pitchFamily="18" charset="0"/>
-                  </a:rPr>
-                  <a:t> - b ≤ -1</a:t>
-                </a:r>
+                <a:endParaRPr lang="en-PH" b="1" dirty="0">
+                  <a:latin typeface="Cambria Math" panose="02040503050406030204" pitchFamily="18" charset="0"/>
+                  <a:ea typeface="Cambria Math" panose="02040503050406030204" pitchFamily="18" charset="0"/>
+                </a:endParaRPr>
               </a:p>
             </p:txBody>
           </p:sp>
@@ -22844,8 +22953,8 @@
             </p:nvSpPr>
             <p:spPr>
               <a:xfrm>
-                <a:off x="459203" y="4375458"/>
-                <a:ext cx="2649575" cy="1477328"/>
+                <a:off x="346765" y="4514299"/>
+                <a:ext cx="3827412" cy="1200329"/>
               </a:xfrm>
               <a:prstGeom prst="rect">
                 <a:avLst/>
@@ -22853,7 +22962,7 @@
               <a:blipFill>
                 <a:blip r:embed="rId7"/>
                 <a:stretch>
-                  <a:fillRect r="-690" b="-5785"/>
+                  <a:fillRect l="-1433" t="-3061" b="-4082"/>
                 </a:stretch>
               </a:blipFill>
             </p:spPr>
@@ -23266,14 +23375,114 @@
           </a:p>
         </p:txBody>
       </p:sp>
+      <p:sp>
+        <p:nvSpPr>
+          <p:cNvPr id="23" name="TextBox 22">
+            <a:extLst>
+              <a:ext uri="{FF2B5EF4-FFF2-40B4-BE49-F238E27FC236}">
+                <a16:creationId xmlns:a16="http://schemas.microsoft.com/office/drawing/2014/main" id="{61D3D7BC-76A5-755B-4DAA-F0FAE606B511}"/>
+              </a:ext>
+            </a:extLst>
+          </p:cNvPr>
+          <p:cNvSpPr txBox="1"/>
+          <p:nvPr/>
+        </p:nvSpPr>
+        <p:spPr>
+          <a:xfrm>
+            <a:off x="1739897" y="1035133"/>
+            <a:ext cx="8712200" cy="1677382"/>
+          </a:xfrm>
+          <a:prstGeom prst="rect">
+            <a:avLst/>
+          </a:prstGeom>
+          <a:noFill/>
+        </p:spPr>
+        <p:txBody>
+          <a:bodyPr wrap="square" rtlCol="0">
+            <a:spAutoFit/>
+          </a:bodyPr>
+          <a:lstStyle/>
+          <a:p>
+            <a:endParaRPr lang="en-PH" sz="2500" b="1" dirty="0">
+              <a:solidFill>
+                <a:schemeClr val="tx1"/>
+              </a:solidFill>
+              <a:latin typeface="Cambria Math" panose="02040503050406030204" pitchFamily="18" charset="0"/>
+              <a:ea typeface="Cambria Math" panose="02040503050406030204" pitchFamily="18" charset="0"/>
+            </a:endParaRPr>
+          </a:p>
+          <a:p>
+            <a:pPr/>
+            <a:endParaRPr lang="en-PH" sz="2800" b="1" dirty="0">
+              <a:latin typeface="Cambria Math" panose="02040503050406030204" pitchFamily="18" charset="0"/>
+              <a:ea typeface="Cambria Math" panose="02040503050406030204" pitchFamily="18" charset="0"/>
+            </a:endParaRPr>
+          </a:p>
+          <a:p>
+            <a:pPr/>
+            <a:endParaRPr lang="en-PH" sz="2500" b="1" dirty="0">
+              <a:solidFill>
+                <a:schemeClr val="tx1"/>
+              </a:solidFill>
+              <a:latin typeface="Cambria Math" panose="02040503050406030204" pitchFamily="18" charset="0"/>
+              <a:ea typeface="Cambria Math" panose="02040503050406030204" pitchFamily="18" charset="0"/>
+            </a:endParaRPr>
+          </a:p>
+          <a:p>
+            <a:endParaRPr lang="en-PH" sz="2500" b="1" dirty="0">
+              <a:solidFill>
+                <a:schemeClr val="tx1"/>
+              </a:solidFill>
+              <a:latin typeface="Cambria Math" panose="02040503050406030204" pitchFamily="18" charset="0"/>
+              <a:ea typeface="Cambria Math" panose="02040503050406030204" pitchFamily="18" charset="0"/>
+            </a:endParaRPr>
+          </a:p>
+        </p:txBody>
+      </p:sp>
+      <p:sp>
+        <p:nvSpPr>
+          <p:cNvPr id="34" name="TextBox 33">
+            <a:extLst>
+              <a:ext uri="{FF2B5EF4-FFF2-40B4-BE49-F238E27FC236}">
+                <a16:creationId xmlns:a16="http://schemas.microsoft.com/office/drawing/2014/main" id="{ECF1A9F1-C7A9-93F7-201A-17BBE6EFDF62}"/>
+              </a:ext>
+            </a:extLst>
+          </p:cNvPr>
+          <p:cNvSpPr txBox="1"/>
+          <p:nvPr/>
+        </p:nvSpPr>
+        <p:spPr>
+          <a:xfrm>
+            <a:off x="812324" y="3311095"/>
+            <a:ext cx="10779127" cy="830997"/>
+          </a:xfrm>
+          <a:prstGeom prst="rect">
+            <a:avLst/>
+          </a:prstGeom>
+          <a:noFill/>
+        </p:spPr>
+        <p:txBody>
+          <a:bodyPr wrap="square">
+            <a:spAutoFit/>
+          </a:bodyPr>
+          <a:lstStyle/>
+          <a:p>
+            <a:r>
+              <a:rPr lang="en-US" sz="2400" dirty="0"/>
+              <a:t>These constraints state that each data point must lie on the correct side of the margin. These two conditions can be rewritten in a compact form</a:t>
+            </a:r>
+            <a:endParaRPr lang="en-PH" sz="2400" dirty="0"/>
+          </a:p>
+        </p:txBody>
+      </p:sp>
       <mc:AlternateContent xmlns:mc="http://schemas.openxmlformats.org/markup-compatibility/2006">
         <mc:Choice xmlns:a14="http://schemas.microsoft.com/office/drawing/2010/main" Requires="a14">
           <p:sp>
             <p:nvSpPr>
-              <p:cNvPr id="23" name="TextBox 22">
+              <p:cNvPr id="3" name="TextBox 2">
                 <a:extLst>
                   <a:ext uri="{FF2B5EF4-FFF2-40B4-BE49-F238E27FC236}">
-                    <a16:creationId xmlns:a16="http://schemas.microsoft.com/office/drawing/2014/main" id="{61D3D7BC-76A5-755B-4DAA-F0FAE606B511}"/>
+                    <a16:creationId xmlns:a16="http://schemas.microsoft.com/office/drawing/2014/main" id="{248E754D-0A9C-3D12-8B2F-90BFA7408009}"/>
                   </a:ext>
                 </a:extLst>
               </p:cNvPr>
@@ -23282,8 +23491,8 @@
             </p:nvSpPr>
             <p:spPr>
               <a:xfrm>
-                <a:off x="1739897" y="1035133"/>
-                <a:ext cx="8712200" cy="2294987"/>
+                <a:off x="748145" y="1335188"/>
+                <a:ext cx="10907486" cy="1754326"/>
               </a:xfrm>
               <a:prstGeom prst="rect">
                 <a:avLst/>
@@ -23296,450 +23505,361 @@
               </a:bodyPr>
               <a:lstStyle/>
               <a:p>
-                <a:endParaRPr lang="en-PH" sz="2500" b="1" dirty="0">
+                <a:endParaRPr lang="en-US" b="1" dirty="0"/>
+              </a:p>
+              <a:p>
+                <a14:m>
+                  <m:oMathPara xmlns:m="http://schemas.openxmlformats.org/officeDocument/2006/math">
+                    <m:oMathParaPr>
+                      <m:jc m:val="centerGroup"/>
+                    </m:oMathParaPr>
+                    <m:oMath xmlns:m="http://schemas.openxmlformats.org/officeDocument/2006/math">
+                      <m:acc>
+                        <m:accPr>
+                          <m:chr m:val="⃗"/>
+                          <m:ctrlPr>
+                            <a:rPr lang="en-US" sz="3000" b="1" i="1" dirty="0" smtClean="0">
+                              <a:latin typeface="Cambria Math" panose="02040503050406030204" pitchFamily="18" charset="0"/>
+                              <a:ea typeface="Cambria Math" panose="02040503050406030204" pitchFamily="18" charset="0"/>
+                            </a:rPr>
+                          </m:ctrlPr>
+                        </m:accPr>
+                        <m:e>
+                          <m:r>
+                            <a:rPr lang="en-US" sz="3000" b="1" i="1" dirty="0">
+                              <a:latin typeface="Cambria Math" panose="02040503050406030204" pitchFamily="18" charset="0"/>
+                              <a:ea typeface="Cambria Math" panose="02040503050406030204" pitchFamily="18" charset="0"/>
+                            </a:rPr>
+                            <m:t>𝒘</m:t>
+                          </m:r>
+                          <m:r>
+                            <a:rPr lang="en-US" sz="3000" b="1" i="1" dirty="0">
+                              <a:latin typeface="Cambria Math" panose="02040503050406030204" pitchFamily="18" charset="0"/>
+                              <a:ea typeface="Cambria Math" panose="02040503050406030204" pitchFamily="18" charset="0"/>
+                            </a:rPr>
+                            <m:t> </m:t>
+                          </m:r>
+                        </m:e>
+                      </m:acc>
+                      <m:r>
+                        <m:rPr>
+                          <m:nor/>
+                        </m:rPr>
+                        <a:rPr lang="en-PH" sz="3000" b="1" dirty="0">
+                          <a:latin typeface="Cambria Math" panose="02040503050406030204" pitchFamily="18" charset="0"/>
+                          <a:ea typeface="Cambria Math" panose="02040503050406030204" pitchFamily="18" charset="0"/>
+                        </a:rPr>
+                        <m:t>⋅ </m:t>
+                      </m:r>
+                      <m:acc>
+                        <m:accPr>
+                          <m:chr m:val="⃗"/>
+                          <m:ctrlPr>
+                            <a:rPr lang="en-US" sz="3000" b="1" i="1" dirty="0">
+                              <a:latin typeface="Cambria Math" panose="02040503050406030204" pitchFamily="18" charset="0"/>
+                              <a:ea typeface="Cambria Math" panose="02040503050406030204" pitchFamily="18" charset="0"/>
+                            </a:rPr>
+                          </m:ctrlPr>
+                        </m:accPr>
+                        <m:e>
+                          <m:r>
+                            <a:rPr lang="en-US" sz="3000" b="1" i="1" dirty="0">
+                              <a:latin typeface="Cambria Math" panose="02040503050406030204" pitchFamily="18" charset="0"/>
+                              <a:ea typeface="Cambria Math" panose="02040503050406030204" pitchFamily="18" charset="0"/>
+                            </a:rPr>
+                            <m:t>𝒙</m:t>
+                          </m:r>
+                          <m:r>
+                            <a:rPr lang="en-US" sz="3000" b="1" i="1" dirty="0">
+                              <a:latin typeface="Cambria Math" panose="02040503050406030204" pitchFamily="18" charset="0"/>
+                              <a:ea typeface="Cambria Math" panose="02040503050406030204" pitchFamily="18" charset="0"/>
+                            </a:rPr>
+                            <m:t> </m:t>
+                          </m:r>
+                        </m:e>
+                      </m:acc>
+                      <m:r>
+                        <m:rPr>
+                          <m:nor/>
+                        </m:rPr>
+                        <a:rPr lang="en-PH" sz="3000" b="1" dirty="0">
+                          <a:latin typeface="Cambria Math" panose="02040503050406030204" pitchFamily="18" charset="0"/>
+                          <a:ea typeface="Cambria Math" panose="02040503050406030204" pitchFamily="18" charset="0"/>
+                        </a:rPr>
+                        <m:t> - </m:t>
+                      </m:r>
+                      <m:r>
+                        <m:rPr>
+                          <m:nor/>
+                        </m:rPr>
+                        <a:rPr lang="en-PH" sz="3000" b="1" dirty="0">
+                          <a:latin typeface="Cambria Math" panose="02040503050406030204" pitchFamily="18" charset="0"/>
+                          <a:ea typeface="Cambria Math" panose="02040503050406030204" pitchFamily="18" charset="0"/>
+                        </a:rPr>
+                        <m:t>b</m:t>
+                      </m:r>
+                      <m:r>
+                        <m:rPr>
+                          <m:nor/>
+                        </m:rPr>
+                        <a:rPr lang="en-PH" sz="3000" b="1" dirty="0">
+                          <a:latin typeface="Cambria Math" panose="02040503050406030204" pitchFamily="18" charset="0"/>
+                          <a:ea typeface="Cambria Math" panose="02040503050406030204" pitchFamily="18" charset="0"/>
+                        </a:rPr>
+                        <m:t> ≥ +1, </m:t>
+                      </m:r>
+                      <m:sSub>
+                        <m:sSubPr>
+                          <m:ctrlPr>
+                            <a:rPr lang="en-US" sz="3000" b="1" i="1" dirty="0">
+                              <a:latin typeface="Cambria Math" panose="02040503050406030204" pitchFamily="18" charset="0"/>
+                              <a:ea typeface="Cambria Math" panose="02040503050406030204" pitchFamily="18" charset="0"/>
+                            </a:rPr>
+                          </m:ctrlPr>
+                        </m:sSubPr>
+                        <m:e>
+                          <m:r>
+                            <a:rPr lang="en-US" sz="3000" b="1" i="1" dirty="0">
+                              <a:latin typeface="Cambria Math" panose="02040503050406030204" pitchFamily="18" charset="0"/>
+                              <a:ea typeface="Cambria Math" panose="02040503050406030204" pitchFamily="18" charset="0"/>
+                            </a:rPr>
+                            <m:t>𝒊𝒇</m:t>
+                          </m:r>
+                          <m:r>
+                            <a:rPr lang="en-US" sz="3000" b="1" i="1" dirty="0">
+                              <a:latin typeface="Cambria Math" panose="02040503050406030204" pitchFamily="18" charset="0"/>
+                              <a:ea typeface="Cambria Math" panose="02040503050406030204" pitchFamily="18" charset="0"/>
+                            </a:rPr>
+                            <m:t> </m:t>
+                          </m:r>
+                          <m:r>
+                            <a:rPr lang="en-US" sz="3000" b="1" i="1" dirty="0">
+                              <a:latin typeface="Cambria Math" panose="02040503050406030204" pitchFamily="18" charset="0"/>
+                              <a:ea typeface="Cambria Math" panose="02040503050406030204" pitchFamily="18" charset="0"/>
+                            </a:rPr>
+                            <m:t>𝒚</m:t>
+                          </m:r>
+                        </m:e>
+                        <m:sub>
+                          <m:r>
+                            <a:rPr lang="en-US" sz="3000" b="1" i="1" dirty="0">
+                              <a:latin typeface="Cambria Math" panose="02040503050406030204" pitchFamily="18" charset="0"/>
+                              <a:ea typeface="Cambria Math" panose="02040503050406030204" pitchFamily="18" charset="0"/>
+                            </a:rPr>
+                            <m:t>𝒊</m:t>
+                          </m:r>
+                        </m:sub>
+                      </m:sSub>
+                      <m:r>
+                        <m:rPr>
+                          <m:nor/>
+                        </m:rPr>
+                        <a:rPr lang="en-US" sz="3000" b="1" dirty="0">
+                          <a:latin typeface="Cambria Math" panose="02040503050406030204" pitchFamily="18" charset="0"/>
+                          <a:ea typeface="Cambria Math" panose="02040503050406030204" pitchFamily="18" charset="0"/>
+                        </a:rPr>
+                        <m:t> = </m:t>
+                      </m:r>
+                      <m:r>
+                        <m:rPr>
+                          <m:nor/>
+                        </m:rPr>
+                        <a:rPr lang="en-US" sz="3000" b="1" dirty="0">
+                          <a:solidFill>
+                            <a:srgbClr val="00B050"/>
+                          </a:solidFill>
+                          <a:latin typeface="Cambria Math" panose="02040503050406030204" pitchFamily="18" charset="0"/>
+                          <a:ea typeface="Cambria Math" panose="02040503050406030204" pitchFamily="18" charset="0"/>
+                        </a:rPr>
+                        <m:t>+1</m:t>
+                      </m:r>
+                    </m:oMath>
+                  </m:oMathPara>
+                </a14:m>
+                <a:endParaRPr lang="en-US" sz="3000" b="1" dirty="0">
                   <a:solidFill>
-                    <a:schemeClr val="tx1"/>
+                    <a:srgbClr val="00B050"/>
                   </a:solidFill>
                   <a:latin typeface="Cambria Math" panose="02040503050406030204" pitchFamily="18" charset="0"/>
                   <a:ea typeface="Cambria Math" panose="02040503050406030204" pitchFamily="18" charset="0"/>
                 </a:endParaRPr>
               </a:p>
               <a:p>
-                <a:endParaRPr lang="en-PH" sz="2500" b="1" dirty="0">
+                <a:endParaRPr lang="en-PH" sz="3000" b="1" dirty="0">
                   <a:latin typeface="Cambria Math" panose="02040503050406030204" pitchFamily="18" charset="0"/>
                   <a:ea typeface="Cambria Math" panose="02040503050406030204" pitchFamily="18" charset="0"/>
                 </a:endParaRPr>
               </a:p>
               <a:p>
-                <a:pPr/>
                 <a14:m>
                   <m:oMathPara xmlns:m="http://schemas.openxmlformats.org/officeDocument/2006/math">
                     <m:oMathParaPr>
                       <m:jc m:val="centerGroup"/>
                     </m:oMathParaPr>
                     <m:oMath xmlns:m="http://schemas.openxmlformats.org/officeDocument/2006/math">
+                      <m:acc>
+                        <m:accPr>
+                          <m:chr m:val="⃗"/>
+                          <m:ctrlPr>
+                            <a:rPr lang="en-US" sz="3000" b="1" i="1" dirty="0" smtClean="0">
+                              <a:latin typeface="Cambria Math" panose="02040503050406030204" pitchFamily="18" charset="0"/>
+                              <a:ea typeface="Cambria Math" panose="02040503050406030204" pitchFamily="18" charset="0"/>
+                            </a:rPr>
+                          </m:ctrlPr>
+                        </m:accPr>
+                        <m:e>
+                          <m:r>
+                            <a:rPr lang="en-US" sz="3000" b="1" i="1" dirty="0">
+                              <a:latin typeface="Cambria Math" panose="02040503050406030204" pitchFamily="18" charset="0"/>
+                              <a:ea typeface="Cambria Math" panose="02040503050406030204" pitchFamily="18" charset="0"/>
+                            </a:rPr>
+                            <m:t>𝒘</m:t>
+                          </m:r>
+                          <m:r>
+                            <a:rPr lang="en-US" sz="3000" b="1" i="1" dirty="0">
+                              <a:latin typeface="Cambria Math" panose="02040503050406030204" pitchFamily="18" charset="0"/>
+                              <a:ea typeface="Cambria Math" panose="02040503050406030204" pitchFamily="18" charset="0"/>
+                            </a:rPr>
+                            <m:t> </m:t>
+                          </m:r>
+                        </m:e>
+                      </m:acc>
                       <m:r>
-                        <a:rPr lang="en-US" sz="2500" b="1" i="1" smtClean="0">
-                          <a:solidFill>
-                            <a:schemeClr val="tx1"/>
-                          </a:solidFill>
+                        <m:rPr>
+                          <m:nor/>
+                        </m:rPr>
+                        <a:rPr lang="en-PH" sz="3000" b="1" dirty="0">
                           <a:latin typeface="Cambria Math" panose="02040503050406030204" pitchFamily="18" charset="0"/>
                           <a:ea typeface="Cambria Math" panose="02040503050406030204" pitchFamily="18" charset="0"/>
                         </a:rPr>
-                        <m:t>𝒎𝒊𝒏𝒊𝒎𝒊𝒛𝒆</m:t>
+                        <m:t>⋅ </m:t>
+                      </m:r>
+                      <m:acc>
+                        <m:accPr>
+                          <m:chr m:val="⃗"/>
+                          <m:ctrlPr>
+                            <a:rPr lang="en-US" sz="3000" b="1" i="1" dirty="0">
+                              <a:latin typeface="Cambria Math" panose="02040503050406030204" pitchFamily="18" charset="0"/>
+                              <a:ea typeface="Cambria Math" panose="02040503050406030204" pitchFamily="18" charset="0"/>
+                            </a:rPr>
+                          </m:ctrlPr>
+                        </m:accPr>
+                        <m:e>
+                          <m:r>
+                            <a:rPr lang="en-US" sz="3000" b="1" i="1" dirty="0">
+                              <a:latin typeface="Cambria Math" panose="02040503050406030204" pitchFamily="18" charset="0"/>
+                              <a:ea typeface="Cambria Math" panose="02040503050406030204" pitchFamily="18" charset="0"/>
+                            </a:rPr>
+                            <m:t>𝒙</m:t>
+                          </m:r>
+                          <m:r>
+                            <a:rPr lang="en-US" sz="3000" b="1" i="1" dirty="0">
+                              <a:latin typeface="Cambria Math" panose="02040503050406030204" pitchFamily="18" charset="0"/>
+                              <a:ea typeface="Cambria Math" panose="02040503050406030204" pitchFamily="18" charset="0"/>
+                            </a:rPr>
+                            <m:t> </m:t>
+                          </m:r>
+                        </m:e>
+                      </m:acc>
+                      <m:r>
+                        <m:rPr>
+                          <m:nor/>
+                        </m:rPr>
+                        <a:rPr lang="en-PH" sz="3000" b="1" dirty="0">
+                          <a:latin typeface="Cambria Math" panose="02040503050406030204" pitchFamily="18" charset="0"/>
+                          <a:ea typeface="Cambria Math" panose="02040503050406030204" pitchFamily="18" charset="0"/>
+                        </a:rPr>
+                        <m:t> - </m:t>
                       </m:r>
                       <m:r>
-                        <a:rPr lang="en-US" sz="2500" b="1" i="1" smtClean="0">
-                          <a:solidFill>
-                            <a:schemeClr val="tx1"/>
-                          </a:solidFill>
+                        <m:rPr>
+                          <m:nor/>
+                        </m:rPr>
+                        <a:rPr lang="en-PH" sz="3000" b="1" dirty="0">
+                          <a:latin typeface="Cambria Math" panose="02040503050406030204" pitchFamily="18" charset="0"/>
+                          <a:ea typeface="Cambria Math" panose="02040503050406030204" pitchFamily="18" charset="0"/>
+                        </a:rPr>
+                        <m:t>b</m:t>
+                      </m:r>
+                      <m:r>
+                        <m:rPr>
+                          <m:nor/>
+                        </m:rPr>
+                        <a:rPr lang="en-PH" sz="3000" b="1" dirty="0">
+                          <a:latin typeface="Cambria Math" panose="02040503050406030204" pitchFamily="18" charset="0"/>
+                          <a:ea typeface="Cambria Math" panose="02040503050406030204" pitchFamily="18" charset="0"/>
+                        </a:rPr>
+                        <m:t> ≤ -1, </m:t>
+                      </m:r>
+                      <m:r>
+                        <a:rPr lang="en-US" sz="3000" b="1" i="1" dirty="0" smtClean="0">
+                          <a:latin typeface="Cambria Math" panose="02040503050406030204" pitchFamily="18" charset="0"/>
+                          <a:ea typeface="Cambria Math" panose="02040503050406030204" pitchFamily="18" charset="0"/>
+                        </a:rPr>
+                        <m:t>𝒊𝒇</m:t>
+                      </m:r>
+                      <m:r>
+                        <a:rPr lang="en-US" sz="3000" b="1" i="1" dirty="0" smtClean="0">
                           <a:latin typeface="Cambria Math" panose="02040503050406030204" pitchFamily="18" charset="0"/>
                           <a:ea typeface="Cambria Math" panose="02040503050406030204" pitchFamily="18" charset="0"/>
                         </a:rPr>
                         <m:t> </m:t>
                       </m:r>
-                      <m:f>
-                        <m:fPr>
+                      <m:sSub>
+                        <m:sSubPr>
                           <m:ctrlPr>
-                            <a:rPr lang="pt-BR" sz="2500" b="1" i="1" smtClean="0">
-                              <a:solidFill>
-                                <a:schemeClr val="tx1"/>
-                              </a:solidFill>
+                            <a:rPr lang="en-US" sz="3000" b="1" i="1" dirty="0">
                               <a:latin typeface="Cambria Math" panose="02040503050406030204" pitchFamily="18" charset="0"/>
                               <a:ea typeface="Cambria Math" panose="02040503050406030204" pitchFamily="18" charset="0"/>
                             </a:rPr>
                           </m:ctrlPr>
-                        </m:fPr>
-                        <m:num>
+                        </m:sSubPr>
+                        <m:e>
                           <m:r>
-                            <a:rPr lang="en-US" sz="2500" b="1" i="1" smtClean="0">
-                              <a:solidFill>
-                                <a:schemeClr val="tx1"/>
-                              </a:solidFill>
+                            <a:rPr lang="en-US" sz="3000" b="1" i="1" dirty="0">
                               <a:latin typeface="Cambria Math" panose="02040503050406030204" pitchFamily="18" charset="0"/>
                               <a:ea typeface="Cambria Math" panose="02040503050406030204" pitchFamily="18" charset="0"/>
                             </a:rPr>
-                            <m:t>𝟏</m:t>
+                            <m:t>𝒚</m:t>
                           </m:r>
-                        </m:num>
-                        <m:den>
-                          <m:r>
-                            <a:rPr lang="en-US" sz="2500" b="1" i="1" smtClean="0">
-                              <a:solidFill>
-                                <a:schemeClr val="tx1"/>
-                              </a:solidFill>
-                              <a:latin typeface="Cambria Math" panose="02040503050406030204" pitchFamily="18" charset="0"/>
-                              <a:ea typeface="Cambria Math" panose="02040503050406030204" pitchFamily="18" charset="0"/>
-                            </a:rPr>
-                            <m:t>𝒏</m:t>
-                          </m:r>
-                        </m:den>
-                      </m:f>
-                      <m:nary>
-                        <m:naryPr>
-                          <m:chr m:val="∑"/>
-                          <m:ctrlPr>
-                            <a:rPr lang="pt-BR" sz="2500" b="1" i="1" smtClean="0">
-                              <a:solidFill>
-                                <a:schemeClr val="tx1"/>
-                              </a:solidFill>
-                              <a:latin typeface="Cambria Math" panose="02040503050406030204" pitchFamily="18" charset="0"/>
-                              <a:ea typeface="Cambria Math" panose="02040503050406030204" pitchFamily="18" charset="0"/>
-                            </a:rPr>
-                          </m:ctrlPr>
-                        </m:naryPr>
+                        </m:e>
                         <m:sub>
                           <m:r>
-                            <m:rPr>
-                              <m:brk m:alnAt="23"/>
-                            </m:rPr>
-                            <a:rPr lang="en-US" sz="2500" b="1" i="1" smtClean="0">
-                              <a:solidFill>
-                                <a:schemeClr val="tx1"/>
-                              </a:solidFill>
+                            <a:rPr lang="en-US" sz="3000" b="1" i="1" dirty="0">
                               <a:latin typeface="Cambria Math" panose="02040503050406030204" pitchFamily="18" charset="0"/>
                               <a:ea typeface="Cambria Math" panose="02040503050406030204" pitchFamily="18" charset="0"/>
                             </a:rPr>
                             <m:t>𝒊</m:t>
                           </m:r>
-                          <m:r>
-                            <a:rPr lang="pt-BR" sz="2500" b="1" i="1" smtClean="0">
-                              <a:solidFill>
-                                <a:schemeClr val="tx1"/>
-                              </a:solidFill>
-                              <a:latin typeface="Cambria Math" panose="02040503050406030204" pitchFamily="18" charset="0"/>
-                              <a:ea typeface="Cambria Math" panose="02040503050406030204" pitchFamily="18" charset="0"/>
-                            </a:rPr>
-                            <m:t>=</m:t>
-                          </m:r>
-                          <m:r>
-                            <a:rPr lang="pt-BR" sz="2500" b="1" i="1" smtClean="0">
-                              <a:solidFill>
-                                <a:schemeClr val="tx1"/>
-                              </a:solidFill>
-                              <a:latin typeface="Cambria Math" panose="02040503050406030204" pitchFamily="18" charset="0"/>
-                              <a:ea typeface="Cambria Math" panose="02040503050406030204" pitchFamily="18" charset="0"/>
-                            </a:rPr>
-                            <m:t>𝟏</m:t>
-                          </m:r>
                         </m:sub>
-                        <m:sup>
-                          <m:r>
-                            <a:rPr lang="en-US" sz="2500" b="1" i="1" smtClean="0">
-                              <a:solidFill>
-                                <a:schemeClr val="tx1"/>
-                              </a:solidFill>
-                              <a:latin typeface="Cambria Math" panose="02040503050406030204" pitchFamily="18" charset="0"/>
-                              <a:ea typeface="Cambria Math" panose="02040503050406030204" pitchFamily="18" charset="0"/>
-                            </a:rPr>
-                            <m:t>𝒏</m:t>
-                          </m:r>
-                        </m:sup>
-                        <m:e>
-                          <m:r>
-                            <m:rPr>
-                              <m:sty m:val="p"/>
-                            </m:rPr>
-                            <a:rPr lang="en-PH" sz="2500" b="1" i="1" dirty="0">
-                              <a:latin typeface="Cambria Math" panose="02040503050406030204" pitchFamily="18" charset="0"/>
-                              <a:ea typeface="Cambria Math" panose="02040503050406030204" pitchFamily="18" charset="0"/>
-                            </a:rPr>
-                            <m:t>max</m:t>
-                          </m:r>
-                          <m:r>
-                            <a:rPr lang="en-PH" sz="2500" b="1" i="1" dirty="0">
-                              <a:latin typeface="Cambria Math" panose="02040503050406030204" pitchFamily="18" charset="0"/>
-                              <a:ea typeface="Cambria Math" panose="02040503050406030204" pitchFamily="18" charset="0"/>
-                            </a:rPr>
-                            <m:t>⁡</m:t>
-                          </m:r>
-                          <m:r>
-                            <m:rPr>
-                              <m:nor/>
-                            </m:rPr>
-                            <a:rPr lang="en-PH" sz="2500" b="1" dirty="0">
-                              <a:latin typeface="Cambria Math" panose="02040503050406030204" pitchFamily="18" charset="0"/>
-                              <a:ea typeface="Cambria Math" panose="02040503050406030204" pitchFamily="18" charset="0"/>
-                            </a:rPr>
-                            <m:t> (0, 1− </m:t>
-                          </m:r>
-                          <m:sSub>
-                            <m:sSubPr>
-                              <m:ctrlPr>
-                                <a:rPr lang="en-PH" sz="2500" b="1" i="1">
-                                  <a:latin typeface="Cambria Math" panose="02040503050406030204" pitchFamily="18" charset="0"/>
-                                  <a:ea typeface="Cambria Math" panose="02040503050406030204" pitchFamily="18" charset="0"/>
-                                </a:rPr>
-                              </m:ctrlPr>
-                            </m:sSubPr>
-                            <m:e>
-                              <m:r>
-                                <a:rPr lang="en-US" sz="2500" b="1" i="1">
-                                  <a:latin typeface="Cambria Math" panose="02040503050406030204" pitchFamily="18" charset="0"/>
-                                  <a:ea typeface="Cambria Math" panose="02040503050406030204" pitchFamily="18" charset="0"/>
-                                </a:rPr>
-                                <m:t>𝒚</m:t>
-                              </m:r>
-                            </m:e>
-                            <m:sub>
-                              <m:r>
-                                <a:rPr lang="en-US" sz="2500" b="1" i="1">
-                                  <a:latin typeface="Cambria Math" panose="02040503050406030204" pitchFamily="18" charset="0"/>
-                                  <a:ea typeface="Cambria Math" panose="02040503050406030204" pitchFamily="18" charset="0"/>
-                                </a:rPr>
-                                <m:t>𝒊</m:t>
-                              </m:r>
-                            </m:sub>
-                          </m:sSub>
-                          <m:r>
-                            <m:rPr>
-                              <m:nor/>
-                            </m:rPr>
-                            <a:rPr lang="en-PH" sz="2500" b="1" dirty="0">
-                              <a:latin typeface="Cambria Math" panose="02040503050406030204" pitchFamily="18" charset="0"/>
-                              <a:ea typeface="Cambria Math" panose="02040503050406030204" pitchFamily="18" charset="0"/>
-                            </a:rPr>
-                            <m:t> (</m:t>
-                          </m:r>
-                          <m:acc>
-                            <m:accPr>
-                              <m:chr m:val="⃗"/>
-                              <m:ctrlPr>
-                                <a:rPr lang="en-US" sz="2500" b="1" i="1" dirty="0">
-                                  <a:latin typeface="Cambria Math" panose="02040503050406030204" pitchFamily="18" charset="0"/>
-                                  <a:ea typeface="Cambria Math" panose="02040503050406030204" pitchFamily="18" charset="0"/>
-                                </a:rPr>
-                              </m:ctrlPr>
-                            </m:accPr>
-                            <m:e>
-                              <m:r>
-                                <a:rPr lang="en-US" sz="2500" b="1" i="1">
-                                  <a:latin typeface="Cambria Math" panose="02040503050406030204" pitchFamily="18" charset="0"/>
-                                </a:rPr>
-                                <m:t>𝒘</m:t>
-                              </m:r>
-                            </m:e>
-                          </m:acc>
-                          <m:r>
-                            <m:rPr>
-                              <m:nor/>
-                            </m:rPr>
-                            <a:rPr lang="en-PH" sz="2500" b="1" dirty="0">
-                              <a:latin typeface="Cambria Math" panose="02040503050406030204" pitchFamily="18" charset="0"/>
-                              <a:ea typeface="Cambria Math" panose="02040503050406030204" pitchFamily="18" charset="0"/>
-                            </a:rPr>
-                            <m:t> ⋅ </m:t>
-                          </m:r>
-                          <m:r>
-                            <a:rPr lang="en-US" sz="2500" b="1" dirty="0">
-                              <a:latin typeface="Cambria Math" panose="02040503050406030204" pitchFamily="18" charset="0"/>
-                              <a:ea typeface="Cambria Math" panose="02040503050406030204" pitchFamily="18" charset="0"/>
-                            </a:rPr>
-                            <m:t> </m:t>
-                          </m:r>
-                          <m:acc>
-                            <m:accPr>
-                              <m:chr m:val="⃗"/>
-                              <m:ctrlPr>
-                                <a:rPr lang="en-US" sz="2500" b="1" i="1" dirty="0">
-                                  <a:latin typeface="Cambria Math" panose="02040503050406030204" pitchFamily="18" charset="0"/>
-                                  <a:ea typeface="Cambria Math" panose="02040503050406030204" pitchFamily="18" charset="0"/>
-                                </a:rPr>
-                              </m:ctrlPr>
-                            </m:accPr>
-                            <m:e>
-                              <m:sSub>
-                                <m:sSubPr>
-                                  <m:ctrlPr>
-                                    <a:rPr lang="en-US" sz="2500" b="1" i="1">
-                                      <a:latin typeface="Cambria Math" panose="02040503050406030204" pitchFamily="18" charset="0"/>
-                                    </a:rPr>
-                                  </m:ctrlPr>
-                                </m:sSubPr>
-                                <m:e>
-                                  <m:r>
-                                    <a:rPr lang="en-US" sz="2500" b="1" i="1">
-                                      <a:latin typeface="Cambria Math" panose="02040503050406030204" pitchFamily="18" charset="0"/>
-                                    </a:rPr>
-                                    <m:t>𝒙</m:t>
-                                  </m:r>
-                                </m:e>
-                                <m:sub>
-                                  <m:r>
-                                    <a:rPr lang="en-US" sz="2500" b="1" i="1">
-                                      <a:latin typeface="Cambria Math" panose="02040503050406030204" pitchFamily="18" charset="0"/>
-                                    </a:rPr>
-                                    <m:t>𝒊</m:t>
-                                  </m:r>
-                                </m:sub>
-                              </m:sSub>
-                            </m:e>
-                          </m:acc>
-                          <m:r>
-                            <m:rPr>
-                              <m:nor/>
-                            </m:rPr>
-                            <a:rPr lang="en-PH" sz="2500" b="1" dirty="0">
-                              <a:latin typeface="Cambria Math" panose="02040503050406030204" pitchFamily="18" charset="0"/>
-                              <a:ea typeface="Cambria Math" panose="02040503050406030204" pitchFamily="18" charset="0"/>
-                            </a:rPr>
-                            <m:t> − </m:t>
-                          </m:r>
-                          <m:r>
-                            <m:rPr>
-                              <m:nor/>
-                            </m:rPr>
-                            <a:rPr lang="en-PH" sz="2500" b="1" dirty="0">
-                              <a:latin typeface="Cambria Math" panose="02040503050406030204" pitchFamily="18" charset="0"/>
-                              <a:ea typeface="Cambria Math" panose="02040503050406030204" pitchFamily="18" charset="0"/>
-                            </a:rPr>
-                            <m:t>b</m:t>
-                          </m:r>
-                          <m:r>
-                            <m:rPr>
-                              <m:nor/>
-                            </m:rPr>
-                            <a:rPr lang="en-PH" sz="2500" b="1" dirty="0">
-                              <a:latin typeface="Cambria Math" panose="02040503050406030204" pitchFamily="18" charset="0"/>
-                              <a:ea typeface="Cambria Math" panose="02040503050406030204" pitchFamily="18" charset="0"/>
-                            </a:rPr>
-                            <m:t>))</m:t>
-                          </m:r>
-                        </m:e>
-                      </m:nary>
+                      </m:sSub>
                       <m:r>
-                        <a:rPr lang="en-US" sz="2500" b="1" i="1" smtClean="0">
+                        <m:rPr>
+                          <m:nor/>
+                        </m:rPr>
+                        <a:rPr lang="en-US" sz="3000" b="1" dirty="0">
+                          <a:latin typeface="Cambria Math" panose="02040503050406030204" pitchFamily="18" charset="0"/>
+                          <a:ea typeface="Cambria Math" panose="02040503050406030204" pitchFamily="18" charset="0"/>
+                        </a:rPr>
+                        <m:t> = </m:t>
+                      </m:r>
+                      <m:r>
+                        <m:rPr>
+                          <m:nor/>
+                        </m:rPr>
+                        <a:rPr lang="en-US" sz="3000" b="1" dirty="0">
                           <a:solidFill>
-                            <a:schemeClr val="tx1"/>
+                            <a:srgbClr val="FF0000"/>
                           </a:solidFill>
                           <a:latin typeface="Cambria Math" panose="02040503050406030204" pitchFamily="18" charset="0"/>
                           <a:ea typeface="Cambria Math" panose="02040503050406030204" pitchFamily="18" charset="0"/>
                         </a:rPr>
-                        <m:t>+</m:t>
-                      </m:r>
-                      <m:r>
-                        <a:rPr lang="en-US" sz="2500" b="1" i="1" smtClean="0">
-                          <a:solidFill>
-                            <a:schemeClr val="tx1"/>
-                          </a:solidFill>
-                          <a:latin typeface="Cambria Math" panose="02040503050406030204" pitchFamily="18" charset="0"/>
-                          <a:ea typeface="Cambria Math" panose="02040503050406030204" pitchFamily="18" charset="0"/>
-                        </a:rPr>
-                        <m:t>𝝀</m:t>
-                      </m:r>
-                      <m:r>
-                        <a:rPr lang="en-US" sz="2500" b="1" i="1" smtClean="0">
-                          <a:solidFill>
-                            <a:schemeClr val="tx1"/>
-                          </a:solidFill>
-                          <a:latin typeface="Cambria Math" panose="02040503050406030204" pitchFamily="18" charset="0"/>
-                          <a:ea typeface="Cambria Math" panose="02040503050406030204" pitchFamily="18" charset="0"/>
-                        </a:rPr>
-                        <m:t> </m:t>
-                      </m:r>
-                      <m:sSup>
-                        <m:sSupPr>
-                          <m:ctrlPr>
-                            <a:rPr lang="en-US" sz="2500" b="1" i="1" smtClean="0">
-                              <a:solidFill>
-                                <a:schemeClr val="tx1"/>
-                              </a:solidFill>
-                              <a:latin typeface="Cambria Math" panose="02040503050406030204" pitchFamily="18" charset="0"/>
-                              <a:ea typeface="Cambria Math" panose="02040503050406030204" pitchFamily="18" charset="0"/>
-                            </a:rPr>
-                          </m:ctrlPr>
-                        </m:sSupPr>
-                        <m:e>
-                          <m:d>
-                            <m:dPr>
-                              <m:begChr m:val="‖"/>
-                              <m:endChr m:val="‖"/>
-                              <m:ctrlPr>
-                                <a:rPr lang="en-US" sz="2800" b="1" i="1" dirty="0">
-                                  <a:latin typeface="Cambria Math" panose="02040503050406030204" pitchFamily="18" charset="0"/>
-                                  <a:ea typeface="Cambria Math" panose="02040503050406030204" pitchFamily="18" charset="0"/>
-                                </a:rPr>
-                              </m:ctrlPr>
-                            </m:dPr>
-                            <m:e>
-                              <m:acc>
-                                <m:accPr>
-                                  <m:chr m:val="⃗"/>
-                                  <m:ctrlPr>
-                                    <a:rPr lang="en-US" sz="2800" b="1" i="1" dirty="0" smtClean="0">
-                                      <a:solidFill>
-                                        <a:schemeClr val="tx1"/>
-                                      </a:solidFill>
-                                      <a:latin typeface="Cambria Math" panose="02040503050406030204" pitchFamily="18" charset="0"/>
-                                      <a:ea typeface="Cambria Math" panose="02040503050406030204" pitchFamily="18" charset="0"/>
-                                    </a:rPr>
-                                  </m:ctrlPr>
-                                </m:accPr>
-                                <m:e>
-                                  <m:r>
-                                    <a:rPr lang="en-US" sz="2800" b="1" i="1" dirty="0">
-                                      <a:solidFill>
-                                        <a:schemeClr val="tx1"/>
-                                      </a:solidFill>
-                                      <a:latin typeface="Cambria Math" panose="02040503050406030204" pitchFamily="18" charset="0"/>
-                                      <a:ea typeface="Cambria Math" panose="02040503050406030204" pitchFamily="18" charset="0"/>
-                                    </a:rPr>
-                                    <m:t>𝒘</m:t>
-                                  </m:r>
-                                  <m:r>
-                                    <a:rPr lang="en-US" sz="2800" b="1" i="1" dirty="0">
-                                      <a:solidFill>
-                                        <a:schemeClr val="tx1"/>
-                                      </a:solidFill>
-                                      <a:latin typeface="Cambria Math" panose="02040503050406030204" pitchFamily="18" charset="0"/>
-                                      <a:ea typeface="Cambria Math" panose="02040503050406030204" pitchFamily="18" charset="0"/>
-                                    </a:rPr>
-                                    <m:t> </m:t>
-                                  </m:r>
-                                </m:e>
-                              </m:acc>
-                            </m:e>
-                          </m:d>
-                        </m:e>
-                        <m:sup>
-                          <m:r>
-                            <a:rPr lang="en-US" sz="2500" b="1" i="1" smtClean="0">
-                              <a:solidFill>
-                                <a:schemeClr val="tx1"/>
-                              </a:solidFill>
-                              <a:latin typeface="Cambria Math" panose="02040503050406030204" pitchFamily="18" charset="0"/>
-                              <a:ea typeface="Cambria Math" panose="02040503050406030204" pitchFamily="18" charset="0"/>
-                            </a:rPr>
-                            <m:t>𝟐</m:t>
-                          </m:r>
-                        </m:sup>
-                      </m:sSup>
-                      <m:r>
-                        <a:rPr lang="en-US" sz="2500" b="1" i="1" smtClean="0">
-                          <a:solidFill>
-                            <a:schemeClr val="tx1"/>
-                          </a:solidFill>
-                          <a:latin typeface="Cambria Math" panose="02040503050406030204" pitchFamily="18" charset="0"/>
-                          <a:ea typeface="Cambria Math" panose="02040503050406030204" pitchFamily="18" charset="0"/>
-                        </a:rPr>
-                        <m:t> </m:t>
+                        <m:t>-1</m:t>
                       </m:r>
                     </m:oMath>
                   </m:oMathPara>
                 </a14:m>
-                <a:endParaRPr lang="en-PH" sz="2500" b="1" dirty="0">
-                  <a:solidFill>
-                    <a:schemeClr val="tx1"/>
-                  </a:solidFill>
-                  <a:latin typeface="Cambria Math" panose="02040503050406030204" pitchFamily="18" charset="0"/>
-                  <a:ea typeface="Cambria Math" panose="02040503050406030204" pitchFamily="18" charset="0"/>
-                </a:endParaRPr>
-              </a:p>
-              <a:p>
-                <a:endParaRPr lang="en-PH" sz="2500" b="1" dirty="0">
-                  <a:solidFill>
-                    <a:schemeClr val="tx1"/>
-                  </a:solidFill>
+                <a:endParaRPr lang="en-PH" sz="3000" b="1" dirty="0">
                   <a:latin typeface="Cambria Math" panose="02040503050406030204" pitchFamily="18" charset="0"/>
                   <a:ea typeface="Cambria Math" panose="02040503050406030204" pitchFamily="18" charset="0"/>
                 </a:endParaRPr>
@@ -23750,10 +23870,10 @@
         <mc:Fallback>
           <p:sp>
             <p:nvSpPr>
-              <p:cNvPr id="23" name="TextBox 22">
+              <p:cNvPr id="3" name="TextBox 2">
                 <a:extLst>
                   <a:ext uri="{FF2B5EF4-FFF2-40B4-BE49-F238E27FC236}">
-                    <a16:creationId xmlns:a16="http://schemas.microsoft.com/office/drawing/2014/main" id="{61D3D7BC-76A5-755B-4DAA-F0FAE606B511}"/>
+                    <a16:creationId xmlns:a16="http://schemas.microsoft.com/office/drawing/2014/main" id="{248E754D-0A9C-3D12-8B2F-90BFA7408009}"/>
                   </a:ext>
                 </a:extLst>
               </p:cNvPr>
@@ -23764,8 +23884,8 @@
             </p:nvSpPr>
             <p:spPr>
               <a:xfrm>
-                <a:off x="1739897" y="1035133"/>
-                <a:ext cx="8712200" cy="2294987"/>
+                <a:off x="748145" y="1335188"/>
+                <a:ext cx="10907486" cy="1754326"/>
               </a:xfrm>
               <a:prstGeom prst="rect">
                 <a:avLst/>
@@ -23796,10 +23916,10 @@
         <mc:Choice xmlns:a14="http://schemas.microsoft.com/office/drawing/2010/main" Requires="a14">
           <p:sp>
             <p:nvSpPr>
-              <p:cNvPr id="34" name="TextBox 33">
+              <p:cNvPr id="9" name="TextBox 8">
                 <a:extLst>
                   <a:ext uri="{FF2B5EF4-FFF2-40B4-BE49-F238E27FC236}">
-                    <a16:creationId xmlns:a16="http://schemas.microsoft.com/office/drawing/2014/main" id="{ECF1A9F1-C7A9-93F7-201A-17BBE6EFDF62}"/>
+                    <a16:creationId xmlns:a16="http://schemas.microsoft.com/office/drawing/2014/main" id="{746627C4-C65A-5AA4-F619-5A9BD334DAFF}"/>
                   </a:ext>
                 </a:extLst>
               </p:cNvPr>
@@ -23808,8 +23928,8 @@
             </p:nvSpPr>
             <p:spPr>
               <a:xfrm>
-                <a:off x="706433" y="3527881"/>
-                <a:ext cx="10779127" cy="830997"/>
+                <a:off x="3041070" y="4517389"/>
+                <a:ext cx="6109854" cy="553998"/>
               </a:xfrm>
               <a:prstGeom prst="rect">
                 <a:avLst/>
@@ -23822,83 +23942,186 @@
               </a:bodyPr>
               <a:lstStyle/>
               <a:p>
-                <a:r>
-                  <a:rPr lang="en-US" sz="2400" dirty="0"/>
-                  <a:t>Where </a:t>
-                </a:r>
+                <a:pPr/>
                 <a14:m>
-                  <m:oMath xmlns:m="http://schemas.openxmlformats.org/officeDocument/2006/math">
-                    <m:r>
-                      <a:rPr lang="en-US" sz="2400" b="1" i="1" smtClean="0">
-                        <a:solidFill>
-                          <a:srgbClr val="00B0F0"/>
-                        </a:solidFill>
-                        <a:latin typeface="Cambria Math" panose="02040503050406030204" pitchFamily="18" charset="0"/>
-                        <a:ea typeface="Cambria Math" panose="02040503050406030204" pitchFamily="18" charset="0"/>
-                      </a:rPr>
-                      <m:t>𝝀</m:t>
-                    </m:r>
-                  </m:oMath>
+                  <m:oMathPara xmlns:m="http://schemas.openxmlformats.org/officeDocument/2006/math">
+                    <m:oMathParaPr>
+                      <m:jc m:val="centerGroup"/>
+                    </m:oMathParaPr>
+                    <m:oMath xmlns:m="http://schemas.openxmlformats.org/officeDocument/2006/math">
+                      <m:sSub>
+                        <m:sSubPr>
+                          <m:ctrlPr>
+                            <a:rPr lang="en-US" sz="3000" b="1" i="1" smtClean="0">
+                              <a:latin typeface="Cambria Math" panose="02040503050406030204" pitchFamily="18" charset="0"/>
+                              <a:ea typeface="Cambria Math" panose="02040503050406030204" pitchFamily="18" charset="0"/>
+                            </a:rPr>
+                          </m:ctrlPr>
+                        </m:sSubPr>
+                        <m:e>
+                          <m:r>
+                            <a:rPr lang="en-US" sz="3000" b="1" i="1">
+                              <a:latin typeface="Cambria Math" panose="02040503050406030204" pitchFamily="18" charset="0"/>
+                              <a:ea typeface="Cambria Math" panose="02040503050406030204" pitchFamily="18" charset="0"/>
+                            </a:rPr>
+                            <m:t>𝒚</m:t>
+                          </m:r>
+                        </m:e>
+                        <m:sub>
+                          <m:r>
+                            <a:rPr lang="en-US" sz="3000" b="1" i="1">
+                              <a:latin typeface="Cambria Math" panose="02040503050406030204" pitchFamily="18" charset="0"/>
+                              <a:ea typeface="Cambria Math" panose="02040503050406030204" pitchFamily="18" charset="0"/>
+                            </a:rPr>
+                            <m:t>𝒊</m:t>
+                          </m:r>
+                        </m:sub>
+                      </m:sSub>
+                      <m:r>
+                        <m:rPr>
+                          <m:nor/>
+                        </m:rPr>
+                        <a:rPr lang="en-PH" sz="3000" b="1" dirty="0">
+                          <a:latin typeface="Cambria Math" panose="02040503050406030204" pitchFamily="18" charset="0"/>
+                          <a:ea typeface="Cambria Math" panose="02040503050406030204" pitchFamily="18" charset="0"/>
+                        </a:rPr>
+                        <m:t>(</m:t>
+                      </m:r>
+                      <m:acc>
+                        <m:accPr>
+                          <m:chr m:val="⃗"/>
+                          <m:ctrlPr>
+                            <a:rPr lang="en-US" sz="3000" b="1" i="1" dirty="0">
+                              <a:latin typeface="Cambria Math" panose="02040503050406030204" pitchFamily="18" charset="0"/>
+                              <a:ea typeface="Cambria Math" panose="02040503050406030204" pitchFamily="18" charset="0"/>
+                            </a:rPr>
+                          </m:ctrlPr>
+                        </m:accPr>
+                        <m:e>
+                          <m:r>
+                            <a:rPr lang="en-US" sz="3000" b="1" i="1">
+                              <a:latin typeface="Cambria Math" panose="02040503050406030204" pitchFamily="18" charset="0"/>
+                              <a:ea typeface="Cambria Math" panose="02040503050406030204" pitchFamily="18" charset="0"/>
+                            </a:rPr>
+                            <m:t>𝒘</m:t>
+                          </m:r>
+                        </m:e>
+                      </m:acc>
+                      <m:r>
+                        <m:rPr>
+                          <m:nor/>
+                        </m:rPr>
+                        <a:rPr lang="en-PH" sz="3000" b="1" dirty="0">
+                          <a:latin typeface="Cambria Math" panose="02040503050406030204" pitchFamily="18" charset="0"/>
+                          <a:ea typeface="Cambria Math" panose="02040503050406030204" pitchFamily="18" charset="0"/>
+                        </a:rPr>
+                        <m:t> ⋅ </m:t>
+                      </m:r>
+                      <m:r>
+                        <a:rPr lang="en-US" sz="3000" b="1" dirty="0">
+                          <a:latin typeface="Cambria Math" panose="02040503050406030204" pitchFamily="18" charset="0"/>
+                          <a:ea typeface="Cambria Math" panose="02040503050406030204" pitchFamily="18" charset="0"/>
+                        </a:rPr>
+                        <m:t> </m:t>
+                      </m:r>
+                      <m:acc>
+                        <m:accPr>
+                          <m:chr m:val="⃗"/>
+                          <m:ctrlPr>
+                            <a:rPr lang="en-US" sz="3000" b="1" i="1" dirty="0">
+                              <a:latin typeface="Cambria Math" panose="02040503050406030204" pitchFamily="18" charset="0"/>
+                              <a:ea typeface="Cambria Math" panose="02040503050406030204" pitchFamily="18" charset="0"/>
+                            </a:rPr>
+                          </m:ctrlPr>
+                        </m:accPr>
+                        <m:e>
+                          <m:sSub>
+                            <m:sSubPr>
+                              <m:ctrlPr>
+                                <a:rPr lang="en-US" sz="3000" b="1" i="1">
+                                  <a:latin typeface="Cambria Math" panose="02040503050406030204" pitchFamily="18" charset="0"/>
+                                  <a:ea typeface="Cambria Math" panose="02040503050406030204" pitchFamily="18" charset="0"/>
+                                </a:rPr>
+                              </m:ctrlPr>
+                            </m:sSubPr>
+                            <m:e>
+                              <m:r>
+                                <a:rPr lang="en-US" sz="3000" b="1" i="1">
+                                  <a:latin typeface="Cambria Math" panose="02040503050406030204" pitchFamily="18" charset="0"/>
+                                  <a:ea typeface="Cambria Math" panose="02040503050406030204" pitchFamily="18" charset="0"/>
+                                </a:rPr>
+                                <m:t>𝒙</m:t>
+                              </m:r>
+                            </m:e>
+                            <m:sub>
+                              <m:r>
+                                <a:rPr lang="en-US" sz="3000" b="1" i="1">
+                                  <a:latin typeface="Cambria Math" panose="02040503050406030204" pitchFamily="18" charset="0"/>
+                                  <a:ea typeface="Cambria Math" panose="02040503050406030204" pitchFamily="18" charset="0"/>
+                                </a:rPr>
+                                <m:t>𝒊</m:t>
+                              </m:r>
+                            </m:sub>
+                          </m:sSub>
+                        </m:e>
+                      </m:acc>
+                      <m:r>
+                        <m:rPr>
+                          <m:nor/>
+                        </m:rPr>
+                        <a:rPr lang="en-PH" sz="3000" b="1" dirty="0">
+                          <a:latin typeface="Cambria Math" panose="02040503050406030204" pitchFamily="18" charset="0"/>
+                          <a:ea typeface="Cambria Math" panose="02040503050406030204" pitchFamily="18" charset="0"/>
+                        </a:rPr>
+                        <m:t> − </m:t>
+                      </m:r>
+                      <m:r>
+                        <m:rPr>
+                          <m:nor/>
+                        </m:rPr>
+                        <a:rPr lang="en-PH" sz="3000" b="1" dirty="0">
+                          <a:latin typeface="Cambria Math" panose="02040503050406030204" pitchFamily="18" charset="0"/>
+                          <a:ea typeface="Cambria Math" panose="02040503050406030204" pitchFamily="18" charset="0"/>
+                        </a:rPr>
+                        <m:t>b</m:t>
+                      </m:r>
+                      <m:r>
+                        <m:rPr>
+                          <m:nor/>
+                        </m:rPr>
+                        <a:rPr lang="en-PH" sz="3000" b="1" dirty="0">
+                          <a:latin typeface="Cambria Math" panose="02040503050406030204" pitchFamily="18" charset="0"/>
+                          <a:ea typeface="Cambria Math" panose="02040503050406030204" pitchFamily="18" charset="0"/>
+                        </a:rPr>
+                        <m:t>)</m:t>
+                      </m:r>
+                      <m:r>
+                        <m:rPr>
+                          <m:nor/>
+                        </m:rPr>
+                        <a:rPr lang="en-US" sz="3000" b="1" i="0" dirty="0" smtClean="0">
+                          <a:latin typeface="Cambria Math" panose="02040503050406030204" pitchFamily="18" charset="0"/>
+                          <a:ea typeface="Cambria Math" panose="02040503050406030204" pitchFamily="18" charset="0"/>
+                        </a:rPr>
+                        <m:t> </m:t>
+                      </m:r>
+                      <m:r>
+                        <m:rPr>
+                          <m:nor/>
+                        </m:rPr>
+                        <a:rPr lang="en-PH" sz="3000" b="1" dirty="0">
+                          <a:latin typeface="Cambria Math" panose="02040503050406030204" pitchFamily="18" charset="0"/>
+                          <a:ea typeface="Cambria Math" panose="02040503050406030204" pitchFamily="18" charset="0"/>
+                        </a:rPr>
+                        <m:t>≥ +1</m:t>
+                      </m:r>
+                    </m:oMath>
+                  </m:oMathPara>
                 </a14:m>
-                <a:r>
-                  <a:rPr lang="en-US" sz="2400" b="1" dirty="0">
-                    <a:solidFill>
-                      <a:srgbClr val="00B0F0"/>
-                    </a:solidFill>
-                  </a:rPr>
-                  <a:t> is a positive parameter </a:t>
-                </a:r>
-                <a:r>
-                  <a:rPr lang="en-US" sz="2400" dirty="0"/>
-                  <a:t>which determines the trade off between increasing the margin size and ensuring that </a:t>
-                </a:r>
-                <a14:m>
-                  <m:oMath xmlns:m="http://schemas.openxmlformats.org/officeDocument/2006/math">
-                    <m:acc>
-                      <m:accPr>
-                        <m:chr m:val="⃗"/>
-                        <m:ctrlPr>
-                          <a:rPr lang="en-US" sz="2400" b="1" i="1" dirty="0">
-                            <a:latin typeface="Cambria Math" panose="02040503050406030204" pitchFamily="18" charset="0"/>
-                            <a:ea typeface="Cambria Math" panose="02040503050406030204" pitchFamily="18" charset="0"/>
-                          </a:rPr>
-                        </m:ctrlPr>
-                      </m:accPr>
-                      <m:e>
-                        <m:sSub>
-                          <m:sSubPr>
-                            <m:ctrlPr>
-                              <a:rPr lang="en-US" sz="2400" b="1" i="1">
-                                <a:latin typeface="Cambria Math" panose="02040503050406030204" pitchFamily="18" charset="0"/>
-                              </a:rPr>
-                            </m:ctrlPr>
-                          </m:sSubPr>
-                          <m:e>
-                            <m:r>
-                              <a:rPr lang="en-US" sz="2400" b="1" i="1">
-                                <a:latin typeface="Cambria Math" panose="02040503050406030204" pitchFamily="18" charset="0"/>
-                              </a:rPr>
-                              <m:t>𝒙</m:t>
-                            </m:r>
-                          </m:e>
-                          <m:sub>
-                            <m:r>
-                              <a:rPr lang="en-US" sz="2400" b="1" i="1">
-                                <a:latin typeface="Cambria Math" panose="02040503050406030204" pitchFamily="18" charset="0"/>
-                              </a:rPr>
-                              <m:t>𝒊</m:t>
-                            </m:r>
-                          </m:sub>
-                        </m:sSub>
-                      </m:e>
-                    </m:acc>
-                  </m:oMath>
-                </a14:m>
-                <a:r>
-                  <a:rPr lang="en-US" sz="2400" dirty="0"/>
-                  <a:t> lie on the correct side of the margin. </a:t>
-                </a:r>
-                <a:endParaRPr lang="en-PH" sz="2400" dirty="0"/>
+                <a:endParaRPr lang="en-PH" sz="3000" b="1" dirty="0">
+                  <a:latin typeface="Cambria Math" panose="02040503050406030204" pitchFamily="18" charset="0"/>
+                  <a:ea typeface="Cambria Math" panose="02040503050406030204" pitchFamily="18" charset="0"/>
+                </a:endParaRPr>
               </a:p>
             </p:txBody>
           </p:sp>
@@ -23906,10 +24129,10 @@
         <mc:Fallback>
           <p:sp>
             <p:nvSpPr>
-              <p:cNvPr id="34" name="TextBox 33">
+              <p:cNvPr id="9" name="TextBox 8">
                 <a:extLst>
                   <a:ext uri="{FF2B5EF4-FFF2-40B4-BE49-F238E27FC236}">
-                    <a16:creationId xmlns:a16="http://schemas.microsoft.com/office/drawing/2014/main" id="{ECF1A9F1-C7A9-93F7-201A-17BBE6EFDF62}"/>
+                    <a16:creationId xmlns:a16="http://schemas.microsoft.com/office/drawing/2014/main" id="{746627C4-C65A-5AA4-F619-5A9BD334DAFF}"/>
                   </a:ext>
                 </a:extLst>
               </p:cNvPr>
@@ -23920,8 +24143,8 @@
             </p:nvSpPr>
             <p:spPr>
               <a:xfrm>
-                <a:off x="706433" y="3527881"/>
-                <a:ext cx="10779127" cy="830997"/>
+                <a:off x="3041070" y="4517389"/>
+                <a:ext cx="6109854" cy="553998"/>
               </a:xfrm>
               <a:prstGeom prst="rect">
                 <a:avLst/>
@@ -23929,7 +24152,7 @@
               <a:blipFill>
                 <a:blip r:embed="rId5"/>
                 <a:stretch>
-                  <a:fillRect l="-905" t="-5882" b="-16176"/>
+                  <a:fillRect/>
                 </a:stretch>
               </a:blipFill>
             </p:spPr>
@@ -23983,6 +24206,1085 @@
                                   <p:stCondLst>
                                     <p:cond delay="0"/>
                                   </p:stCondLst>
+                                  <p:childTnLst>
+                                    <p:set>
+                                      <p:cBhvr>
+                                        <p:cTn id="6" dur="1" fill="hold">
+                                          <p:stCondLst>
+                                            <p:cond delay="0"/>
+                                          </p:stCondLst>
+                                        </p:cTn>
+                                        <p:tgtEl>
+                                          <p:spTgt spid="9"/>
+                                        </p:tgtEl>
+                                        <p:attrNameLst>
+                                          <p:attrName>style.visibility</p:attrName>
+                                        </p:attrNameLst>
+                                      </p:cBhvr>
+                                      <p:to>
+                                        <p:strVal val="visible"/>
+                                      </p:to>
+                                    </p:set>
+                                    <p:animEffect transition="in" filter="fade">
+                                      <p:cBhvr>
+                                        <p:cTn id="7" dur="500"/>
+                                        <p:tgtEl>
+                                          <p:spTgt spid="9"/>
+                                        </p:tgtEl>
+                                      </p:cBhvr>
+                                    </p:animEffect>
+                                  </p:childTnLst>
+                                </p:cTn>
+                              </p:par>
+                            </p:childTnLst>
+                          </p:cTn>
+                        </p:par>
+                      </p:childTnLst>
+                    </p:cTn>
+                  </p:par>
+                </p:childTnLst>
+              </p:cTn>
+              <p:prevCondLst>
+                <p:cond evt="onPrev" delay="0">
+                  <p:tgtEl>
+                    <p:sldTgt/>
+                  </p:tgtEl>
+                </p:cond>
+              </p:prevCondLst>
+              <p:nextCondLst>
+                <p:cond evt="onNext" delay="0">
+                  <p:tgtEl>
+                    <p:sldTgt/>
+                  </p:tgtEl>
+                </p:cond>
+              </p:nextCondLst>
+            </p:seq>
+          </p:childTnLst>
+        </p:cTn>
+      </p:par>
+    </p:tnLst>
+    <p:bldLst>
+      <p:bldP spid="9" grpId="0"/>
+    </p:bldLst>
+  </p:timing>
+</p:sld>
+</file>
+
+<file path=ppt/slides/slide14.xml><?xml version="1.0" encoding="utf-8"?>
+<p:sld xmlns:a="http://schemas.openxmlformats.org/drawingml/2006/main" xmlns:r="http://schemas.openxmlformats.org/officeDocument/2006/relationships" xmlns:p="http://schemas.openxmlformats.org/presentationml/2006/main">
+  <p:cSld>
+    <p:bg>
+      <p:bgPr>
+        <a:blipFill dpi="0" rotWithShape="1">
+          <a:blip r:embed="rId3">
+            <a:alphaModFix amt="99000"/>
+            <a:lum/>
+          </a:blip>
+          <a:srcRect/>
+          <a:stretch>
+            <a:fillRect t="89000" r="85000" b="-1000"/>
+          </a:stretch>
+        </a:blipFill>
+        <a:effectLst/>
+      </p:bgPr>
+    </p:bg>
+    <p:spTree>
+      <p:nvGrpSpPr>
+        <p:cNvPr id="1" name=""/>
+        <p:cNvGrpSpPr/>
+        <p:nvPr/>
+      </p:nvGrpSpPr>
+      <p:grpSpPr>
+        <a:xfrm>
+          <a:off x="0" y="0"/>
+          <a:ext cx="0" cy="0"/>
+          <a:chOff x="0" y="0"/>
+          <a:chExt cx="0" cy="0"/>
+        </a:xfrm>
+      </p:grpSpPr>
+      <p:sp>
+        <p:nvSpPr>
+          <p:cNvPr id="4" name="Footer Placeholder 3">
+            <a:extLst>
+              <a:ext uri="{FF2B5EF4-FFF2-40B4-BE49-F238E27FC236}">
+                <a16:creationId xmlns:a16="http://schemas.microsoft.com/office/drawing/2014/main" id="{638E7DE1-45EE-476A-A474-0F3C264AEDA3}"/>
+              </a:ext>
+            </a:extLst>
+          </p:cNvPr>
+          <p:cNvSpPr>
+            <a:spLocks noGrp="1"/>
+          </p:cNvSpPr>
+          <p:nvPr>
+            <p:ph type="ftr" sz="quarter" idx="11"/>
+          </p:nvPr>
+        </p:nvSpPr>
+        <p:spPr>
+          <a:xfrm>
+            <a:off x="0" y="6139541"/>
+            <a:ext cx="12192000" cy="718459"/>
+          </a:xfrm>
+          <a:ln w="28575">
+            <a:solidFill>
+              <a:schemeClr val="accent5">
+                <a:lumMod val="50000"/>
+              </a:schemeClr>
+            </a:solidFill>
+          </a:ln>
+        </p:spPr>
+        <p:txBody>
+          <a:bodyPr/>
+          <a:lstStyle/>
+          <a:p>
+            <a:pPr algn="r"/>
+            <a:r>
+              <a:rPr lang="en-US" b="1" dirty="0">
+                <a:solidFill>
+                  <a:schemeClr val="tx1"/>
+                </a:solidFill>
+              </a:rPr>
+              <a:t>CCADMACL</a:t>
+            </a:r>
+            <a:endParaRPr lang="en-PH" dirty="0"/>
+          </a:p>
+        </p:txBody>
+      </p:sp>
+      <p:sp>
+        <p:nvSpPr>
+          <p:cNvPr id="5" name="Title 1">
+            <a:extLst>
+              <a:ext uri="{FF2B5EF4-FFF2-40B4-BE49-F238E27FC236}">
+                <a16:creationId xmlns:a16="http://schemas.microsoft.com/office/drawing/2014/main" id="{3444037F-B658-D82C-5DCA-53E8AA1493D7}"/>
+              </a:ext>
+            </a:extLst>
+          </p:cNvPr>
+          <p:cNvSpPr txBox="1">
+            <a:spLocks/>
+          </p:cNvSpPr>
+          <p:nvPr/>
+        </p:nvSpPr>
+        <p:spPr>
+          <a:xfrm>
+            <a:off x="459203" y="1035133"/>
+            <a:ext cx="11273589" cy="4290585"/>
+          </a:xfrm>
+          <a:prstGeom prst="rect">
+            <a:avLst/>
+          </a:prstGeom>
+        </p:spPr>
+        <p:txBody>
+          <a:bodyPr vert="horz" lIns="91440" tIns="45720" rIns="91440" bIns="45720" rtlCol="0" anchor="b">
+            <a:normAutofit fontScale="97500"/>
+          </a:bodyPr>
+          <a:lstStyle>
+            <a:lvl1pPr algn="ctr" defTabSz="914400" rtl="0" eaLnBrk="1" latinLnBrk="0" hangingPunct="1">
+              <a:lnSpc>
+                <a:spcPct val="90000"/>
+              </a:lnSpc>
+              <a:spcBef>
+                <a:spcPct val="0"/>
+              </a:spcBef>
+              <a:buNone/>
+              <a:defRPr sz="6000" kern="1200">
+                <a:solidFill>
+                  <a:schemeClr val="tx1"/>
+                </a:solidFill>
+                <a:latin typeface="+mj-lt"/>
+                <a:ea typeface="+mj-ea"/>
+                <a:cs typeface="+mj-cs"/>
+              </a:defRPr>
+            </a:lvl1pPr>
+          </a:lstStyle>
+          <a:p>
+            <a:pPr algn="l"/>
+            <a:endParaRPr lang="en-US" sz="2800" dirty="0">
+              <a:solidFill>
+                <a:srgbClr val="636C8B"/>
+              </a:solidFill>
+              <a:latin typeface="Calibri Light (Headings)"/>
+            </a:endParaRPr>
+          </a:p>
+          <a:p>
+            <a:pPr algn="l"/>
+            <a:endParaRPr lang="en-US" sz="2800" dirty="0">
+              <a:solidFill>
+                <a:srgbClr val="636C8B"/>
+              </a:solidFill>
+              <a:latin typeface="Calibri Light (Headings)"/>
+            </a:endParaRPr>
+          </a:p>
+          <a:p>
+            <a:pPr algn="l"/>
+            <a:endParaRPr lang="en-US" sz="2800" dirty="0">
+              <a:solidFill>
+                <a:srgbClr val="636C8B"/>
+              </a:solidFill>
+              <a:latin typeface="Calibri Light (Headings)"/>
+            </a:endParaRPr>
+          </a:p>
+          <a:p>
+            <a:pPr algn="l"/>
+            <a:endParaRPr lang="en-US" sz="2800" dirty="0">
+              <a:solidFill>
+                <a:srgbClr val="636C8B"/>
+              </a:solidFill>
+              <a:latin typeface="Calibri Light (Headings)"/>
+            </a:endParaRPr>
+          </a:p>
+          <a:p>
+            <a:pPr algn="l"/>
+            <a:endParaRPr lang="en-US" sz="2800" dirty="0">
+              <a:solidFill>
+                <a:srgbClr val="636C8B"/>
+              </a:solidFill>
+              <a:latin typeface="Calibri Light (Headings)"/>
+            </a:endParaRPr>
+          </a:p>
+          <a:p>
+            <a:pPr algn="l"/>
+            <a:endParaRPr lang="en-US" sz="2800" dirty="0">
+              <a:solidFill>
+                <a:srgbClr val="636C8B"/>
+              </a:solidFill>
+              <a:latin typeface="Calibri Light (Headings)"/>
+            </a:endParaRPr>
+          </a:p>
+          <a:p>
+            <a:pPr algn="l"/>
+            <a:endParaRPr lang="en-US" sz="2800" dirty="0">
+              <a:solidFill>
+                <a:srgbClr val="636C8B"/>
+              </a:solidFill>
+              <a:latin typeface="Calibri Light (Headings)"/>
+            </a:endParaRPr>
+          </a:p>
+        </p:txBody>
+      </p:sp>
+      <p:sp>
+        <p:nvSpPr>
+          <p:cNvPr id="30" name="Title 1">
+            <a:extLst>
+              <a:ext uri="{FF2B5EF4-FFF2-40B4-BE49-F238E27FC236}">
+                <a16:creationId xmlns:a16="http://schemas.microsoft.com/office/drawing/2014/main" id="{CC6F9EBE-E470-10A5-2876-561F5BC5703F}"/>
+              </a:ext>
+            </a:extLst>
+          </p:cNvPr>
+          <p:cNvSpPr>
+            <a:spLocks noGrp="1"/>
+          </p:cNvSpPr>
+          <p:nvPr>
+            <p:ph type="ctrTitle"/>
+          </p:nvPr>
+        </p:nvSpPr>
+        <p:spPr>
+          <a:xfrm>
+            <a:off x="459203" y="241266"/>
+            <a:ext cx="11273589" cy="718459"/>
+          </a:xfrm>
+        </p:spPr>
+        <p:txBody>
+          <a:bodyPr>
+            <a:noAutofit/>
+          </a:bodyPr>
+          <a:lstStyle/>
+          <a:p>
+            <a:r>
+              <a:rPr lang="en-US" sz="5000" b="1" dirty="0"/>
+              <a:t>Hard Margin SVM Equation</a:t>
+            </a:r>
+            <a:endParaRPr lang="en-PH" sz="5000" b="1" dirty="0"/>
+          </a:p>
+        </p:txBody>
+      </p:sp>
+      <p:sp>
+        <p:nvSpPr>
+          <p:cNvPr id="23" name="TextBox 22">
+            <a:extLst>
+              <a:ext uri="{FF2B5EF4-FFF2-40B4-BE49-F238E27FC236}">
+                <a16:creationId xmlns:a16="http://schemas.microsoft.com/office/drawing/2014/main" id="{61D3D7BC-76A5-755B-4DAA-F0FAE606B511}"/>
+              </a:ext>
+            </a:extLst>
+          </p:cNvPr>
+          <p:cNvSpPr txBox="1"/>
+          <p:nvPr/>
+        </p:nvSpPr>
+        <p:spPr>
+          <a:xfrm>
+            <a:off x="1739897" y="1035133"/>
+            <a:ext cx="8712200" cy="1677382"/>
+          </a:xfrm>
+          <a:prstGeom prst="rect">
+            <a:avLst/>
+          </a:prstGeom>
+          <a:noFill/>
+        </p:spPr>
+        <p:txBody>
+          <a:bodyPr wrap="square" rtlCol="0">
+            <a:spAutoFit/>
+          </a:bodyPr>
+          <a:lstStyle/>
+          <a:p>
+            <a:endParaRPr lang="en-PH" sz="2500" b="1" dirty="0">
+              <a:solidFill>
+                <a:schemeClr val="tx1"/>
+              </a:solidFill>
+              <a:latin typeface="Cambria Math" panose="02040503050406030204" pitchFamily="18" charset="0"/>
+              <a:ea typeface="Cambria Math" panose="02040503050406030204" pitchFamily="18" charset="0"/>
+            </a:endParaRPr>
+          </a:p>
+          <a:p>
+            <a:endParaRPr lang="en-PH" sz="2800" b="1" dirty="0">
+              <a:latin typeface="Cambria Math" panose="02040503050406030204" pitchFamily="18" charset="0"/>
+              <a:ea typeface="Cambria Math" panose="02040503050406030204" pitchFamily="18" charset="0"/>
+            </a:endParaRPr>
+          </a:p>
+          <a:p>
+            <a:endParaRPr lang="en-PH" sz="2500" b="1" dirty="0">
+              <a:solidFill>
+                <a:schemeClr val="tx1"/>
+              </a:solidFill>
+              <a:latin typeface="Cambria Math" panose="02040503050406030204" pitchFamily="18" charset="0"/>
+              <a:ea typeface="Cambria Math" panose="02040503050406030204" pitchFamily="18" charset="0"/>
+            </a:endParaRPr>
+          </a:p>
+          <a:p>
+            <a:endParaRPr lang="en-PH" sz="2500" b="1" dirty="0">
+              <a:solidFill>
+                <a:schemeClr val="tx1"/>
+              </a:solidFill>
+              <a:latin typeface="Cambria Math" panose="02040503050406030204" pitchFamily="18" charset="0"/>
+              <a:ea typeface="Cambria Math" panose="02040503050406030204" pitchFamily="18" charset="0"/>
+            </a:endParaRPr>
+          </a:p>
+        </p:txBody>
+      </p:sp>
+      <mc:AlternateContent xmlns:mc="http://schemas.openxmlformats.org/markup-compatibility/2006">
+        <mc:Choice xmlns:a14="http://schemas.microsoft.com/office/drawing/2010/main" Requires="a14">
+          <p:sp>
+            <p:nvSpPr>
+              <p:cNvPr id="9" name="TextBox 8">
+                <a:extLst>
+                  <a:ext uri="{FF2B5EF4-FFF2-40B4-BE49-F238E27FC236}">
+                    <a16:creationId xmlns:a16="http://schemas.microsoft.com/office/drawing/2014/main" id="{746627C4-C65A-5AA4-F619-5A9BD334DAFF}"/>
+                  </a:ext>
+                </a:extLst>
+              </p:cNvPr>
+              <p:cNvSpPr txBox="1"/>
+              <p:nvPr/>
+            </p:nvSpPr>
+            <p:spPr>
+              <a:xfrm>
+                <a:off x="4354737" y="2526175"/>
+                <a:ext cx="3482515" cy="553998"/>
+              </a:xfrm>
+              <a:prstGeom prst="rect">
+                <a:avLst/>
+              </a:prstGeom>
+              <a:noFill/>
+            </p:spPr>
+            <p:txBody>
+              <a:bodyPr wrap="square">
+                <a:spAutoFit/>
+              </a:bodyPr>
+              <a:lstStyle/>
+              <a:p>
+                <a:pPr/>
+                <a14:m>
+                  <m:oMathPara xmlns:m="http://schemas.openxmlformats.org/officeDocument/2006/math">
+                    <m:oMathParaPr>
+                      <m:jc m:val="centerGroup"/>
+                    </m:oMathParaPr>
+                    <m:oMath xmlns:m="http://schemas.openxmlformats.org/officeDocument/2006/math">
+                      <m:sSub>
+                        <m:sSubPr>
+                          <m:ctrlPr>
+                            <a:rPr lang="en-US" sz="3000" b="1" i="1" smtClean="0">
+                              <a:latin typeface="Cambria Math" panose="02040503050406030204" pitchFamily="18" charset="0"/>
+                              <a:ea typeface="Cambria Math" panose="02040503050406030204" pitchFamily="18" charset="0"/>
+                            </a:rPr>
+                          </m:ctrlPr>
+                        </m:sSubPr>
+                        <m:e>
+                          <m:r>
+                            <a:rPr lang="en-US" sz="3000" b="1" i="1">
+                              <a:latin typeface="Cambria Math" panose="02040503050406030204" pitchFamily="18" charset="0"/>
+                              <a:ea typeface="Cambria Math" panose="02040503050406030204" pitchFamily="18" charset="0"/>
+                            </a:rPr>
+                            <m:t>𝒚</m:t>
+                          </m:r>
+                        </m:e>
+                        <m:sub>
+                          <m:r>
+                            <a:rPr lang="en-US" sz="3000" b="1" i="1">
+                              <a:latin typeface="Cambria Math" panose="02040503050406030204" pitchFamily="18" charset="0"/>
+                              <a:ea typeface="Cambria Math" panose="02040503050406030204" pitchFamily="18" charset="0"/>
+                            </a:rPr>
+                            <m:t>𝒊</m:t>
+                          </m:r>
+                        </m:sub>
+                      </m:sSub>
+                      <m:r>
+                        <m:rPr>
+                          <m:nor/>
+                        </m:rPr>
+                        <a:rPr lang="en-PH" sz="3000" b="1" dirty="0">
+                          <a:latin typeface="Cambria Math" panose="02040503050406030204" pitchFamily="18" charset="0"/>
+                          <a:ea typeface="Cambria Math" panose="02040503050406030204" pitchFamily="18" charset="0"/>
+                        </a:rPr>
+                        <m:t>(</m:t>
+                      </m:r>
+                      <m:acc>
+                        <m:accPr>
+                          <m:chr m:val="⃗"/>
+                          <m:ctrlPr>
+                            <a:rPr lang="en-US" sz="3000" b="1" i="1" dirty="0">
+                              <a:latin typeface="Cambria Math" panose="02040503050406030204" pitchFamily="18" charset="0"/>
+                              <a:ea typeface="Cambria Math" panose="02040503050406030204" pitchFamily="18" charset="0"/>
+                            </a:rPr>
+                          </m:ctrlPr>
+                        </m:accPr>
+                        <m:e>
+                          <m:r>
+                            <a:rPr lang="en-US" sz="3000" b="1" i="1">
+                              <a:latin typeface="Cambria Math" panose="02040503050406030204" pitchFamily="18" charset="0"/>
+                              <a:ea typeface="Cambria Math" panose="02040503050406030204" pitchFamily="18" charset="0"/>
+                            </a:rPr>
+                            <m:t>𝒘</m:t>
+                          </m:r>
+                        </m:e>
+                      </m:acc>
+                      <m:r>
+                        <m:rPr>
+                          <m:nor/>
+                        </m:rPr>
+                        <a:rPr lang="en-PH" sz="3000" b="1" dirty="0">
+                          <a:latin typeface="Cambria Math" panose="02040503050406030204" pitchFamily="18" charset="0"/>
+                          <a:ea typeface="Cambria Math" panose="02040503050406030204" pitchFamily="18" charset="0"/>
+                        </a:rPr>
+                        <m:t> ⋅ </m:t>
+                      </m:r>
+                      <m:r>
+                        <a:rPr lang="en-US" sz="3000" b="1" dirty="0">
+                          <a:latin typeface="Cambria Math" panose="02040503050406030204" pitchFamily="18" charset="0"/>
+                          <a:ea typeface="Cambria Math" panose="02040503050406030204" pitchFamily="18" charset="0"/>
+                        </a:rPr>
+                        <m:t> </m:t>
+                      </m:r>
+                      <m:acc>
+                        <m:accPr>
+                          <m:chr m:val="⃗"/>
+                          <m:ctrlPr>
+                            <a:rPr lang="en-US" sz="3000" b="1" i="1" dirty="0">
+                              <a:latin typeface="Cambria Math" panose="02040503050406030204" pitchFamily="18" charset="0"/>
+                              <a:ea typeface="Cambria Math" panose="02040503050406030204" pitchFamily="18" charset="0"/>
+                            </a:rPr>
+                          </m:ctrlPr>
+                        </m:accPr>
+                        <m:e>
+                          <m:sSub>
+                            <m:sSubPr>
+                              <m:ctrlPr>
+                                <a:rPr lang="en-US" sz="3000" b="1" i="1">
+                                  <a:latin typeface="Cambria Math" panose="02040503050406030204" pitchFamily="18" charset="0"/>
+                                  <a:ea typeface="Cambria Math" panose="02040503050406030204" pitchFamily="18" charset="0"/>
+                                </a:rPr>
+                              </m:ctrlPr>
+                            </m:sSubPr>
+                            <m:e>
+                              <m:r>
+                                <a:rPr lang="en-US" sz="3000" b="1" i="1">
+                                  <a:latin typeface="Cambria Math" panose="02040503050406030204" pitchFamily="18" charset="0"/>
+                                  <a:ea typeface="Cambria Math" panose="02040503050406030204" pitchFamily="18" charset="0"/>
+                                </a:rPr>
+                                <m:t>𝒙</m:t>
+                              </m:r>
+                            </m:e>
+                            <m:sub>
+                              <m:r>
+                                <a:rPr lang="en-US" sz="3000" b="1" i="1">
+                                  <a:latin typeface="Cambria Math" panose="02040503050406030204" pitchFamily="18" charset="0"/>
+                                  <a:ea typeface="Cambria Math" panose="02040503050406030204" pitchFamily="18" charset="0"/>
+                                </a:rPr>
+                                <m:t>𝒊</m:t>
+                              </m:r>
+                            </m:sub>
+                          </m:sSub>
+                        </m:e>
+                      </m:acc>
+                      <m:r>
+                        <m:rPr>
+                          <m:nor/>
+                        </m:rPr>
+                        <a:rPr lang="en-PH" sz="3000" b="1" dirty="0">
+                          <a:latin typeface="Cambria Math" panose="02040503050406030204" pitchFamily="18" charset="0"/>
+                          <a:ea typeface="Cambria Math" panose="02040503050406030204" pitchFamily="18" charset="0"/>
+                        </a:rPr>
+                        <m:t> − </m:t>
+                      </m:r>
+                      <m:r>
+                        <m:rPr>
+                          <m:nor/>
+                        </m:rPr>
+                        <a:rPr lang="en-PH" sz="3000" b="1" dirty="0">
+                          <a:latin typeface="Cambria Math" panose="02040503050406030204" pitchFamily="18" charset="0"/>
+                          <a:ea typeface="Cambria Math" panose="02040503050406030204" pitchFamily="18" charset="0"/>
+                        </a:rPr>
+                        <m:t>b</m:t>
+                      </m:r>
+                      <m:r>
+                        <m:rPr>
+                          <m:nor/>
+                        </m:rPr>
+                        <a:rPr lang="en-PH" sz="3000" b="1" dirty="0">
+                          <a:latin typeface="Cambria Math" panose="02040503050406030204" pitchFamily="18" charset="0"/>
+                          <a:ea typeface="Cambria Math" panose="02040503050406030204" pitchFamily="18" charset="0"/>
+                        </a:rPr>
+                        <m:t>)</m:t>
+                      </m:r>
+                      <m:r>
+                        <m:rPr>
+                          <m:nor/>
+                        </m:rPr>
+                        <a:rPr lang="en-US" sz="3000" b="1" i="0" dirty="0" smtClean="0">
+                          <a:latin typeface="Cambria Math" panose="02040503050406030204" pitchFamily="18" charset="0"/>
+                          <a:ea typeface="Cambria Math" panose="02040503050406030204" pitchFamily="18" charset="0"/>
+                        </a:rPr>
+                        <m:t> </m:t>
+                      </m:r>
+                      <m:r>
+                        <m:rPr>
+                          <m:nor/>
+                        </m:rPr>
+                        <a:rPr lang="en-PH" sz="3000" b="1" dirty="0">
+                          <a:latin typeface="Cambria Math" panose="02040503050406030204" pitchFamily="18" charset="0"/>
+                          <a:ea typeface="Cambria Math" panose="02040503050406030204" pitchFamily="18" charset="0"/>
+                        </a:rPr>
+                        <m:t>≥ +1</m:t>
+                      </m:r>
+                    </m:oMath>
+                  </m:oMathPara>
+                </a14:m>
+                <a:endParaRPr lang="en-PH" sz="3000" b="1" dirty="0">
+                  <a:latin typeface="Cambria Math" panose="02040503050406030204" pitchFamily="18" charset="0"/>
+                  <a:ea typeface="Cambria Math" panose="02040503050406030204" pitchFamily="18" charset="0"/>
+                </a:endParaRPr>
+              </a:p>
+            </p:txBody>
+          </p:sp>
+        </mc:Choice>
+        <mc:Fallback>
+          <p:sp>
+            <p:nvSpPr>
+              <p:cNvPr id="9" name="TextBox 8">
+                <a:extLst>
+                  <a:ext uri="{FF2B5EF4-FFF2-40B4-BE49-F238E27FC236}">
+                    <a16:creationId xmlns:a16="http://schemas.microsoft.com/office/drawing/2014/main" id="{746627C4-C65A-5AA4-F619-5A9BD334DAFF}"/>
+                  </a:ext>
+                </a:extLst>
+              </p:cNvPr>
+              <p:cNvSpPr txBox="1">
+                <a:spLocks noRot="1" noChangeAspect="1" noMove="1" noResize="1" noEditPoints="1" noAdjustHandles="1" noChangeArrowheads="1" noChangeShapeType="1" noTextEdit="1"/>
+              </p:cNvSpPr>
+              <p:nvPr/>
+            </p:nvSpPr>
+            <p:spPr>
+              <a:xfrm>
+                <a:off x="4354737" y="2526175"/>
+                <a:ext cx="3482515" cy="553998"/>
+              </a:xfrm>
+              <a:prstGeom prst="rect">
+                <a:avLst/>
+              </a:prstGeom>
+              <a:blipFill>
+                <a:blip r:embed="rId4"/>
+                <a:stretch>
+                  <a:fillRect/>
+                </a:stretch>
+              </a:blipFill>
+            </p:spPr>
+            <p:txBody>
+              <a:bodyPr/>
+              <a:lstStyle/>
+              <a:p>
+                <a:r>
+                  <a:rPr lang="en-PH">
+                    <a:noFill/>
+                  </a:rPr>
+                  <a:t> </a:t>
+                </a:r>
+              </a:p>
+            </p:txBody>
+          </p:sp>
+        </mc:Fallback>
+      </mc:AlternateContent>
+      <mc:AlternateContent xmlns:mc="http://schemas.openxmlformats.org/markup-compatibility/2006">
+        <mc:Choice xmlns:a14="http://schemas.microsoft.com/office/drawing/2010/main" Requires="a14">
+          <p:sp>
+            <p:nvSpPr>
+              <p:cNvPr id="2" name="TextBox 1">
+                <a:extLst>
+                  <a:ext uri="{FF2B5EF4-FFF2-40B4-BE49-F238E27FC236}">
+                    <a16:creationId xmlns:a16="http://schemas.microsoft.com/office/drawing/2014/main" id="{1048394E-82B5-D47D-8FF3-3911CA14DD20}"/>
+                  </a:ext>
+                </a:extLst>
+              </p:cNvPr>
+              <p:cNvSpPr txBox="1"/>
+              <p:nvPr/>
+            </p:nvSpPr>
+            <p:spPr>
+              <a:xfrm>
+                <a:off x="1688316" y="1789296"/>
+                <a:ext cx="9676370" cy="477054"/>
+              </a:xfrm>
+              <a:prstGeom prst="rect">
+                <a:avLst/>
+              </a:prstGeom>
+              <a:noFill/>
+            </p:spPr>
+            <p:txBody>
+              <a:bodyPr wrap="square" rtlCol="0">
+                <a:spAutoFit/>
+              </a:bodyPr>
+              <a:lstStyle/>
+              <a:p>
+                <a:pPr/>
+                <a14:m>
+                  <m:oMath xmlns:m="http://schemas.openxmlformats.org/officeDocument/2006/math">
+                    <m:r>
+                      <a:rPr lang="en-US" sz="2400" b="0" i="1" smtClean="0">
+                        <a:solidFill>
+                          <a:schemeClr val="tx1"/>
+                        </a:solidFill>
+                        <a:latin typeface="Cambria Math" panose="02040503050406030204" pitchFamily="18" charset="0"/>
+                        <a:ea typeface="Cambria Math" panose="02040503050406030204" pitchFamily="18" charset="0"/>
+                      </a:rPr>
+                      <m:t>𝑝𝑖𝑐𝑘</m:t>
+                    </m:r>
+                    <m:r>
+                      <a:rPr lang="en-US" sz="2400" b="0" i="1" smtClean="0">
+                        <a:solidFill>
+                          <a:schemeClr val="tx1"/>
+                        </a:solidFill>
+                        <a:latin typeface="Cambria Math" panose="02040503050406030204" pitchFamily="18" charset="0"/>
+                        <a:ea typeface="Cambria Math" panose="02040503050406030204" pitchFamily="18" charset="0"/>
+                      </a:rPr>
+                      <m:t> </m:t>
+                    </m:r>
+                    <m:r>
+                      <a:rPr lang="en-US" sz="2400" b="0" i="1" smtClean="0">
+                        <a:solidFill>
+                          <a:schemeClr val="tx1"/>
+                        </a:solidFill>
+                        <a:latin typeface="Cambria Math" panose="02040503050406030204" pitchFamily="18" charset="0"/>
+                        <a:ea typeface="Cambria Math" panose="02040503050406030204" pitchFamily="18" charset="0"/>
+                      </a:rPr>
+                      <m:t>𝑎</m:t>
+                    </m:r>
+                    <m:r>
+                      <a:rPr lang="en-US" sz="2400" b="0" i="1" smtClean="0">
+                        <a:solidFill>
+                          <a:schemeClr val="tx1"/>
+                        </a:solidFill>
+                        <a:latin typeface="Cambria Math" panose="02040503050406030204" pitchFamily="18" charset="0"/>
+                        <a:ea typeface="Cambria Math" panose="02040503050406030204" pitchFamily="18" charset="0"/>
+                      </a:rPr>
+                      <m:t> </m:t>
+                    </m:r>
+                    <m:r>
+                      <a:rPr lang="en-US" sz="2400" b="1" i="1" smtClean="0">
+                        <a:solidFill>
+                          <a:schemeClr val="tx1"/>
+                        </a:solidFill>
+                        <a:latin typeface="Cambria Math" panose="02040503050406030204" pitchFamily="18" charset="0"/>
+                        <a:ea typeface="Cambria Math" panose="02040503050406030204" pitchFamily="18" charset="0"/>
+                      </a:rPr>
+                      <m:t>𝒘</m:t>
+                    </m:r>
+                    <m:r>
+                      <a:rPr lang="en-US" sz="2400" b="1" i="1" smtClean="0">
+                        <a:solidFill>
+                          <a:schemeClr val="tx1"/>
+                        </a:solidFill>
+                        <a:latin typeface="Cambria Math" panose="02040503050406030204" pitchFamily="18" charset="0"/>
+                        <a:ea typeface="Cambria Math" panose="02040503050406030204" pitchFamily="18" charset="0"/>
+                      </a:rPr>
+                      <m:t>,</m:t>
+                    </m:r>
+                    <m:r>
+                      <a:rPr lang="en-US" sz="2400" b="1" i="1" smtClean="0">
+                        <a:solidFill>
+                          <a:schemeClr val="tx1"/>
+                        </a:solidFill>
+                        <a:latin typeface="Cambria Math" panose="02040503050406030204" pitchFamily="18" charset="0"/>
+                        <a:ea typeface="Cambria Math" panose="02040503050406030204" pitchFamily="18" charset="0"/>
+                      </a:rPr>
+                      <m:t>𝒃</m:t>
+                    </m:r>
+                    <m:r>
+                      <a:rPr lang="en-US" sz="2400" b="1" i="1" smtClean="0">
+                        <a:solidFill>
+                          <a:schemeClr val="tx1"/>
+                        </a:solidFill>
+                        <a:latin typeface="Cambria Math" panose="02040503050406030204" pitchFamily="18" charset="0"/>
+                        <a:ea typeface="Cambria Math" panose="02040503050406030204" pitchFamily="18" charset="0"/>
+                      </a:rPr>
+                      <m:t> </m:t>
+                    </m:r>
+                    <m:r>
+                      <a:rPr lang="en-US" sz="2400" b="0" i="1" smtClean="0">
+                        <a:solidFill>
+                          <a:schemeClr val="tx1"/>
+                        </a:solidFill>
+                        <a:latin typeface="Cambria Math" panose="02040503050406030204" pitchFamily="18" charset="0"/>
+                        <a:ea typeface="Cambria Math" panose="02040503050406030204" pitchFamily="18" charset="0"/>
+                      </a:rPr>
+                      <m:t>𝑠𝑢𝑐h</m:t>
+                    </m:r>
+                    <m:r>
+                      <a:rPr lang="en-US" sz="2400" b="0" i="1" smtClean="0">
+                        <a:solidFill>
+                          <a:schemeClr val="tx1"/>
+                        </a:solidFill>
+                        <a:latin typeface="Cambria Math" panose="02040503050406030204" pitchFamily="18" charset="0"/>
+                        <a:ea typeface="Cambria Math" panose="02040503050406030204" pitchFamily="18" charset="0"/>
+                      </a:rPr>
+                      <m:t> </m:t>
+                    </m:r>
+                    <m:r>
+                      <a:rPr lang="en-US" sz="2400" b="0" i="1" smtClean="0">
+                        <a:solidFill>
+                          <a:schemeClr val="tx1"/>
+                        </a:solidFill>
+                        <a:latin typeface="Cambria Math" panose="02040503050406030204" pitchFamily="18" charset="0"/>
+                        <a:ea typeface="Cambria Math" panose="02040503050406030204" pitchFamily="18" charset="0"/>
+                      </a:rPr>
+                      <m:t>𝑡h𝑎𝑡</m:t>
+                    </m:r>
+                    <m:r>
+                      <a:rPr lang="en-US" sz="2400" b="0" i="1" smtClean="0">
+                        <a:solidFill>
+                          <a:schemeClr val="tx1"/>
+                        </a:solidFill>
+                        <a:latin typeface="Cambria Math" panose="02040503050406030204" pitchFamily="18" charset="0"/>
+                        <a:ea typeface="Cambria Math" panose="02040503050406030204" pitchFamily="18" charset="0"/>
+                      </a:rPr>
+                      <m:t> </m:t>
+                    </m:r>
+                    <m:d>
+                      <m:dPr>
+                        <m:begChr m:val="‖"/>
+                        <m:endChr m:val="‖"/>
+                        <m:ctrlPr>
+                          <a:rPr lang="en-US" sz="2400" b="1" i="1" dirty="0" smtClean="0">
+                            <a:latin typeface="Cambria Math" panose="02040503050406030204" pitchFamily="18" charset="0"/>
+                            <a:ea typeface="Cambria Math" panose="02040503050406030204" pitchFamily="18" charset="0"/>
+                          </a:rPr>
+                        </m:ctrlPr>
+                      </m:dPr>
+                      <m:e>
+                        <m:r>
+                          <a:rPr lang="en-US" sz="2400" b="1" i="1" dirty="0" smtClean="0">
+                            <a:latin typeface="Cambria Math" panose="02040503050406030204" pitchFamily="18" charset="0"/>
+                            <a:ea typeface="Cambria Math" panose="02040503050406030204" pitchFamily="18" charset="0"/>
+                          </a:rPr>
+                          <m:t>𝒘</m:t>
+                        </m:r>
+                      </m:e>
+                    </m:d>
+                    <m:r>
+                      <a:rPr lang="en-US" sz="2400" b="1" i="1" dirty="0" smtClean="0">
+                        <a:latin typeface="Cambria Math" panose="02040503050406030204" pitchFamily="18" charset="0"/>
+                        <a:ea typeface="Cambria Math" panose="02040503050406030204" pitchFamily="18" charset="0"/>
+                      </a:rPr>
+                      <m:t> </m:t>
+                    </m:r>
+                    <m:r>
+                      <a:rPr lang="en-US" sz="2400" b="1" i="1" dirty="0" smtClean="0">
+                        <a:latin typeface="Cambria Math" panose="02040503050406030204" pitchFamily="18" charset="0"/>
+                        <a:ea typeface="Cambria Math" panose="02040503050406030204" pitchFamily="18" charset="0"/>
+                      </a:rPr>
+                      <m:t>𝒊𝒔</m:t>
+                    </m:r>
+                    <m:r>
+                      <a:rPr lang="en-US" sz="2400" b="1" i="1" dirty="0" smtClean="0">
+                        <a:latin typeface="Cambria Math" panose="02040503050406030204" pitchFamily="18" charset="0"/>
+                        <a:ea typeface="Cambria Math" panose="02040503050406030204" pitchFamily="18" charset="0"/>
+                      </a:rPr>
+                      <m:t> </m:t>
+                    </m:r>
+                    <m:r>
+                      <a:rPr lang="en-US" sz="2400" b="1" i="1" dirty="0" smtClean="0">
+                        <a:latin typeface="Cambria Math" panose="02040503050406030204" pitchFamily="18" charset="0"/>
+                        <a:ea typeface="Cambria Math" panose="02040503050406030204" pitchFamily="18" charset="0"/>
+                      </a:rPr>
+                      <m:t>𝒎𝒊𝒏𝒊𝒎𝒊𝒛𝒆𝒅</m:t>
+                    </m:r>
+                  </m:oMath>
+                </a14:m>
+                <a:r>
+                  <a:rPr lang="en-PH" sz="2400" b="1" dirty="0">
+                    <a:solidFill>
+                      <a:schemeClr val="tx1"/>
+                    </a:solidFill>
+                    <a:latin typeface="Cambria Math" panose="02040503050406030204" pitchFamily="18" charset="0"/>
+                    <a:ea typeface="Cambria Math" panose="02040503050406030204" pitchFamily="18" charset="0"/>
+                  </a:rPr>
+                  <a:t> </a:t>
+                </a:r>
+                <a:r>
+                  <a:rPr lang="en-PH" sz="2400" dirty="0">
+                    <a:solidFill>
+                      <a:schemeClr val="tx1"/>
+                    </a:solidFill>
+                    <a:latin typeface="Cambria Math" panose="02040503050406030204" pitchFamily="18" charset="0"/>
+                    <a:ea typeface="Cambria Math" panose="02040503050406030204" pitchFamily="18" charset="0"/>
+                  </a:rPr>
+                  <a:t>while obeying the constraint </a:t>
+                </a:r>
+              </a:p>
+            </p:txBody>
+          </p:sp>
+        </mc:Choice>
+        <mc:Fallback>
+          <p:sp>
+            <p:nvSpPr>
+              <p:cNvPr id="2" name="TextBox 1">
+                <a:extLst>
+                  <a:ext uri="{FF2B5EF4-FFF2-40B4-BE49-F238E27FC236}">
+                    <a16:creationId xmlns:a16="http://schemas.microsoft.com/office/drawing/2014/main" id="{1048394E-82B5-D47D-8FF3-3911CA14DD20}"/>
+                  </a:ext>
+                </a:extLst>
+              </p:cNvPr>
+              <p:cNvSpPr txBox="1">
+                <a:spLocks noRot="1" noChangeAspect="1" noMove="1" noResize="1" noEditPoints="1" noAdjustHandles="1" noChangeArrowheads="1" noChangeShapeType="1" noTextEdit="1"/>
+              </p:cNvSpPr>
+              <p:nvPr/>
+            </p:nvSpPr>
+            <p:spPr>
+              <a:xfrm>
+                <a:off x="1688316" y="1789296"/>
+                <a:ext cx="9676370" cy="477054"/>
+              </a:xfrm>
+              <a:prstGeom prst="rect">
+                <a:avLst/>
+              </a:prstGeom>
+              <a:blipFill>
+                <a:blip r:embed="rId5"/>
+                <a:stretch>
+                  <a:fillRect l="-567" t="-10256" b="-25641"/>
+                </a:stretch>
+              </a:blipFill>
+            </p:spPr>
+            <p:txBody>
+              <a:bodyPr/>
+              <a:lstStyle/>
+              <a:p>
+                <a:r>
+                  <a:rPr lang="en-PH">
+                    <a:noFill/>
+                  </a:rPr>
+                  <a:t> </a:t>
+                </a:r>
+              </a:p>
+            </p:txBody>
+          </p:sp>
+        </mc:Fallback>
+      </mc:AlternateContent>
+      <mc:AlternateContent xmlns:mc="http://schemas.openxmlformats.org/markup-compatibility/2006">
+        <mc:Choice xmlns:a14="http://schemas.microsoft.com/office/drawing/2010/main" Requires="a14">
+          <p:sp>
+            <p:nvSpPr>
+              <p:cNvPr id="6" name="TextBox 5">
+                <a:extLst>
+                  <a:ext uri="{FF2B5EF4-FFF2-40B4-BE49-F238E27FC236}">
+                    <a16:creationId xmlns:a16="http://schemas.microsoft.com/office/drawing/2014/main" id="{C60E5FA8-DF54-5827-B5CF-A0B537A1EA37}"/>
+                  </a:ext>
+                </a:extLst>
+              </p:cNvPr>
+              <p:cNvSpPr txBox="1"/>
+              <p:nvPr/>
+            </p:nvSpPr>
+            <p:spPr>
+              <a:xfrm>
+                <a:off x="4354737" y="3466678"/>
+                <a:ext cx="3482515" cy="553998"/>
+              </a:xfrm>
+              <a:prstGeom prst="rect">
+                <a:avLst/>
+              </a:prstGeom>
+              <a:noFill/>
+            </p:spPr>
+            <p:txBody>
+              <a:bodyPr wrap="square">
+                <a:spAutoFit/>
+              </a:bodyPr>
+              <a:lstStyle/>
+              <a:p>
+                <a:pPr/>
+                <a14:m>
+                  <m:oMathPara xmlns:m="http://schemas.openxmlformats.org/officeDocument/2006/math">
+                    <m:oMathParaPr>
+                      <m:jc m:val="centerGroup"/>
+                    </m:oMathParaPr>
+                    <m:oMath xmlns:m="http://schemas.openxmlformats.org/officeDocument/2006/math">
+                      <m:r>
+                        <a:rPr lang="en-US" sz="3000" b="0" i="1" smtClean="0">
+                          <a:latin typeface="Cambria Math" panose="02040503050406030204" pitchFamily="18" charset="0"/>
+                          <a:ea typeface="Cambria Math" panose="02040503050406030204" pitchFamily="18" charset="0"/>
+                        </a:rPr>
+                        <m:t>𝑓𝑜𝑟</m:t>
+                      </m:r>
+                      <m:r>
+                        <a:rPr lang="en-US" sz="3000" b="0" i="1" smtClean="0">
+                          <a:latin typeface="Cambria Math" panose="02040503050406030204" pitchFamily="18" charset="0"/>
+                          <a:ea typeface="Cambria Math" panose="02040503050406030204" pitchFamily="18" charset="0"/>
+                        </a:rPr>
+                        <m:t> </m:t>
+                      </m:r>
+                      <m:r>
+                        <a:rPr lang="en-US" sz="3000" b="0" i="1" smtClean="0">
+                          <a:latin typeface="Cambria Math" panose="02040503050406030204" pitchFamily="18" charset="0"/>
+                          <a:ea typeface="Cambria Math" panose="02040503050406030204" pitchFamily="18" charset="0"/>
+                        </a:rPr>
+                        <m:t>𝑎𝑙𝑙</m:t>
+                      </m:r>
+                      <m:r>
+                        <a:rPr lang="en-US" sz="3000" b="0" i="1" smtClean="0">
+                          <a:latin typeface="Cambria Math" panose="02040503050406030204" pitchFamily="18" charset="0"/>
+                          <a:ea typeface="Cambria Math" panose="02040503050406030204" pitchFamily="18" charset="0"/>
+                        </a:rPr>
+                        <m:t> </m:t>
+                      </m:r>
+                      <m:r>
+                        <a:rPr lang="en-US" sz="3000" b="1" i="1" smtClean="0">
+                          <a:latin typeface="Cambria Math" panose="02040503050406030204" pitchFamily="18" charset="0"/>
+                          <a:ea typeface="Cambria Math" panose="02040503050406030204" pitchFamily="18" charset="0"/>
+                        </a:rPr>
+                        <m:t>𝒊</m:t>
+                      </m:r>
+                      <m:r>
+                        <a:rPr lang="en-US" sz="3000" b="1" i="1" smtClean="0">
+                          <a:latin typeface="Cambria Math" panose="02040503050406030204" pitchFamily="18" charset="0"/>
+                          <a:ea typeface="Cambria Math" panose="02040503050406030204" pitchFamily="18" charset="0"/>
+                        </a:rPr>
+                        <m:t>=</m:t>
+                      </m:r>
+                      <m:r>
+                        <a:rPr lang="en-US" sz="3000" b="1" i="1" smtClean="0">
+                          <a:latin typeface="Cambria Math" panose="02040503050406030204" pitchFamily="18" charset="0"/>
+                          <a:ea typeface="Cambria Math" panose="02040503050406030204" pitchFamily="18" charset="0"/>
+                        </a:rPr>
+                        <m:t>𝟏</m:t>
+                      </m:r>
+                      <m:r>
+                        <a:rPr lang="en-US" sz="3000" b="1" i="1" smtClean="0">
+                          <a:latin typeface="Cambria Math" panose="02040503050406030204" pitchFamily="18" charset="0"/>
+                          <a:ea typeface="Cambria Math" panose="02040503050406030204" pitchFamily="18" charset="0"/>
+                        </a:rPr>
+                        <m:t>, …, </m:t>
+                      </m:r>
+                      <m:r>
+                        <a:rPr lang="en-US" sz="3000" b="1" i="1" smtClean="0">
+                          <a:latin typeface="Cambria Math" panose="02040503050406030204" pitchFamily="18" charset="0"/>
+                          <a:ea typeface="Cambria Math" panose="02040503050406030204" pitchFamily="18" charset="0"/>
+                        </a:rPr>
+                        <m:t>𝒏</m:t>
+                      </m:r>
+                    </m:oMath>
+                  </m:oMathPara>
+                </a14:m>
+                <a:endParaRPr lang="en-PH" sz="3000" b="1" dirty="0">
+                  <a:latin typeface="Cambria Math" panose="02040503050406030204" pitchFamily="18" charset="0"/>
+                  <a:ea typeface="Cambria Math" panose="02040503050406030204" pitchFamily="18" charset="0"/>
+                </a:endParaRPr>
+              </a:p>
+            </p:txBody>
+          </p:sp>
+        </mc:Choice>
+        <mc:Fallback>
+          <p:sp>
+            <p:nvSpPr>
+              <p:cNvPr id="6" name="TextBox 5">
+                <a:extLst>
+                  <a:ext uri="{FF2B5EF4-FFF2-40B4-BE49-F238E27FC236}">
+                    <a16:creationId xmlns:a16="http://schemas.microsoft.com/office/drawing/2014/main" id="{C60E5FA8-DF54-5827-B5CF-A0B537A1EA37}"/>
+                  </a:ext>
+                </a:extLst>
+              </p:cNvPr>
+              <p:cNvSpPr txBox="1">
+                <a:spLocks noRot="1" noChangeAspect="1" noMove="1" noResize="1" noEditPoints="1" noAdjustHandles="1" noChangeArrowheads="1" noChangeShapeType="1" noTextEdit="1"/>
+              </p:cNvSpPr>
+              <p:nvPr/>
+            </p:nvSpPr>
+            <p:spPr>
+              <a:xfrm>
+                <a:off x="4354737" y="3466678"/>
+                <a:ext cx="3482515" cy="553998"/>
+              </a:xfrm>
+              <a:prstGeom prst="rect">
+                <a:avLst/>
+              </a:prstGeom>
+              <a:blipFill>
+                <a:blip r:embed="rId6"/>
+                <a:stretch>
+                  <a:fillRect/>
+                </a:stretch>
+              </a:blipFill>
+            </p:spPr>
+            <p:txBody>
+              <a:bodyPr/>
+              <a:lstStyle/>
+              <a:p>
+                <a:r>
+                  <a:rPr lang="en-PH">
+                    <a:noFill/>
+                  </a:rPr>
+                  <a:t> </a:t>
+                </a:r>
+              </a:p>
+            </p:txBody>
+          </p:sp>
+        </mc:Fallback>
+      </mc:AlternateContent>
+    </p:spTree>
+    <p:extLst>
+      <p:ext uri="{BB962C8B-B14F-4D97-AF65-F5344CB8AC3E}">
+        <p14:creationId xmlns:p14="http://schemas.microsoft.com/office/powerpoint/2010/main" val="209511440"/>
+      </p:ext>
+    </p:extLst>
+  </p:cSld>
+  <p:clrMapOvr>
+    <a:masterClrMapping/>
+  </p:clrMapOvr>
+  <p:timing>
+    <p:tnLst>
+      <p:par>
+        <p:cTn id="1" dur="indefinite" restart="never" nodeType="tmRoot">
+          <p:childTnLst>
+            <p:seq concurrent="1" nextAc="seek">
+              <p:cTn id="2" dur="indefinite" nodeType="mainSeq">
+                <p:childTnLst>
+                  <p:par>
+                    <p:cTn id="3" fill="hold">
+                      <p:stCondLst>
+                        <p:cond delay="indefinite"/>
+                      </p:stCondLst>
+                      <p:childTnLst>
+                        <p:par>
+                          <p:cTn id="4" fill="hold">
+                            <p:stCondLst>
+                              <p:cond delay="0"/>
+                            </p:stCondLst>
+                            <p:childTnLst>
+                              <p:par>
+                                <p:cTn id="5" presetID="10" presetClass="entr" presetSubtype="0" fill="hold" grpId="0" nodeType="clickEffect" nodePh="1">
+                                  <p:stCondLst>
+                                    <p:cond delay="0"/>
+                                  </p:stCondLst>
+                                  <p:endCondLst>
+                                    <p:cond evt="begin" delay="0">
+                                      <p:tn val="5"/>
+                                    </p:cond>
+                                  </p:endCondLst>
                                   <p:childTnLst>
                                     <p:set>
                                       <p:cBhvr>
@@ -24047,7 +25349,7 @@
 </p:sld>
 </file>
 
-<file path=ppt/slides/slide14.xml><?xml version="1.0" encoding="utf-8"?>
+<file path=ppt/slides/slide15.xml><?xml version="1.0" encoding="utf-8"?>
 <p:sld xmlns:a="http://schemas.openxmlformats.org/drawingml/2006/main" xmlns:r="http://schemas.openxmlformats.org/officeDocument/2006/relationships" xmlns:p="http://schemas.openxmlformats.org/presentationml/2006/main">
   <p:cSld>
     <p:bg>
@@ -24534,7 +25836,7 @@
 </p:sld>
 </file>
 
-<file path=ppt/slides/slide15.xml><?xml version="1.0" encoding="utf-8"?>
+<file path=ppt/slides/slide16.xml><?xml version="1.0" encoding="utf-8"?>
 <p:sld xmlns:a="http://schemas.openxmlformats.org/drawingml/2006/main" xmlns:r="http://schemas.openxmlformats.org/officeDocument/2006/relationships" xmlns:p="http://schemas.openxmlformats.org/presentationml/2006/main">
   <p:cSld>
     <p:bg>
@@ -25113,7 +26415,7 @@
 </p:sld>
 </file>
 
-<file path=ppt/slides/slide16.xml><?xml version="1.0" encoding="utf-8"?>
+<file path=ppt/slides/slide17.xml><?xml version="1.0" encoding="utf-8"?>
 <p:sld xmlns:a="http://schemas.openxmlformats.org/drawingml/2006/main" xmlns:r="http://schemas.openxmlformats.org/officeDocument/2006/relationships" xmlns:p="http://schemas.openxmlformats.org/presentationml/2006/main">
   <p:cSld>
     <p:bg>
@@ -25345,8 +26647,8 @@
           </a:p>
         </p:txBody>
       </p:sp>
-      <mc:AlternateContent xmlns:mc="http://schemas.openxmlformats.org/markup-compatibility/2006">
-        <mc:Choice xmlns:a14="http://schemas.microsoft.com/office/drawing/2010/main" Requires="a14">
+      <mc:AlternateContent xmlns:mc="http://schemas.openxmlformats.org/markup-compatibility/2006" xmlns:a14="http://schemas.microsoft.com/office/drawing/2010/main">
+        <mc:Choice Requires="a14">
           <p:graphicFrame>
             <p:nvGraphicFramePr>
               <p:cNvPr id="3" name="Table 5">
@@ -27215,7 +28517,7 @@
             </a:graphic>
           </p:graphicFrame>
         </mc:Choice>
-        <mc:Fallback>
+        <mc:Fallback xmlns="">
           <p:graphicFrame>
             <p:nvGraphicFramePr>
               <p:cNvPr id="3" name="Table 5">
@@ -28974,7 +30276,7 @@
 </p:sld>
 </file>
 
-<file path=ppt/slides/slide17.xml><?xml version="1.0" encoding="utf-8"?>
+<file path=ppt/slides/slide18.xml><?xml version="1.0" encoding="utf-8"?>
 <p:sld xmlns:a="http://schemas.openxmlformats.org/drawingml/2006/main" xmlns:r="http://schemas.openxmlformats.org/officeDocument/2006/relationships" xmlns:p="http://schemas.openxmlformats.org/presentationml/2006/main">
   <p:cSld>
     <p:bg>
@@ -29818,7 +31120,7 @@
 </p:sld>
 </file>
 
-<file path=ppt/slides/slide18.xml><?xml version="1.0" encoding="utf-8"?>
+<file path=ppt/slides/slide19.xml><?xml version="1.0" encoding="utf-8"?>
 <p:sld xmlns:a="http://schemas.openxmlformats.org/drawingml/2006/main" xmlns:r="http://schemas.openxmlformats.org/officeDocument/2006/relationships" xmlns:p="http://schemas.openxmlformats.org/presentationml/2006/main">
   <p:cSld>
     <p:bg>
@@ -30007,8 +31309,8 @@
           </a:p>
         </p:txBody>
       </p:sp>
-      <mc:AlternateContent xmlns:mc="http://schemas.openxmlformats.org/markup-compatibility/2006">
-        <mc:Choice xmlns:a14="http://schemas.microsoft.com/office/drawing/2010/main" Requires="a14">
+      <mc:AlternateContent xmlns:mc="http://schemas.openxmlformats.org/markup-compatibility/2006" xmlns:a14="http://schemas.microsoft.com/office/drawing/2010/main">
+        <mc:Choice Requires="a14">
           <p:sp>
             <p:nvSpPr>
               <p:cNvPr id="7" name="TextBox 6">
@@ -30225,7 +31527,7 @@
             </p:txBody>
           </p:sp>
         </mc:Choice>
-        <mc:Fallback>
+        <mc:Fallback xmlns="">
           <p:sp>
             <p:nvSpPr>
               <p:cNvPr id="7" name="TextBox 6">
@@ -30425,2030 +31727,6 @@
                                         <p:cTn id="7" dur="500"/>
                                         <p:tgtEl>
                                           <p:spTgt spid="7"/>
-                                        </p:tgtEl>
-                                      </p:cBhvr>
-                                    </p:animEffect>
-                                  </p:childTnLst>
-                                </p:cTn>
-                              </p:par>
-                            </p:childTnLst>
-                          </p:cTn>
-                        </p:par>
-                      </p:childTnLst>
-                    </p:cTn>
-                  </p:par>
-                </p:childTnLst>
-              </p:cTn>
-              <p:prevCondLst>
-                <p:cond evt="onPrev" delay="0">
-                  <p:tgtEl>
-                    <p:sldTgt/>
-                  </p:tgtEl>
-                </p:cond>
-              </p:prevCondLst>
-              <p:nextCondLst>
-                <p:cond evt="onNext" delay="0">
-                  <p:tgtEl>
-                    <p:sldTgt/>
-                  </p:tgtEl>
-                </p:cond>
-              </p:nextCondLst>
-            </p:seq>
-          </p:childTnLst>
-        </p:cTn>
-      </p:par>
-    </p:tnLst>
-    <p:bldLst>
-      <p:bldP spid="7" grpId="0"/>
-    </p:bldLst>
-  </p:timing>
-</p:sld>
-</file>
-
-<file path=ppt/slides/slide19.xml><?xml version="1.0" encoding="utf-8"?>
-<p:sld xmlns:a="http://schemas.openxmlformats.org/drawingml/2006/main" xmlns:r="http://schemas.openxmlformats.org/officeDocument/2006/relationships" xmlns:p="http://schemas.openxmlformats.org/presentationml/2006/main">
-  <p:cSld>
-    <p:bg>
-      <p:bgPr>
-        <a:blipFill dpi="0" rotWithShape="1">
-          <a:blip r:embed="rId3">
-            <a:alphaModFix amt="99000"/>
-            <a:lum/>
-          </a:blip>
-          <a:srcRect/>
-          <a:stretch>
-            <a:fillRect t="89000" r="85000" b="-1000"/>
-          </a:stretch>
-        </a:blipFill>
-        <a:effectLst/>
-      </p:bgPr>
-    </p:bg>
-    <p:spTree>
-      <p:nvGrpSpPr>
-        <p:cNvPr id="1" name=""/>
-        <p:cNvGrpSpPr/>
-        <p:nvPr/>
-      </p:nvGrpSpPr>
-      <p:grpSpPr>
-        <a:xfrm>
-          <a:off x="0" y="0"/>
-          <a:ext cx="0" cy="0"/>
-          <a:chOff x="0" y="0"/>
-          <a:chExt cx="0" cy="0"/>
-        </a:xfrm>
-      </p:grpSpPr>
-      <p:sp>
-        <p:nvSpPr>
-          <p:cNvPr id="4" name="Footer Placeholder 3">
-            <a:extLst>
-              <a:ext uri="{FF2B5EF4-FFF2-40B4-BE49-F238E27FC236}">
-                <a16:creationId xmlns:a16="http://schemas.microsoft.com/office/drawing/2014/main" id="{638E7DE1-45EE-476A-A474-0F3C264AEDA3}"/>
-              </a:ext>
-            </a:extLst>
-          </p:cNvPr>
-          <p:cNvSpPr>
-            <a:spLocks noGrp="1"/>
-          </p:cNvSpPr>
-          <p:nvPr>
-            <p:ph type="ftr" sz="quarter" idx="11"/>
-          </p:nvPr>
-        </p:nvSpPr>
-        <p:spPr>
-          <a:xfrm>
-            <a:off x="0" y="6139541"/>
-            <a:ext cx="12192000" cy="718459"/>
-          </a:xfrm>
-          <a:ln w="28575">
-            <a:solidFill>
-              <a:schemeClr val="accent5">
-                <a:lumMod val="50000"/>
-              </a:schemeClr>
-            </a:solidFill>
-          </a:ln>
-        </p:spPr>
-        <p:txBody>
-          <a:bodyPr/>
-          <a:lstStyle/>
-          <a:p>
-            <a:pPr algn="r"/>
-            <a:r>
-              <a:rPr lang="en-US" b="1" dirty="0">
-                <a:solidFill>
-                  <a:schemeClr val="tx1"/>
-                </a:solidFill>
-              </a:rPr>
-              <a:t>CCADMACL</a:t>
-            </a:r>
-            <a:endParaRPr lang="en-PH" dirty="0"/>
-          </a:p>
-        </p:txBody>
-      </p:sp>
-      <p:sp>
-        <p:nvSpPr>
-          <p:cNvPr id="5" name="Title 1">
-            <a:extLst>
-              <a:ext uri="{FF2B5EF4-FFF2-40B4-BE49-F238E27FC236}">
-                <a16:creationId xmlns:a16="http://schemas.microsoft.com/office/drawing/2014/main" id="{3444037F-B658-D82C-5DCA-53E8AA1493D7}"/>
-              </a:ext>
-            </a:extLst>
-          </p:cNvPr>
-          <p:cNvSpPr txBox="1">
-            <a:spLocks/>
-          </p:cNvSpPr>
-          <p:nvPr/>
-        </p:nvSpPr>
-        <p:spPr>
-          <a:xfrm>
-            <a:off x="459203" y="1035133"/>
-            <a:ext cx="11273589" cy="4290585"/>
-          </a:xfrm>
-          <a:prstGeom prst="rect">
-            <a:avLst/>
-          </a:prstGeom>
-        </p:spPr>
-        <p:txBody>
-          <a:bodyPr vert="horz" lIns="91440" tIns="45720" rIns="91440" bIns="45720" rtlCol="0" anchor="b">
-            <a:normAutofit fontScale="97500"/>
-          </a:bodyPr>
-          <a:lstStyle>
-            <a:lvl1pPr algn="ctr" defTabSz="914400" rtl="0" eaLnBrk="1" latinLnBrk="0" hangingPunct="1">
-              <a:lnSpc>
-                <a:spcPct val="90000"/>
-              </a:lnSpc>
-              <a:spcBef>
-                <a:spcPct val="0"/>
-              </a:spcBef>
-              <a:buNone/>
-              <a:defRPr sz="6000" kern="1200">
-                <a:solidFill>
-                  <a:schemeClr val="tx1"/>
-                </a:solidFill>
-                <a:latin typeface="+mj-lt"/>
-                <a:ea typeface="+mj-ea"/>
-                <a:cs typeface="+mj-cs"/>
-              </a:defRPr>
-            </a:lvl1pPr>
-          </a:lstStyle>
-          <a:p>
-            <a:pPr algn="l"/>
-            <a:endParaRPr lang="en-US" sz="2800" dirty="0">
-              <a:solidFill>
-                <a:srgbClr val="636C8B"/>
-              </a:solidFill>
-              <a:latin typeface="Calibri Light (Headings)"/>
-            </a:endParaRPr>
-          </a:p>
-          <a:p>
-            <a:pPr algn="l"/>
-            <a:endParaRPr lang="en-US" sz="2800" dirty="0">
-              <a:solidFill>
-                <a:srgbClr val="636C8B"/>
-              </a:solidFill>
-              <a:latin typeface="Calibri Light (Headings)"/>
-            </a:endParaRPr>
-          </a:p>
-          <a:p>
-            <a:pPr algn="l"/>
-            <a:endParaRPr lang="en-US" sz="2800" dirty="0">
-              <a:solidFill>
-                <a:srgbClr val="636C8B"/>
-              </a:solidFill>
-              <a:latin typeface="Calibri Light (Headings)"/>
-            </a:endParaRPr>
-          </a:p>
-          <a:p>
-            <a:pPr algn="l"/>
-            <a:endParaRPr lang="en-US" sz="2800" dirty="0">
-              <a:solidFill>
-                <a:srgbClr val="636C8B"/>
-              </a:solidFill>
-              <a:latin typeface="Calibri Light (Headings)"/>
-            </a:endParaRPr>
-          </a:p>
-          <a:p>
-            <a:pPr algn="l"/>
-            <a:endParaRPr lang="en-US" sz="2800" dirty="0">
-              <a:solidFill>
-                <a:srgbClr val="636C8B"/>
-              </a:solidFill>
-              <a:latin typeface="Calibri Light (Headings)"/>
-            </a:endParaRPr>
-          </a:p>
-          <a:p>
-            <a:pPr algn="l"/>
-            <a:endParaRPr lang="en-US" sz="2800" dirty="0">
-              <a:solidFill>
-                <a:srgbClr val="636C8B"/>
-              </a:solidFill>
-              <a:latin typeface="Calibri Light (Headings)"/>
-            </a:endParaRPr>
-          </a:p>
-          <a:p>
-            <a:pPr algn="l"/>
-            <a:endParaRPr lang="en-US" sz="2800" dirty="0">
-              <a:solidFill>
-                <a:srgbClr val="636C8B"/>
-              </a:solidFill>
-              <a:latin typeface="Calibri Light (Headings)"/>
-            </a:endParaRPr>
-          </a:p>
-        </p:txBody>
-      </p:sp>
-      <p:grpSp>
-        <p:nvGrpSpPr>
-          <p:cNvPr id="2" name="Group 1">
-            <a:extLst>
-              <a:ext uri="{FF2B5EF4-FFF2-40B4-BE49-F238E27FC236}">
-                <a16:creationId xmlns:a16="http://schemas.microsoft.com/office/drawing/2014/main" id="{1B04548E-870A-2ECE-A630-8ADB87266313}"/>
-              </a:ext>
-            </a:extLst>
-          </p:cNvPr>
-          <p:cNvGrpSpPr/>
-          <p:nvPr/>
-        </p:nvGrpSpPr>
-        <p:grpSpPr>
-          <a:xfrm>
-            <a:off x="5193267" y="799671"/>
-            <a:ext cx="6884961" cy="4272074"/>
-            <a:chOff x="1835832" y="836217"/>
-            <a:chExt cx="8380223" cy="5029460"/>
-          </a:xfrm>
-        </p:grpSpPr>
-        <p:graphicFrame>
-          <p:nvGraphicFramePr>
-            <p:cNvPr id="8" name="Chart 7">
-              <a:extLst>
-                <a:ext uri="{FF2B5EF4-FFF2-40B4-BE49-F238E27FC236}">
-                  <a16:creationId xmlns:a16="http://schemas.microsoft.com/office/drawing/2014/main" id="{46E59FE3-EC3F-5829-AE84-A7AB8CE17538}"/>
-                </a:ext>
-              </a:extLst>
-            </p:cNvPr>
-            <p:cNvGraphicFramePr/>
-            <p:nvPr>
-              <p:extLst>
-                <p:ext uri="{D42A27DB-BD31-4B8C-83A1-F6EECF244321}">
-                  <p14:modId xmlns:p14="http://schemas.microsoft.com/office/powerpoint/2010/main" val="2105509936"/>
-                </p:ext>
-              </p:extLst>
-            </p:nvPr>
-          </p:nvGraphicFramePr>
-          <p:xfrm>
-            <a:off x="3143863" y="1372781"/>
-            <a:ext cx="5904267" cy="4112438"/>
-          </p:xfrm>
-          <a:graphic>
-            <a:graphicData uri="http://schemas.openxmlformats.org/drawingml/2006/chart">
-              <c:chart xmlns:c="http://schemas.openxmlformats.org/drawingml/2006/chart" xmlns:r="http://schemas.openxmlformats.org/officeDocument/2006/relationships" r:id="rId4"/>
-            </a:graphicData>
-          </a:graphic>
-        </p:graphicFrame>
-        <p:cxnSp>
-          <p:nvCxnSpPr>
-            <p:cNvPr id="10" name="Straight Connector 9">
-              <a:extLst>
-                <a:ext uri="{FF2B5EF4-FFF2-40B4-BE49-F238E27FC236}">
-                  <a16:creationId xmlns:a16="http://schemas.microsoft.com/office/drawing/2014/main" id="{C9F1310E-21CA-2CC5-6DA7-73004A81F65F}"/>
-                </a:ext>
-              </a:extLst>
-            </p:cNvPr>
-            <p:cNvCxnSpPr/>
-            <p:nvPr/>
-          </p:nvCxnSpPr>
-          <p:spPr>
-            <a:xfrm flipV="1">
-              <a:off x="6211614" y="1852448"/>
-              <a:ext cx="4004441" cy="3153103"/>
-            </a:xfrm>
-            <a:prstGeom prst="line">
-              <a:avLst/>
-            </a:prstGeom>
-            <a:ln w="57150"/>
-          </p:spPr>
-          <p:style>
-            <a:lnRef idx="3">
-              <a:schemeClr val="accent1"/>
-            </a:lnRef>
-            <a:fillRef idx="0">
-              <a:schemeClr val="accent1"/>
-            </a:fillRef>
-            <a:effectRef idx="2">
-              <a:schemeClr val="accent1"/>
-            </a:effectRef>
-            <a:fontRef idx="minor">
-              <a:schemeClr val="tx1"/>
-            </a:fontRef>
-          </p:style>
-        </p:cxnSp>
-        <p:cxnSp>
-          <p:nvCxnSpPr>
-            <p:cNvPr id="11" name="Straight Connector 10">
-              <a:extLst>
-                <a:ext uri="{FF2B5EF4-FFF2-40B4-BE49-F238E27FC236}">
-                  <a16:creationId xmlns:a16="http://schemas.microsoft.com/office/drawing/2014/main" id="{19583519-FAB2-66CA-A510-D04B85FB483F}"/>
-                </a:ext>
-              </a:extLst>
-            </p:cNvPr>
-            <p:cNvCxnSpPr/>
-            <p:nvPr/>
-          </p:nvCxnSpPr>
-          <p:spPr>
-            <a:xfrm flipV="1">
-              <a:off x="3625431" y="836217"/>
-              <a:ext cx="4004441" cy="3153103"/>
-            </a:xfrm>
-            <a:prstGeom prst="line">
-              <a:avLst/>
-            </a:prstGeom>
-            <a:ln w="57150"/>
-          </p:spPr>
-          <p:style>
-            <a:lnRef idx="3">
-              <a:schemeClr val="accent1"/>
-            </a:lnRef>
-            <a:fillRef idx="0">
-              <a:schemeClr val="accent1"/>
-            </a:fillRef>
-            <a:effectRef idx="2">
-              <a:schemeClr val="accent1"/>
-            </a:effectRef>
-            <a:fontRef idx="minor">
-              <a:schemeClr val="tx1"/>
-            </a:fontRef>
-          </p:style>
-        </p:cxnSp>
-        <p:sp>
-          <p:nvSpPr>
-            <p:cNvPr id="12" name="TextBox 11">
-              <a:extLst>
-                <a:ext uri="{FF2B5EF4-FFF2-40B4-BE49-F238E27FC236}">
-                  <a16:creationId xmlns:a16="http://schemas.microsoft.com/office/drawing/2014/main" id="{5B694F1F-C6E3-79DC-2941-C07326B38A96}"/>
-                </a:ext>
-              </a:extLst>
-            </p:cNvPr>
-            <p:cNvSpPr txBox="1"/>
-            <p:nvPr/>
-          </p:nvSpPr>
-          <p:spPr>
-            <a:xfrm>
-              <a:off x="5912153" y="5485219"/>
-              <a:ext cx="598922" cy="380458"/>
-            </a:xfrm>
-            <a:prstGeom prst="rect">
-              <a:avLst/>
-            </a:prstGeom>
-            <a:noFill/>
-          </p:spPr>
-          <p:txBody>
-            <a:bodyPr wrap="none" rtlCol="0">
-              <a:spAutoFit/>
-            </a:bodyPr>
-            <a:lstStyle/>
-            <a:p>
-              <a:r>
-                <a:rPr lang="en-US" sz="1500" b="1" dirty="0"/>
-                <a:t>Size</a:t>
-              </a:r>
-              <a:endParaRPr lang="en-PH" sz="1500" b="1" dirty="0"/>
-            </a:p>
-          </p:txBody>
-        </p:sp>
-        <p:sp>
-          <p:nvSpPr>
-            <p:cNvPr id="13" name="TextBox 12">
-              <a:extLst>
-                <a:ext uri="{FF2B5EF4-FFF2-40B4-BE49-F238E27FC236}">
-                  <a16:creationId xmlns:a16="http://schemas.microsoft.com/office/drawing/2014/main" id="{3919FD2C-B871-D87D-1B67-5E85195F0B25}"/>
-                </a:ext>
-              </a:extLst>
-            </p:cNvPr>
-            <p:cNvSpPr txBox="1"/>
-            <p:nvPr/>
-          </p:nvSpPr>
-          <p:spPr>
-            <a:xfrm>
-              <a:off x="1835832" y="3140408"/>
-              <a:ext cx="1448136" cy="380458"/>
-            </a:xfrm>
-            <a:prstGeom prst="rect">
-              <a:avLst/>
-            </a:prstGeom>
-            <a:noFill/>
-          </p:spPr>
-          <p:txBody>
-            <a:bodyPr wrap="none" rtlCol="0">
-              <a:spAutoFit/>
-            </a:bodyPr>
-            <a:lstStyle/>
-            <a:p>
-              <a:r>
-                <a:rPr lang="en-US" sz="1500" b="1" dirty="0"/>
-                <a:t>Snout Width</a:t>
-              </a:r>
-              <a:endParaRPr lang="en-PH" sz="1500" b="1" dirty="0"/>
-            </a:p>
-          </p:txBody>
-        </p:sp>
-        <p:pic>
-          <p:nvPicPr>
-            <p:cNvPr id="3" name="Picture 2" descr="A screenshot of a computer&#10;&#10;Description automatically generated">
-              <a:extLst>
-                <a:ext uri="{FF2B5EF4-FFF2-40B4-BE49-F238E27FC236}">
-                  <a16:creationId xmlns:a16="http://schemas.microsoft.com/office/drawing/2014/main" id="{79560B69-BF2D-C53C-61E3-8E903BA2EE42}"/>
-                </a:ext>
-              </a:extLst>
-            </p:cNvPr>
-            <p:cNvPicPr>
-              <a:picLocks noChangeAspect="1"/>
-            </p:cNvPicPr>
-            <p:nvPr/>
-          </p:nvPicPr>
-          <p:blipFill rotWithShape="1">
-            <a:blip r:embed="rId5">
-              <a:extLst>
-                <a:ext uri="{28A0092B-C50C-407E-A947-70E740481C1C}">
-                  <a14:useLocalDpi xmlns:a14="http://schemas.microsoft.com/office/drawing/2010/main" val="0"/>
-                </a:ext>
-              </a:extLst>
-            </a:blip>
-            <a:srcRect l="41034" t="38739" r="50130" b="54682"/>
-            <a:stretch/>
-          </p:blipFill>
-          <p:spPr>
-            <a:xfrm>
-              <a:off x="8597202" y="4075416"/>
-              <a:ext cx="1034890" cy="433449"/>
-            </a:xfrm>
-            <a:prstGeom prst="rect">
-              <a:avLst/>
-            </a:prstGeom>
-          </p:spPr>
-        </p:pic>
-        <p:pic>
-          <p:nvPicPr>
-            <p:cNvPr id="6" name="Picture 5" descr="A screenshot of a computer&#10;&#10;Description automatically generated">
-              <a:extLst>
-                <a:ext uri="{FF2B5EF4-FFF2-40B4-BE49-F238E27FC236}">
-                  <a16:creationId xmlns:a16="http://schemas.microsoft.com/office/drawing/2014/main" id="{29B9375B-57F1-EF91-5830-1516385ADF07}"/>
-                </a:ext>
-              </a:extLst>
-            </p:cNvPr>
-            <p:cNvPicPr>
-              <a:picLocks noChangeAspect="1"/>
-            </p:cNvPicPr>
-            <p:nvPr/>
-          </p:nvPicPr>
-          <p:blipFill rotWithShape="1">
-            <a:blip r:embed="rId5">
-              <a:extLst>
-                <a:ext uri="{28A0092B-C50C-407E-A947-70E740481C1C}">
-                  <a14:useLocalDpi xmlns:a14="http://schemas.microsoft.com/office/drawing/2010/main" val="0"/>
-                </a:ext>
-              </a:extLst>
-            </a:blip>
-            <a:srcRect l="56977" t="39508" r="35774" b="54274"/>
-            <a:stretch/>
-          </p:blipFill>
-          <p:spPr>
-            <a:xfrm>
-              <a:off x="4240490" y="1898636"/>
-              <a:ext cx="849085" cy="409699"/>
-            </a:xfrm>
-            <a:prstGeom prst="rect">
-              <a:avLst/>
-            </a:prstGeom>
-          </p:spPr>
-        </p:pic>
-        <p:pic>
-          <p:nvPicPr>
-            <p:cNvPr id="20" name="Graphic 19" descr="Badge with solid fill">
-              <a:extLst>
-                <a:ext uri="{FF2B5EF4-FFF2-40B4-BE49-F238E27FC236}">
-                  <a16:creationId xmlns:a16="http://schemas.microsoft.com/office/drawing/2014/main" id="{E225A5FF-40A3-BD9A-8FEA-C6D56E6E967D}"/>
-                </a:ext>
-              </a:extLst>
-            </p:cNvPr>
-            <p:cNvPicPr>
-              <a:picLocks noChangeAspect="1"/>
-            </p:cNvPicPr>
-            <p:nvPr/>
-          </p:nvPicPr>
-          <p:blipFill>
-            <a:blip r:embed="rId6">
-              <a:extLst>
-                <a:ext uri="{28A0092B-C50C-407E-A947-70E740481C1C}">
-                  <a14:useLocalDpi xmlns:a14="http://schemas.microsoft.com/office/drawing/2010/main" val="0"/>
-                </a:ext>
-                <a:ext uri="{96DAC541-7B7A-43D3-8B79-37D633B846F1}">
-                  <asvg:svgBlip xmlns:asvg="http://schemas.microsoft.com/office/drawing/2016/SVG/main" r:embed="rId7"/>
-                </a:ext>
-              </a:extLst>
-            </a:blip>
-            <a:stretch>
-              <a:fillRect/>
-            </a:stretch>
-          </p:blipFill>
-          <p:spPr>
-            <a:xfrm>
-              <a:off x="5409723" y="1922492"/>
-              <a:ext cx="435856" cy="435856"/>
-            </a:xfrm>
-            <a:prstGeom prst="rect">
-              <a:avLst/>
-            </a:prstGeom>
-          </p:spPr>
-        </p:pic>
-        <p:pic>
-          <p:nvPicPr>
-            <p:cNvPr id="22" name="Graphic 21" descr="Badge 3 with solid fill">
-              <a:extLst>
-                <a:ext uri="{FF2B5EF4-FFF2-40B4-BE49-F238E27FC236}">
-                  <a16:creationId xmlns:a16="http://schemas.microsoft.com/office/drawing/2014/main" id="{5C1828C3-34C6-84E9-AD71-1182B6411A56}"/>
-                </a:ext>
-              </a:extLst>
-            </p:cNvPr>
-            <p:cNvPicPr>
-              <a:picLocks noChangeAspect="1"/>
-            </p:cNvPicPr>
-            <p:nvPr/>
-          </p:nvPicPr>
-          <p:blipFill>
-            <a:blip r:embed="rId8">
-              <a:extLst>
-                <a:ext uri="{28A0092B-C50C-407E-A947-70E740481C1C}">
-                  <a14:useLocalDpi xmlns:a14="http://schemas.microsoft.com/office/drawing/2010/main" val="0"/>
-                </a:ext>
-                <a:ext uri="{96DAC541-7B7A-43D3-8B79-37D633B846F1}">
-                  <asvg:svgBlip xmlns:asvg="http://schemas.microsoft.com/office/drawing/2016/SVG/main" r:embed="rId9"/>
-                </a:ext>
-              </a:extLst>
-            </a:blip>
-            <a:stretch>
-              <a:fillRect/>
-            </a:stretch>
-          </p:blipFill>
-          <p:spPr>
-            <a:xfrm>
-              <a:off x="8642471" y="3421094"/>
-              <a:ext cx="465093" cy="465093"/>
-            </a:xfrm>
-            <a:prstGeom prst="rect">
-              <a:avLst/>
-            </a:prstGeom>
-          </p:spPr>
-        </p:pic>
-        <p:pic>
-          <p:nvPicPr>
-            <p:cNvPr id="24" name="Graphic 23" descr="Badge 4 with solid fill">
-              <a:extLst>
-                <a:ext uri="{FF2B5EF4-FFF2-40B4-BE49-F238E27FC236}">
-                  <a16:creationId xmlns:a16="http://schemas.microsoft.com/office/drawing/2014/main" id="{FF3C5668-64E7-FDE4-89F9-EDC1E7422E3B}"/>
-                </a:ext>
-              </a:extLst>
-            </p:cNvPr>
-            <p:cNvPicPr>
-              <a:picLocks noChangeAspect="1"/>
-            </p:cNvPicPr>
-            <p:nvPr/>
-          </p:nvPicPr>
-          <p:blipFill>
-            <a:blip r:embed="rId10">
-              <a:extLst>
-                <a:ext uri="{28A0092B-C50C-407E-A947-70E740481C1C}">
-                  <a14:useLocalDpi xmlns:a14="http://schemas.microsoft.com/office/drawing/2010/main" val="0"/>
-                </a:ext>
-                <a:ext uri="{96DAC541-7B7A-43D3-8B79-37D633B846F1}">
-                  <asvg:svgBlip xmlns:asvg="http://schemas.microsoft.com/office/drawing/2016/SVG/main" r:embed="rId11"/>
-                </a:ext>
-              </a:extLst>
-            </a:blip>
-            <a:stretch>
-              <a:fillRect/>
-            </a:stretch>
-          </p:blipFill>
-          <p:spPr>
-            <a:xfrm>
-              <a:off x="5949733" y="2815957"/>
-              <a:ext cx="436232" cy="436232"/>
-            </a:xfrm>
-            <a:prstGeom prst="rect">
-              <a:avLst/>
-            </a:prstGeom>
-          </p:spPr>
-        </p:pic>
-        <p:pic>
-          <p:nvPicPr>
-            <p:cNvPr id="26" name="Graphic 25" descr="Badge 1 with solid fill">
-              <a:extLst>
-                <a:ext uri="{FF2B5EF4-FFF2-40B4-BE49-F238E27FC236}">
-                  <a16:creationId xmlns:a16="http://schemas.microsoft.com/office/drawing/2014/main" id="{A3873358-24A6-B186-7E9B-53F5799BCAE0}"/>
-                </a:ext>
-              </a:extLst>
-            </p:cNvPr>
-            <p:cNvPicPr>
-              <a:picLocks noChangeAspect="1"/>
-            </p:cNvPicPr>
-            <p:nvPr/>
-          </p:nvPicPr>
-          <p:blipFill>
-            <a:blip r:embed="rId12">
-              <a:extLst>
-                <a:ext uri="{28A0092B-C50C-407E-A947-70E740481C1C}">
-                  <a14:useLocalDpi xmlns:a14="http://schemas.microsoft.com/office/drawing/2010/main" val="0"/>
-                </a:ext>
-                <a:ext uri="{96DAC541-7B7A-43D3-8B79-37D633B846F1}">
-                  <asvg:svgBlip xmlns:asvg="http://schemas.microsoft.com/office/drawing/2016/SVG/main" r:embed="rId13"/>
-                </a:ext>
-              </a:extLst>
-            </a:blip>
-            <a:stretch>
-              <a:fillRect/>
-            </a:stretch>
-          </p:blipFill>
-          <p:spPr>
-            <a:xfrm>
-              <a:off x="7050245" y="4508865"/>
-              <a:ext cx="411201" cy="411201"/>
-            </a:xfrm>
-            <a:prstGeom prst="rect">
-              <a:avLst/>
-            </a:prstGeom>
-          </p:spPr>
-        </p:pic>
-      </p:grpSp>
-      <mc:AlternateContent xmlns:mc="http://schemas.openxmlformats.org/markup-compatibility/2006">
-        <mc:Choice xmlns:a14="http://schemas.microsoft.com/office/drawing/2010/main" Requires="a14">
-          <p:sp>
-            <p:nvSpPr>
-              <p:cNvPr id="7" name="TextBox 6">
-                <a:extLst>
-                  <a:ext uri="{FF2B5EF4-FFF2-40B4-BE49-F238E27FC236}">
-                    <a16:creationId xmlns:a16="http://schemas.microsoft.com/office/drawing/2014/main" id="{D29F0E55-E556-229E-BF43-0B4142E3E91B}"/>
-                  </a:ext>
-                </a:extLst>
-              </p:cNvPr>
-              <p:cNvSpPr txBox="1"/>
-              <p:nvPr/>
-            </p:nvSpPr>
-            <p:spPr>
-              <a:xfrm>
-                <a:off x="429434" y="1904327"/>
-                <a:ext cx="5465785" cy="477054"/>
-              </a:xfrm>
-              <a:prstGeom prst="rect">
-                <a:avLst/>
-              </a:prstGeom>
-              <a:noFill/>
-            </p:spPr>
-            <p:txBody>
-              <a:bodyPr wrap="square" rtlCol="0">
-                <a:spAutoFit/>
-              </a:bodyPr>
-              <a:lstStyle/>
-              <a:p>
-                <a:r>
-                  <a:rPr lang="en-PH" sz="2500" b="1" dirty="0">
-                    <a:solidFill>
-                      <a:srgbClr val="FF0000"/>
-                    </a:solidFill>
-                    <a:latin typeface="Cambria Math" panose="02040503050406030204" pitchFamily="18" charset="0"/>
-                    <a:ea typeface="Cambria Math" panose="02040503050406030204" pitchFamily="18" charset="0"/>
-                  </a:rPr>
-                  <a:t>Hinge Loss </a:t>
-                </a:r>
-                <a:r>
-                  <a:rPr lang="en-PH" sz="2500" b="1" dirty="0">
-                    <a:solidFill>
-                      <a:schemeClr val="tx1"/>
-                    </a:solidFill>
-                    <a:latin typeface="Cambria Math" panose="02040503050406030204" pitchFamily="18" charset="0"/>
-                    <a:ea typeface="Cambria Math" panose="02040503050406030204" pitchFamily="18" charset="0"/>
-                  </a:rPr>
-                  <a:t>= max (0, 1- </a:t>
-                </a:r>
-                <a14:m>
-                  <m:oMath xmlns:m="http://schemas.openxmlformats.org/officeDocument/2006/math">
-                    <m:sSub>
-                      <m:sSubPr>
-                        <m:ctrlPr>
-                          <a:rPr lang="en-PH" sz="2500" b="1" i="1" smtClean="0">
-                            <a:solidFill>
-                              <a:schemeClr val="tx1"/>
-                            </a:solidFill>
-                            <a:latin typeface="Cambria Math" panose="02040503050406030204" pitchFamily="18" charset="0"/>
-                            <a:ea typeface="Cambria Math" panose="02040503050406030204" pitchFamily="18" charset="0"/>
-                          </a:rPr>
-                        </m:ctrlPr>
-                      </m:sSubPr>
-                      <m:e>
-                        <m:r>
-                          <a:rPr lang="en-US" sz="2500" b="1" i="1" smtClean="0">
-                            <a:solidFill>
-                              <a:schemeClr val="tx1"/>
-                            </a:solidFill>
-                            <a:latin typeface="Cambria Math" panose="02040503050406030204" pitchFamily="18" charset="0"/>
-                            <a:ea typeface="Cambria Math" panose="02040503050406030204" pitchFamily="18" charset="0"/>
-                          </a:rPr>
-                          <m:t>𝒚</m:t>
-                        </m:r>
-                      </m:e>
-                      <m:sub>
-                        <m:r>
-                          <a:rPr lang="en-US" sz="2500" b="1" i="1" smtClean="0">
-                            <a:solidFill>
-                              <a:schemeClr val="tx1"/>
-                            </a:solidFill>
-                            <a:latin typeface="Cambria Math" panose="02040503050406030204" pitchFamily="18" charset="0"/>
-                            <a:ea typeface="Cambria Math" panose="02040503050406030204" pitchFamily="18" charset="0"/>
-                          </a:rPr>
-                          <m:t>𝒊</m:t>
-                        </m:r>
-                      </m:sub>
-                    </m:sSub>
-                  </m:oMath>
-                </a14:m>
-                <a:r>
-                  <a:rPr lang="en-PH" sz="2500" b="1" dirty="0">
-                    <a:solidFill>
-                      <a:schemeClr val="tx1"/>
-                    </a:solidFill>
-                    <a:latin typeface="Cambria Math" panose="02040503050406030204" pitchFamily="18" charset="0"/>
-                    <a:ea typeface="Cambria Math" panose="02040503050406030204" pitchFamily="18" charset="0"/>
-                  </a:rPr>
-                  <a:t> (</a:t>
-                </a:r>
-                <a14:m>
-                  <m:oMath xmlns:m="http://schemas.openxmlformats.org/officeDocument/2006/math">
-                    <m:acc>
-                      <m:accPr>
-                        <m:chr m:val="⃗"/>
-                        <m:ctrlPr>
-                          <a:rPr lang="en-US" sz="2500" b="1" i="1" dirty="0">
-                            <a:solidFill>
-                              <a:schemeClr val="tx1"/>
-                            </a:solidFill>
-                            <a:latin typeface="Cambria Math" panose="02040503050406030204" pitchFamily="18" charset="0"/>
-                            <a:ea typeface="Cambria Math" panose="02040503050406030204" pitchFamily="18" charset="0"/>
-                          </a:rPr>
-                        </m:ctrlPr>
-                      </m:accPr>
-                      <m:e>
-                        <m:r>
-                          <a:rPr lang="en-US" sz="2500" b="1" i="1" smtClean="0">
-                            <a:solidFill>
-                              <a:schemeClr val="tx1"/>
-                            </a:solidFill>
-                            <a:latin typeface="Cambria Math" panose="02040503050406030204" pitchFamily="18" charset="0"/>
-                          </a:rPr>
-                          <m:t>𝒘</m:t>
-                        </m:r>
-                      </m:e>
-                    </m:acc>
-                  </m:oMath>
-                </a14:m>
-                <a:r>
-                  <a:rPr lang="en-PH" sz="2500" b="1" dirty="0">
-                    <a:solidFill>
-                      <a:schemeClr val="tx1"/>
-                    </a:solidFill>
-                    <a:latin typeface="Cambria Math" panose="02040503050406030204" pitchFamily="18" charset="0"/>
-                    <a:ea typeface="Cambria Math" panose="02040503050406030204" pitchFamily="18" charset="0"/>
-                  </a:rPr>
-                  <a:t> ⋅ </a:t>
-                </a:r>
-                <a14:m>
-                  <m:oMath xmlns:m="http://schemas.openxmlformats.org/officeDocument/2006/math">
-                    <m:r>
-                      <a:rPr lang="en-US" sz="2500" b="1" i="0" dirty="0" smtClean="0">
-                        <a:solidFill>
-                          <a:schemeClr val="tx1"/>
-                        </a:solidFill>
-                        <a:latin typeface="Cambria Math" panose="02040503050406030204" pitchFamily="18" charset="0"/>
-                        <a:ea typeface="Cambria Math" panose="02040503050406030204" pitchFamily="18" charset="0"/>
-                      </a:rPr>
-                      <m:t> </m:t>
-                    </m:r>
-                    <m:acc>
-                      <m:accPr>
-                        <m:chr m:val="⃗"/>
-                        <m:ctrlPr>
-                          <a:rPr lang="en-US" sz="2500" b="1" i="1" dirty="0">
-                            <a:solidFill>
-                              <a:schemeClr val="tx1"/>
-                            </a:solidFill>
-                            <a:latin typeface="Cambria Math" panose="02040503050406030204" pitchFamily="18" charset="0"/>
-                            <a:ea typeface="Cambria Math" panose="02040503050406030204" pitchFamily="18" charset="0"/>
-                          </a:rPr>
-                        </m:ctrlPr>
-                      </m:accPr>
-                      <m:e>
-                        <m:sSub>
-                          <m:sSubPr>
-                            <m:ctrlPr>
-                              <a:rPr lang="en-US" sz="2500" b="1" i="1">
-                                <a:solidFill>
-                                  <a:schemeClr val="tx1"/>
-                                </a:solidFill>
-                                <a:latin typeface="Cambria Math" panose="02040503050406030204" pitchFamily="18" charset="0"/>
-                              </a:rPr>
-                            </m:ctrlPr>
-                          </m:sSubPr>
-                          <m:e>
-                            <m:r>
-                              <a:rPr lang="en-US" sz="2500" b="1" i="1">
-                                <a:solidFill>
-                                  <a:schemeClr val="tx1"/>
-                                </a:solidFill>
-                                <a:latin typeface="Cambria Math" panose="02040503050406030204" pitchFamily="18" charset="0"/>
-                              </a:rPr>
-                              <m:t>𝒙</m:t>
-                            </m:r>
-                          </m:e>
-                          <m:sub>
-                            <m:r>
-                              <a:rPr lang="en-US" sz="2500" b="1" i="1" smtClean="0">
-                                <a:solidFill>
-                                  <a:schemeClr val="tx1"/>
-                                </a:solidFill>
-                                <a:latin typeface="Cambria Math" panose="02040503050406030204" pitchFamily="18" charset="0"/>
-                              </a:rPr>
-                              <m:t>𝒊</m:t>
-                            </m:r>
-                          </m:sub>
-                        </m:sSub>
-                      </m:e>
-                    </m:acc>
-                  </m:oMath>
-                </a14:m>
-                <a:r>
-                  <a:rPr lang="en-PH" sz="2500" b="1" dirty="0">
-                    <a:solidFill>
-                      <a:schemeClr val="tx1"/>
-                    </a:solidFill>
-                    <a:latin typeface="Cambria Math" panose="02040503050406030204" pitchFamily="18" charset="0"/>
-                    <a:ea typeface="Cambria Math" panose="02040503050406030204" pitchFamily="18" charset="0"/>
-                  </a:rPr>
-                  <a:t> - b))   </a:t>
-                </a:r>
-              </a:p>
-            </p:txBody>
-          </p:sp>
-        </mc:Choice>
-        <mc:Fallback>
-          <p:sp>
-            <p:nvSpPr>
-              <p:cNvPr id="7" name="TextBox 6">
-                <a:extLst>
-                  <a:ext uri="{FF2B5EF4-FFF2-40B4-BE49-F238E27FC236}">
-                    <a16:creationId xmlns:a16="http://schemas.microsoft.com/office/drawing/2014/main" id="{D29F0E55-E556-229E-BF43-0B4142E3E91B}"/>
-                  </a:ext>
-                </a:extLst>
-              </p:cNvPr>
-              <p:cNvSpPr txBox="1">
-                <a:spLocks noRot="1" noChangeAspect="1" noMove="1" noResize="1" noEditPoints="1" noAdjustHandles="1" noChangeArrowheads="1" noChangeShapeType="1" noTextEdit="1"/>
-              </p:cNvSpPr>
-              <p:nvPr/>
-            </p:nvSpPr>
-            <p:spPr>
-              <a:xfrm>
-                <a:off x="429434" y="1904327"/>
-                <a:ext cx="5465785" cy="477054"/>
-              </a:xfrm>
-              <a:prstGeom prst="rect">
-                <a:avLst/>
-              </a:prstGeom>
-              <a:blipFill>
-                <a:blip r:embed="rId14"/>
-                <a:stretch>
-                  <a:fillRect l="-1784" t="-8861" r="-4125" b="-29114"/>
-                </a:stretch>
-              </a:blipFill>
-            </p:spPr>
-            <p:txBody>
-              <a:bodyPr/>
-              <a:lstStyle/>
-              <a:p>
-                <a:r>
-                  <a:rPr lang="en-PH">
-                    <a:noFill/>
-                  </a:rPr>
-                  <a:t> </a:t>
-                </a:r>
-              </a:p>
-            </p:txBody>
-          </p:sp>
-        </mc:Fallback>
-      </mc:AlternateContent>
-      <p:grpSp>
-        <p:nvGrpSpPr>
-          <p:cNvPr id="25" name="Group 24">
-            <a:extLst>
-              <a:ext uri="{FF2B5EF4-FFF2-40B4-BE49-F238E27FC236}">
-                <a16:creationId xmlns:a16="http://schemas.microsoft.com/office/drawing/2014/main" id="{DA087A7A-1AFE-4CAA-6DBA-EDB71F1AF1C0}"/>
-              </a:ext>
-            </a:extLst>
-          </p:cNvPr>
-          <p:cNvGrpSpPr/>
-          <p:nvPr/>
-        </p:nvGrpSpPr>
-        <p:grpSpPr>
-          <a:xfrm>
-            <a:off x="440952" y="3167728"/>
-            <a:ext cx="3201458" cy="369332"/>
-            <a:chOff x="257995" y="2022748"/>
-            <a:chExt cx="3201458" cy="369332"/>
-          </a:xfrm>
-        </p:grpSpPr>
-        <p:pic>
-          <p:nvPicPr>
-            <p:cNvPr id="9" name="Graphic 8" descr="Badge 1 with solid fill">
-              <a:extLst>
-                <a:ext uri="{FF2B5EF4-FFF2-40B4-BE49-F238E27FC236}">
-                  <a16:creationId xmlns:a16="http://schemas.microsoft.com/office/drawing/2014/main" id="{75861566-4153-93B1-70F6-367D65AD0E57}"/>
-                </a:ext>
-              </a:extLst>
-            </p:cNvPr>
-            <p:cNvPicPr>
-              <a:picLocks noChangeAspect="1"/>
-            </p:cNvPicPr>
-            <p:nvPr/>
-          </p:nvPicPr>
-          <p:blipFill>
-            <a:blip r:embed="rId12">
-              <a:extLst>
-                <a:ext uri="{28A0092B-C50C-407E-A947-70E740481C1C}">
-                  <a14:useLocalDpi xmlns:a14="http://schemas.microsoft.com/office/drawing/2010/main" val="0"/>
-                </a:ext>
-                <a:ext uri="{96DAC541-7B7A-43D3-8B79-37D633B846F1}">
-                  <asvg:svgBlip xmlns:asvg="http://schemas.microsoft.com/office/drawing/2016/SVG/main" r:embed="rId13"/>
-                </a:ext>
-              </a:extLst>
-            </a:blip>
-            <a:stretch>
-              <a:fillRect/>
-            </a:stretch>
-          </p:blipFill>
-          <p:spPr>
-            <a:xfrm>
-              <a:off x="257995" y="2031290"/>
-              <a:ext cx="378402" cy="349278"/>
-            </a:xfrm>
-            <a:prstGeom prst="rect">
-              <a:avLst/>
-            </a:prstGeom>
-          </p:spPr>
-        </p:pic>
-        <mc:AlternateContent xmlns:mc="http://schemas.openxmlformats.org/markup-compatibility/2006">
-          <mc:Choice xmlns:a14="http://schemas.microsoft.com/office/drawing/2010/main" Requires="a14">
-            <p:sp>
-              <p:nvSpPr>
-                <p:cNvPr id="17" name="TextBox 16">
-                  <a:extLst>
-                    <a:ext uri="{FF2B5EF4-FFF2-40B4-BE49-F238E27FC236}">
-                      <a16:creationId xmlns:a16="http://schemas.microsoft.com/office/drawing/2014/main" id="{A802B9C6-1F6A-3F7A-B02C-5752DE2161FE}"/>
-                    </a:ext>
-                  </a:extLst>
-                </p:cNvPr>
-                <p:cNvSpPr txBox="1"/>
-                <p:nvPr/>
-              </p:nvSpPr>
-              <p:spPr>
-                <a:xfrm>
-                  <a:off x="731814" y="2022748"/>
-                  <a:ext cx="2727639" cy="369332"/>
-                </a:xfrm>
-                <a:prstGeom prst="rect">
-                  <a:avLst/>
-                </a:prstGeom>
-                <a:noFill/>
-              </p:spPr>
-              <p:txBody>
-                <a:bodyPr wrap="square" rtlCol="0">
-                  <a:spAutoFit/>
-                </a:bodyPr>
-                <a:lstStyle/>
-                <a:p>
-                  <a:r>
-                    <a:rPr lang="en-PH" b="1" dirty="0">
-                      <a:solidFill>
-                        <a:schemeClr val="tx1"/>
-                      </a:solidFill>
-                      <a:latin typeface="Cambria Math" panose="02040503050406030204" pitchFamily="18" charset="0"/>
-                      <a:ea typeface="Cambria Math" panose="02040503050406030204" pitchFamily="18" charset="0"/>
-                    </a:rPr>
-                    <a:t>max (0, 1 - 1( </a:t>
-                  </a:r>
-                  <a14:m>
-                    <m:oMath xmlns:m="http://schemas.openxmlformats.org/officeDocument/2006/math">
-                      <m:r>
-                        <a:rPr lang="en-US" b="1" i="1" dirty="0" smtClean="0">
-                          <a:solidFill>
-                            <a:schemeClr val="tx1"/>
-                          </a:solidFill>
-                          <a:latin typeface="Cambria Math" panose="02040503050406030204" pitchFamily="18" charset="0"/>
-                          <a:ea typeface="Cambria Math" panose="02040503050406030204" pitchFamily="18" charset="0"/>
-                        </a:rPr>
-                        <m:t>&gt;</m:t>
-                      </m:r>
-                      <m:r>
-                        <a:rPr lang="en-US" b="1" i="1" dirty="0" smtClean="0">
-                          <a:solidFill>
-                            <a:schemeClr val="tx1"/>
-                          </a:solidFill>
-                          <a:latin typeface="Cambria Math" panose="02040503050406030204" pitchFamily="18" charset="0"/>
-                          <a:ea typeface="Cambria Math" panose="02040503050406030204" pitchFamily="18" charset="0"/>
-                        </a:rPr>
-                        <m:t>𝟏</m:t>
-                      </m:r>
-                    </m:oMath>
-                  </a14:m>
-                  <a:r>
-                    <a:rPr lang="en-PH" b="1" dirty="0">
-                      <a:solidFill>
-                        <a:schemeClr val="tx1"/>
-                      </a:solidFill>
-                      <a:latin typeface="Cambria Math" panose="02040503050406030204" pitchFamily="18" charset="0"/>
-                      <a:ea typeface="Cambria Math" panose="02040503050406030204" pitchFamily="18" charset="0"/>
-                    </a:rPr>
-                    <a:t>)) = 0   </a:t>
-                  </a:r>
-                </a:p>
-              </p:txBody>
-            </p:sp>
-          </mc:Choice>
-          <mc:Fallback>
-            <p:sp>
-              <p:nvSpPr>
-                <p:cNvPr id="17" name="TextBox 16">
-                  <a:extLst>
-                    <a:ext uri="{FF2B5EF4-FFF2-40B4-BE49-F238E27FC236}">
-                      <a16:creationId xmlns:a16="http://schemas.microsoft.com/office/drawing/2014/main" id="{A802B9C6-1F6A-3F7A-B02C-5752DE2161FE}"/>
-                    </a:ext>
-                  </a:extLst>
-                </p:cNvPr>
-                <p:cNvSpPr txBox="1">
-                  <a:spLocks noRot="1" noChangeAspect="1" noMove="1" noResize="1" noEditPoints="1" noAdjustHandles="1" noChangeArrowheads="1" noChangeShapeType="1" noTextEdit="1"/>
-                </p:cNvSpPr>
-                <p:nvPr/>
-              </p:nvSpPr>
-              <p:spPr>
-                <a:xfrm>
-                  <a:off x="731814" y="2022748"/>
-                  <a:ext cx="2727639" cy="369332"/>
-                </a:xfrm>
-                <a:prstGeom prst="rect">
-                  <a:avLst/>
-                </a:prstGeom>
-                <a:blipFill>
-                  <a:blip r:embed="rId15"/>
-                  <a:stretch>
-                    <a:fillRect l="-1786" t="-11667" b="-25000"/>
-                  </a:stretch>
-                </a:blipFill>
-              </p:spPr>
-              <p:txBody>
-                <a:bodyPr/>
-                <a:lstStyle/>
-                <a:p>
-                  <a:r>
-                    <a:rPr lang="en-PH">
-                      <a:noFill/>
-                    </a:rPr>
-                    <a:t> </a:t>
-                  </a:r>
-                </a:p>
-              </p:txBody>
-            </p:sp>
-          </mc:Fallback>
-        </mc:AlternateContent>
-      </p:grpSp>
-      <p:grpSp>
-        <p:nvGrpSpPr>
-          <p:cNvPr id="27" name="Group 26">
-            <a:extLst>
-              <a:ext uri="{FF2B5EF4-FFF2-40B4-BE49-F238E27FC236}">
-                <a16:creationId xmlns:a16="http://schemas.microsoft.com/office/drawing/2014/main" id="{676D674B-A34B-2872-D1EA-F64F92B2D4C2}"/>
-              </a:ext>
-            </a:extLst>
-          </p:cNvPr>
-          <p:cNvGrpSpPr/>
-          <p:nvPr/>
-        </p:nvGrpSpPr>
-        <p:grpSpPr>
-          <a:xfrm>
-            <a:off x="433200" y="3680598"/>
-            <a:ext cx="3605125" cy="402243"/>
-            <a:chOff x="250243" y="2535618"/>
-            <a:chExt cx="3605125" cy="402243"/>
-          </a:xfrm>
-        </p:grpSpPr>
-        <p:pic>
-          <p:nvPicPr>
-            <p:cNvPr id="14" name="Graphic 13" descr="Badge with solid fill">
-              <a:extLst>
-                <a:ext uri="{FF2B5EF4-FFF2-40B4-BE49-F238E27FC236}">
-                  <a16:creationId xmlns:a16="http://schemas.microsoft.com/office/drawing/2014/main" id="{280551CA-7F58-39BD-3985-0D90821672DD}"/>
-                </a:ext>
-              </a:extLst>
-            </p:cNvPr>
-            <p:cNvPicPr>
-              <a:picLocks noChangeAspect="1"/>
-            </p:cNvPicPr>
-            <p:nvPr/>
-          </p:nvPicPr>
-          <p:blipFill>
-            <a:blip r:embed="rId6">
-              <a:extLst>
-                <a:ext uri="{28A0092B-C50C-407E-A947-70E740481C1C}">
-                  <a14:useLocalDpi xmlns:a14="http://schemas.microsoft.com/office/drawing/2010/main" val="0"/>
-                </a:ext>
-                <a:ext uri="{96DAC541-7B7A-43D3-8B79-37D633B846F1}">
-                  <asvg:svgBlip xmlns:asvg="http://schemas.microsoft.com/office/drawing/2016/SVG/main" r:embed="rId7"/>
-                </a:ext>
-              </a:extLst>
-            </a:blip>
-            <a:stretch>
-              <a:fillRect/>
-            </a:stretch>
-          </p:blipFill>
-          <p:spPr>
-            <a:xfrm>
-              <a:off x="250243" y="2567641"/>
-              <a:ext cx="401090" cy="370220"/>
-            </a:xfrm>
-            <a:prstGeom prst="rect">
-              <a:avLst/>
-            </a:prstGeom>
-          </p:spPr>
-        </p:pic>
-        <mc:AlternateContent xmlns:mc="http://schemas.openxmlformats.org/markup-compatibility/2006">
-          <mc:Choice xmlns:a14="http://schemas.microsoft.com/office/drawing/2010/main" Requires="a14">
-            <p:sp>
-              <p:nvSpPr>
-                <p:cNvPr id="18" name="TextBox 17">
-                  <a:extLst>
-                    <a:ext uri="{FF2B5EF4-FFF2-40B4-BE49-F238E27FC236}">
-                      <a16:creationId xmlns:a16="http://schemas.microsoft.com/office/drawing/2014/main" id="{0138E6C9-3C29-6450-0748-82BA9355AC87}"/>
-                    </a:ext>
-                  </a:extLst>
-                </p:cNvPr>
-                <p:cNvSpPr txBox="1"/>
-                <p:nvPr/>
-              </p:nvSpPr>
-              <p:spPr>
-                <a:xfrm>
-                  <a:off x="731812" y="2535618"/>
-                  <a:ext cx="3123556" cy="369332"/>
-                </a:xfrm>
-                <a:prstGeom prst="rect">
-                  <a:avLst/>
-                </a:prstGeom>
-                <a:noFill/>
-              </p:spPr>
-              <p:txBody>
-                <a:bodyPr wrap="square" rtlCol="0">
-                  <a:spAutoFit/>
-                </a:bodyPr>
-                <a:lstStyle/>
-                <a:p>
-                  <a:r>
-                    <a:rPr lang="en-PH" b="1" dirty="0">
-                      <a:solidFill>
-                        <a:schemeClr val="tx1"/>
-                      </a:solidFill>
-                      <a:latin typeface="Cambria Math" panose="02040503050406030204" pitchFamily="18" charset="0"/>
-                      <a:ea typeface="Cambria Math" panose="02040503050406030204" pitchFamily="18" charset="0"/>
-                    </a:rPr>
-                    <a:t>max (0, 1 + 1(</a:t>
-                  </a:r>
-                  <a14:m>
-                    <m:oMath xmlns:m="http://schemas.openxmlformats.org/officeDocument/2006/math">
-                      <m:r>
-                        <a:rPr lang="en-US" b="1" i="1" dirty="0">
-                          <a:latin typeface="Cambria Math" panose="02040503050406030204" pitchFamily="18" charset="0"/>
-                          <a:ea typeface="Cambria Math" panose="02040503050406030204" pitchFamily="18" charset="0"/>
-                        </a:rPr>
-                        <m:t>&lt;</m:t>
-                      </m:r>
-                      <m:r>
-                        <a:rPr lang="en-US" b="1" i="1" dirty="0" smtClean="0">
-                          <a:latin typeface="Cambria Math" panose="02040503050406030204" pitchFamily="18" charset="0"/>
-                          <a:ea typeface="Cambria Math" panose="02040503050406030204" pitchFamily="18" charset="0"/>
-                        </a:rPr>
-                        <m:t>−</m:t>
-                      </m:r>
-                      <m:r>
-                        <a:rPr lang="en-US" b="1" i="1" dirty="0" smtClean="0">
-                          <a:solidFill>
-                            <a:schemeClr val="tx1"/>
-                          </a:solidFill>
-                          <a:latin typeface="Cambria Math" panose="02040503050406030204" pitchFamily="18" charset="0"/>
-                          <a:ea typeface="Cambria Math" panose="02040503050406030204" pitchFamily="18" charset="0"/>
-                        </a:rPr>
-                        <m:t>𝟏</m:t>
-                      </m:r>
-                    </m:oMath>
-                  </a14:m>
-                  <a:r>
-                    <a:rPr lang="en-PH" b="1" dirty="0">
-                      <a:solidFill>
-                        <a:schemeClr val="tx1"/>
-                      </a:solidFill>
-                      <a:latin typeface="Cambria Math" panose="02040503050406030204" pitchFamily="18" charset="0"/>
-                      <a:ea typeface="Cambria Math" panose="02040503050406030204" pitchFamily="18" charset="0"/>
-                    </a:rPr>
-                    <a:t>)) = 0   </a:t>
-                  </a:r>
-                </a:p>
-              </p:txBody>
-            </p:sp>
-          </mc:Choice>
-          <mc:Fallback>
-            <p:sp>
-              <p:nvSpPr>
-                <p:cNvPr id="18" name="TextBox 17">
-                  <a:extLst>
-                    <a:ext uri="{FF2B5EF4-FFF2-40B4-BE49-F238E27FC236}">
-                      <a16:creationId xmlns:a16="http://schemas.microsoft.com/office/drawing/2014/main" id="{0138E6C9-3C29-6450-0748-82BA9355AC87}"/>
-                    </a:ext>
-                  </a:extLst>
-                </p:cNvPr>
-                <p:cNvSpPr txBox="1">
-                  <a:spLocks noRot="1" noChangeAspect="1" noMove="1" noResize="1" noEditPoints="1" noAdjustHandles="1" noChangeArrowheads="1" noChangeShapeType="1" noTextEdit="1"/>
-                </p:cNvSpPr>
-                <p:nvPr/>
-              </p:nvSpPr>
-              <p:spPr>
-                <a:xfrm>
-                  <a:off x="731812" y="2535618"/>
-                  <a:ext cx="3123556" cy="369332"/>
-                </a:xfrm>
-                <a:prstGeom prst="rect">
-                  <a:avLst/>
-                </a:prstGeom>
-                <a:blipFill>
-                  <a:blip r:embed="rId16"/>
-                  <a:stretch>
-                    <a:fillRect l="-1563" t="-11667" b="-25000"/>
-                  </a:stretch>
-                </a:blipFill>
-              </p:spPr>
-              <p:txBody>
-                <a:bodyPr/>
-                <a:lstStyle/>
-                <a:p>
-                  <a:r>
-                    <a:rPr lang="en-PH">
-                      <a:noFill/>
-                    </a:rPr>
-                    <a:t> </a:t>
-                  </a:r>
-                </a:p>
-              </p:txBody>
-            </p:sp>
-          </mc:Fallback>
-        </mc:AlternateContent>
-      </p:grpSp>
-      <p:grpSp>
-        <p:nvGrpSpPr>
-          <p:cNvPr id="28" name="Group 27">
-            <a:extLst>
-              <a:ext uri="{FF2B5EF4-FFF2-40B4-BE49-F238E27FC236}">
-                <a16:creationId xmlns:a16="http://schemas.microsoft.com/office/drawing/2014/main" id="{DCFF49F1-B59A-5BCC-8339-BE5D974D5677}"/>
-              </a:ext>
-            </a:extLst>
-          </p:cNvPr>
-          <p:cNvGrpSpPr/>
-          <p:nvPr/>
-        </p:nvGrpSpPr>
-        <p:grpSpPr>
-          <a:xfrm>
-            <a:off x="416154" y="4247035"/>
-            <a:ext cx="3921460" cy="395793"/>
-            <a:chOff x="233197" y="3102055"/>
-            <a:chExt cx="3921460" cy="395793"/>
-          </a:xfrm>
-        </p:grpSpPr>
-        <p:pic>
-          <p:nvPicPr>
-            <p:cNvPr id="15" name="Graphic 14" descr="Badge 3 with solid fill">
-              <a:extLst>
-                <a:ext uri="{FF2B5EF4-FFF2-40B4-BE49-F238E27FC236}">
-                  <a16:creationId xmlns:a16="http://schemas.microsoft.com/office/drawing/2014/main" id="{6FF2CD7F-967A-E66E-D72D-782C5D06F78F}"/>
-                </a:ext>
-              </a:extLst>
-            </p:cNvPr>
-            <p:cNvPicPr>
-              <a:picLocks noChangeAspect="1"/>
-            </p:cNvPicPr>
-            <p:nvPr/>
-          </p:nvPicPr>
-          <p:blipFill>
-            <a:blip r:embed="rId8">
-              <a:extLst>
-                <a:ext uri="{28A0092B-C50C-407E-A947-70E740481C1C}">
-                  <a14:useLocalDpi xmlns:a14="http://schemas.microsoft.com/office/drawing/2010/main" val="0"/>
-                </a:ext>
-                <a:ext uri="{96DAC541-7B7A-43D3-8B79-37D633B846F1}">
-                  <asvg:svgBlip xmlns:asvg="http://schemas.microsoft.com/office/drawing/2016/SVG/main" r:embed="rId9"/>
-                </a:ext>
-              </a:extLst>
-            </a:blip>
-            <a:stretch>
-              <a:fillRect/>
-            </a:stretch>
-          </p:blipFill>
-          <p:spPr>
-            <a:xfrm>
-              <a:off x="233197" y="3102793"/>
-              <a:ext cx="427996" cy="395055"/>
-            </a:xfrm>
-            <a:prstGeom prst="rect">
-              <a:avLst/>
-            </a:prstGeom>
-          </p:spPr>
-        </p:pic>
-        <mc:AlternateContent xmlns:mc="http://schemas.openxmlformats.org/markup-compatibility/2006">
-          <mc:Choice xmlns:a14="http://schemas.microsoft.com/office/drawing/2010/main" Requires="a14">
-            <p:sp>
-              <p:nvSpPr>
-                <p:cNvPr id="19" name="TextBox 18">
-                  <a:extLst>
-                    <a:ext uri="{FF2B5EF4-FFF2-40B4-BE49-F238E27FC236}">
-                      <a16:creationId xmlns:a16="http://schemas.microsoft.com/office/drawing/2014/main" id="{AA8AA0CA-0C0B-8990-A387-2D16F7551ADE}"/>
-                    </a:ext>
-                  </a:extLst>
-                </p:cNvPr>
-                <p:cNvSpPr txBox="1"/>
-                <p:nvPr/>
-              </p:nvSpPr>
-              <p:spPr>
-                <a:xfrm>
-                  <a:off x="731811" y="3102055"/>
-                  <a:ext cx="3422846" cy="369332"/>
-                </a:xfrm>
-                <a:prstGeom prst="rect">
-                  <a:avLst/>
-                </a:prstGeom>
-                <a:noFill/>
-              </p:spPr>
-              <p:txBody>
-                <a:bodyPr wrap="square" rtlCol="0">
-                  <a:spAutoFit/>
-                </a:bodyPr>
-                <a:lstStyle/>
-                <a:p>
-                  <a:r>
-                    <a:rPr lang="en-PH" b="1" dirty="0">
-                      <a:solidFill>
-                        <a:schemeClr val="tx1"/>
-                      </a:solidFill>
-                      <a:latin typeface="Cambria Math" panose="02040503050406030204" pitchFamily="18" charset="0"/>
-                      <a:ea typeface="Cambria Math" panose="02040503050406030204" pitchFamily="18" charset="0"/>
-                    </a:rPr>
-                    <a:t>max (0, 1 + 1(</a:t>
-                  </a:r>
-                  <a14:m>
-                    <m:oMath xmlns:m="http://schemas.openxmlformats.org/officeDocument/2006/math">
-                      <m:r>
-                        <a:rPr lang="en-US" b="1" i="1" dirty="0" smtClean="0">
-                          <a:latin typeface="Cambria Math" panose="02040503050406030204" pitchFamily="18" charset="0"/>
-                          <a:ea typeface="Cambria Math" panose="02040503050406030204" pitchFamily="18" charset="0"/>
-                        </a:rPr>
-                        <m:t> &gt;</m:t>
-                      </m:r>
-                      <m:r>
-                        <a:rPr lang="en-US" b="1" i="1" dirty="0" smtClean="0">
-                          <a:solidFill>
-                            <a:schemeClr val="tx1"/>
-                          </a:solidFill>
-                          <a:latin typeface="Cambria Math" panose="02040503050406030204" pitchFamily="18" charset="0"/>
-                          <a:ea typeface="Cambria Math" panose="02040503050406030204" pitchFamily="18" charset="0"/>
-                        </a:rPr>
-                        <m:t>𝟏</m:t>
-                      </m:r>
-                    </m:oMath>
-                  </a14:m>
-                  <a:r>
-                    <a:rPr lang="en-PH" b="1" dirty="0">
-                      <a:solidFill>
-                        <a:schemeClr val="tx1"/>
-                      </a:solidFill>
-                      <a:latin typeface="Cambria Math" panose="02040503050406030204" pitchFamily="18" charset="0"/>
-                      <a:ea typeface="Cambria Math" panose="02040503050406030204" pitchFamily="18" charset="0"/>
-                    </a:rPr>
-                    <a:t>)) = &gt; 1   </a:t>
-                  </a:r>
-                </a:p>
-              </p:txBody>
-            </p:sp>
-          </mc:Choice>
-          <mc:Fallback>
-            <p:sp>
-              <p:nvSpPr>
-                <p:cNvPr id="19" name="TextBox 18">
-                  <a:extLst>
-                    <a:ext uri="{FF2B5EF4-FFF2-40B4-BE49-F238E27FC236}">
-                      <a16:creationId xmlns:a16="http://schemas.microsoft.com/office/drawing/2014/main" id="{AA8AA0CA-0C0B-8990-A387-2D16F7551ADE}"/>
-                    </a:ext>
-                  </a:extLst>
-                </p:cNvPr>
-                <p:cNvSpPr txBox="1">
-                  <a:spLocks noRot="1" noChangeAspect="1" noMove="1" noResize="1" noEditPoints="1" noAdjustHandles="1" noChangeArrowheads="1" noChangeShapeType="1" noTextEdit="1"/>
-                </p:cNvSpPr>
-                <p:nvPr/>
-              </p:nvSpPr>
-              <p:spPr>
-                <a:xfrm>
-                  <a:off x="731811" y="3102055"/>
-                  <a:ext cx="3422846" cy="369332"/>
-                </a:xfrm>
-                <a:prstGeom prst="rect">
-                  <a:avLst/>
-                </a:prstGeom>
-                <a:blipFill>
-                  <a:blip r:embed="rId17"/>
-                  <a:stretch>
-                    <a:fillRect l="-1423" t="-11667" b="-25000"/>
-                  </a:stretch>
-                </a:blipFill>
-              </p:spPr>
-              <p:txBody>
-                <a:bodyPr/>
-                <a:lstStyle/>
-                <a:p>
-                  <a:r>
-                    <a:rPr lang="en-PH">
-                      <a:noFill/>
-                    </a:rPr>
-                    <a:t> </a:t>
-                  </a:r>
-                </a:p>
-              </p:txBody>
-            </p:sp>
-          </mc:Fallback>
-        </mc:AlternateContent>
-      </p:grpSp>
-      <p:grpSp>
-        <p:nvGrpSpPr>
-          <p:cNvPr id="29" name="Group 28">
-            <a:extLst>
-              <a:ext uri="{FF2B5EF4-FFF2-40B4-BE49-F238E27FC236}">
-                <a16:creationId xmlns:a16="http://schemas.microsoft.com/office/drawing/2014/main" id="{E02368C9-6ACA-AD64-BCCC-3862AB8EF7F5}"/>
-              </a:ext>
-            </a:extLst>
-          </p:cNvPr>
-          <p:cNvGrpSpPr/>
-          <p:nvPr/>
-        </p:nvGrpSpPr>
-        <p:grpSpPr>
-          <a:xfrm>
-            <a:off x="429434" y="4767182"/>
-            <a:ext cx="5675996" cy="387162"/>
-            <a:chOff x="246477" y="3622202"/>
-            <a:chExt cx="5675996" cy="387162"/>
-          </a:xfrm>
-        </p:grpSpPr>
-        <p:pic>
-          <p:nvPicPr>
-            <p:cNvPr id="16" name="Graphic 15" descr="Badge 4 with solid fill">
-              <a:extLst>
-                <a:ext uri="{FF2B5EF4-FFF2-40B4-BE49-F238E27FC236}">
-                  <a16:creationId xmlns:a16="http://schemas.microsoft.com/office/drawing/2014/main" id="{6842FA85-A9CE-D261-E43F-7B09C5DFE5F7}"/>
-                </a:ext>
-              </a:extLst>
-            </p:cNvPr>
-            <p:cNvPicPr>
-              <a:picLocks noChangeAspect="1"/>
-            </p:cNvPicPr>
-            <p:nvPr/>
-          </p:nvPicPr>
-          <p:blipFill>
-            <a:blip r:embed="rId10">
-              <a:extLst>
-                <a:ext uri="{28A0092B-C50C-407E-A947-70E740481C1C}">
-                  <a14:useLocalDpi xmlns:a14="http://schemas.microsoft.com/office/drawing/2010/main" val="0"/>
-                </a:ext>
-                <a:ext uri="{96DAC541-7B7A-43D3-8B79-37D633B846F1}">
-                  <asvg:svgBlip xmlns:asvg="http://schemas.microsoft.com/office/drawing/2016/SVG/main" r:embed="rId11"/>
-                </a:ext>
-              </a:extLst>
-            </a:blip>
-            <a:stretch>
-              <a:fillRect/>
-            </a:stretch>
-          </p:blipFill>
-          <p:spPr>
-            <a:xfrm>
-              <a:off x="246477" y="3638824"/>
-              <a:ext cx="401436" cy="370540"/>
-            </a:xfrm>
-            <a:prstGeom prst="rect">
-              <a:avLst/>
-            </a:prstGeom>
-          </p:spPr>
-        </p:pic>
-        <mc:AlternateContent xmlns:mc="http://schemas.openxmlformats.org/markup-compatibility/2006">
-          <mc:Choice xmlns:a14="http://schemas.microsoft.com/office/drawing/2010/main" Requires="a14">
-            <p:sp>
-              <p:nvSpPr>
-                <p:cNvPr id="21" name="TextBox 20">
-                  <a:extLst>
-                    <a:ext uri="{FF2B5EF4-FFF2-40B4-BE49-F238E27FC236}">
-                      <a16:creationId xmlns:a16="http://schemas.microsoft.com/office/drawing/2014/main" id="{3143F759-7C1F-D312-CD88-EE18CF2948F6}"/>
-                    </a:ext>
-                  </a:extLst>
-                </p:cNvPr>
-                <p:cNvSpPr txBox="1"/>
-                <p:nvPr/>
-              </p:nvSpPr>
-              <p:spPr>
-                <a:xfrm>
-                  <a:off x="731007" y="3622202"/>
-                  <a:ext cx="5191466" cy="369332"/>
-                </a:xfrm>
-                <a:prstGeom prst="rect">
-                  <a:avLst/>
-                </a:prstGeom>
-                <a:noFill/>
-              </p:spPr>
-              <p:txBody>
-                <a:bodyPr wrap="square" rtlCol="0">
-                  <a:spAutoFit/>
-                </a:bodyPr>
-                <a:lstStyle/>
-                <a:p>
-                  <a:r>
-                    <a:rPr lang="en-PH" b="1" dirty="0">
-                      <a:solidFill>
-                        <a:schemeClr val="tx1"/>
-                      </a:solidFill>
-                      <a:latin typeface="Cambria Math" panose="02040503050406030204" pitchFamily="18" charset="0"/>
-                      <a:ea typeface="Cambria Math" panose="02040503050406030204" pitchFamily="18" charset="0"/>
-                    </a:rPr>
-                    <a:t>max (0, 1 + 1(</a:t>
-                  </a:r>
-                  <a14:m>
-                    <m:oMath xmlns:m="http://schemas.openxmlformats.org/officeDocument/2006/math">
-                      <m:r>
-                        <a:rPr lang="en-US" b="1" i="1" dirty="0" smtClean="0">
-                          <a:latin typeface="Cambria Math" panose="02040503050406030204" pitchFamily="18" charset="0"/>
-                          <a:ea typeface="Cambria Math" panose="02040503050406030204" pitchFamily="18" charset="0"/>
-                        </a:rPr>
-                        <m:t> </m:t>
-                      </m:r>
-                      <m:r>
-                        <a:rPr lang="en-US" b="1" i="1" dirty="0" smtClean="0">
-                          <a:latin typeface="Cambria Math" panose="02040503050406030204" pitchFamily="18" charset="0"/>
-                          <a:ea typeface="Cambria Math" panose="02040503050406030204" pitchFamily="18" charset="0"/>
-                        </a:rPr>
-                        <m:t>𝑩𝒆𝒕𝒘𝒆𝒆𝒏</m:t>
-                      </m:r>
-                      <m:r>
-                        <a:rPr lang="en-US" b="1" i="1" dirty="0" smtClean="0">
-                          <a:latin typeface="Cambria Math" panose="02040503050406030204" pitchFamily="18" charset="0"/>
-                          <a:ea typeface="Cambria Math" panose="02040503050406030204" pitchFamily="18" charset="0"/>
-                        </a:rPr>
-                        <m:t> </m:t>
-                      </m:r>
-                      <m:r>
-                        <a:rPr lang="en-US" b="1" i="1" dirty="0" smtClean="0">
-                          <a:latin typeface="Cambria Math" panose="02040503050406030204" pitchFamily="18" charset="0"/>
-                          <a:ea typeface="Cambria Math" panose="02040503050406030204" pitchFamily="18" charset="0"/>
-                        </a:rPr>
-                        <m:t>𝟎</m:t>
-                      </m:r>
-                      <m:r>
-                        <a:rPr lang="en-US" b="1" i="1" dirty="0" smtClean="0">
-                          <a:latin typeface="Cambria Math" panose="02040503050406030204" pitchFamily="18" charset="0"/>
-                          <a:ea typeface="Cambria Math" panose="02040503050406030204" pitchFamily="18" charset="0"/>
-                        </a:rPr>
-                        <m:t> &amp; </m:t>
-                      </m:r>
-                      <m:r>
-                        <a:rPr lang="en-US" b="1" i="1" dirty="0" smtClean="0">
-                          <a:latin typeface="Cambria Math" panose="02040503050406030204" pitchFamily="18" charset="0"/>
-                          <a:ea typeface="Cambria Math" panose="02040503050406030204" pitchFamily="18" charset="0"/>
-                        </a:rPr>
-                        <m:t>𝟏</m:t>
-                      </m:r>
-                    </m:oMath>
-                  </a14:m>
-                  <a:r>
-                    <a:rPr lang="en-PH" b="1" dirty="0">
-                      <a:solidFill>
-                        <a:schemeClr val="tx1"/>
-                      </a:solidFill>
-                      <a:latin typeface="Cambria Math" panose="02040503050406030204" pitchFamily="18" charset="0"/>
-                      <a:ea typeface="Cambria Math" panose="02040503050406030204" pitchFamily="18" charset="0"/>
-                    </a:rPr>
-                    <a:t>)) = </a:t>
-                  </a:r>
-                  <a14:m>
-                    <m:oMath xmlns:m="http://schemas.openxmlformats.org/officeDocument/2006/math">
-                      <m:r>
-                        <a:rPr lang="en-US" b="1" i="1" dirty="0">
-                          <a:latin typeface="Cambria Math" panose="02040503050406030204" pitchFamily="18" charset="0"/>
-                          <a:ea typeface="Cambria Math" panose="02040503050406030204" pitchFamily="18" charset="0"/>
-                        </a:rPr>
-                        <m:t>𝑩𝒆𝒕𝒘𝒆𝒆𝒏</m:t>
-                      </m:r>
-                      <m:r>
-                        <a:rPr lang="en-US" b="1" i="1" dirty="0">
-                          <a:latin typeface="Cambria Math" panose="02040503050406030204" pitchFamily="18" charset="0"/>
-                          <a:ea typeface="Cambria Math" panose="02040503050406030204" pitchFamily="18" charset="0"/>
-                        </a:rPr>
-                        <m:t> </m:t>
-                      </m:r>
-                      <m:r>
-                        <a:rPr lang="en-US" b="1" i="1" dirty="0">
-                          <a:latin typeface="Cambria Math" panose="02040503050406030204" pitchFamily="18" charset="0"/>
-                          <a:ea typeface="Cambria Math" panose="02040503050406030204" pitchFamily="18" charset="0"/>
-                        </a:rPr>
-                        <m:t>𝟎</m:t>
-                      </m:r>
-                      <m:r>
-                        <a:rPr lang="en-US" b="1" i="1" dirty="0">
-                          <a:latin typeface="Cambria Math" panose="02040503050406030204" pitchFamily="18" charset="0"/>
-                          <a:ea typeface="Cambria Math" panose="02040503050406030204" pitchFamily="18" charset="0"/>
-                        </a:rPr>
-                        <m:t> &amp; </m:t>
-                      </m:r>
-                      <m:r>
-                        <a:rPr lang="en-US" b="1" i="1" dirty="0">
-                          <a:latin typeface="Cambria Math" panose="02040503050406030204" pitchFamily="18" charset="0"/>
-                          <a:ea typeface="Cambria Math" panose="02040503050406030204" pitchFamily="18" charset="0"/>
-                        </a:rPr>
-                        <m:t>𝟏</m:t>
-                      </m:r>
-                    </m:oMath>
-                  </a14:m>
-                  <a:r>
-                    <a:rPr lang="en-PH" b="1" dirty="0">
-                      <a:solidFill>
-                        <a:schemeClr val="tx1"/>
-                      </a:solidFill>
-                      <a:latin typeface="Cambria Math" panose="02040503050406030204" pitchFamily="18" charset="0"/>
-                      <a:ea typeface="Cambria Math" panose="02040503050406030204" pitchFamily="18" charset="0"/>
-                    </a:rPr>
-                    <a:t>   </a:t>
-                  </a:r>
-                </a:p>
-              </p:txBody>
-            </p:sp>
-          </mc:Choice>
-          <mc:Fallback>
-            <p:sp>
-              <p:nvSpPr>
-                <p:cNvPr id="21" name="TextBox 20">
-                  <a:extLst>
-                    <a:ext uri="{FF2B5EF4-FFF2-40B4-BE49-F238E27FC236}">
-                      <a16:creationId xmlns:a16="http://schemas.microsoft.com/office/drawing/2014/main" id="{3143F759-7C1F-D312-CD88-EE18CF2948F6}"/>
-                    </a:ext>
-                  </a:extLst>
-                </p:cNvPr>
-                <p:cNvSpPr txBox="1">
-                  <a:spLocks noRot="1" noChangeAspect="1" noMove="1" noResize="1" noEditPoints="1" noAdjustHandles="1" noChangeArrowheads="1" noChangeShapeType="1" noTextEdit="1"/>
-                </p:cNvSpPr>
-                <p:nvPr/>
-              </p:nvSpPr>
-              <p:spPr>
-                <a:xfrm>
-                  <a:off x="731007" y="3622202"/>
-                  <a:ext cx="5191466" cy="369332"/>
-                </a:xfrm>
-                <a:prstGeom prst="rect">
-                  <a:avLst/>
-                </a:prstGeom>
-                <a:blipFill>
-                  <a:blip r:embed="rId18"/>
-                  <a:stretch>
-                    <a:fillRect l="-1056" t="-9836" b="-22951"/>
-                  </a:stretch>
-                </a:blipFill>
-              </p:spPr>
-              <p:txBody>
-                <a:bodyPr/>
-                <a:lstStyle/>
-                <a:p>
-                  <a:r>
-                    <a:rPr lang="en-PH">
-                      <a:noFill/>
-                    </a:rPr>
-                    <a:t> </a:t>
-                  </a:r>
-                </a:p>
-              </p:txBody>
-            </p:sp>
-          </mc:Fallback>
-        </mc:AlternateContent>
-      </p:grpSp>
-      <p:sp>
-        <p:nvSpPr>
-          <p:cNvPr id="30" name="Title 1">
-            <a:extLst>
-              <a:ext uri="{FF2B5EF4-FFF2-40B4-BE49-F238E27FC236}">
-                <a16:creationId xmlns:a16="http://schemas.microsoft.com/office/drawing/2014/main" id="{CC6F9EBE-E470-10A5-2876-561F5BC5703F}"/>
-              </a:ext>
-            </a:extLst>
-          </p:cNvPr>
-          <p:cNvSpPr>
-            <a:spLocks noGrp="1"/>
-          </p:cNvSpPr>
-          <p:nvPr>
-            <p:ph type="ctrTitle"/>
-          </p:nvPr>
-        </p:nvSpPr>
-        <p:spPr>
-          <a:xfrm>
-            <a:off x="459203" y="241266"/>
-            <a:ext cx="11273589" cy="718459"/>
-          </a:xfrm>
-        </p:spPr>
-        <p:txBody>
-          <a:bodyPr>
-            <a:noAutofit/>
-          </a:bodyPr>
-          <a:lstStyle/>
-          <a:p>
-            <a:r>
-              <a:rPr lang="en-US" sz="5000" b="1" dirty="0"/>
-              <a:t>Loss Function</a:t>
-            </a:r>
-            <a:endParaRPr lang="en-PH" sz="5000" b="1" dirty="0"/>
-          </a:p>
-        </p:txBody>
-      </p:sp>
-    </p:spTree>
-    <p:extLst>
-      <p:ext uri="{BB962C8B-B14F-4D97-AF65-F5344CB8AC3E}">
-        <p14:creationId xmlns:p14="http://schemas.microsoft.com/office/powerpoint/2010/main" val="3649371918"/>
-      </p:ext>
-    </p:extLst>
-  </p:cSld>
-  <p:clrMapOvr>
-    <a:masterClrMapping/>
-  </p:clrMapOvr>
-  <p:timing>
-    <p:tnLst>
-      <p:par>
-        <p:cTn id="1" dur="indefinite" restart="never" nodeType="tmRoot">
-          <p:childTnLst>
-            <p:seq concurrent="1" nextAc="seek">
-              <p:cTn id="2" dur="indefinite" nodeType="mainSeq">
-                <p:childTnLst>
-                  <p:par>
-                    <p:cTn id="3" fill="hold">
-                      <p:stCondLst>
-                        <p:cond delay="indefinite"/>
-                      </p:stCondLst>
-                      <p:childTnLst>
-                        <p:par>
-                          <p:cTn id="4" fill="hold">
-                            <p:stCondLst>
-                              <p:cond delay="0"/>
-                            </p:stCondLst>
-                            <p:childTnLst>
-                              <p:par>
-                                <p:cTn id="5" presetID="10" presetClass="entr" presetSubtype="0" fill="hold" grpId="0" nodeType="clickEffect">
-                                  <p:stCondLst>
-                                    <p:cond delay="0"/>
-                                  </p:stCondLst>
-                                  <p:childTnLst>
-                                    <p:set>
-                                      <p:cBhvr>
-                                        <p:cTn id="6" dur="1" fill="hold">
-                                          <p:stCondLst>
-                                            <p:cond delay="0"/>
-                                          </p:stCondLst>
-                                        </p:cTn>
-                                        <p:tgtEl>
-                                          <p:spTgt spid="7"/>
-                                        </p:tgtEl>
-                                        <p:attrNameLst>
-                                          <p:attrName>style.visibility</p:attrName>
-                                        </p:attrNameLst>
-                                      </p:cBhvr>
-                                      <p:to>
-                                        <p:strVal val="visible"/>
-                                      </p:to>
-                                    </p:set>
-                                    <p:animEffect transition="in" filter="fade">
-                                      <p:cBhvr>
-                                        <p:cTn id="7" dur="500"/>
-                                        <p:tgtEl>
-                                          <p:spTgt spid="7"/>
-                                        </p:tgtEl>
-                                      </p:cBhvr>
-                                    </p:animEffect>
-                                  </p:childTnLst>
-                                </p:cTn>
-                              </p:par>
-                            </p:childTnLst>
-                          </p:cTn>
-                        </p:par>
-                      </p:childTnLst>
-                    </p:cTn>
-                  </p:par>
-                  <p:par>
-                    <p:cTn id="8" fill="hold">
-                      <p:stCondLst>
-                        <p:cond delay="indefinite"/>
-                      </p:stCondLst>
-                      <p:childTnLst>
-                        <p:par>
-                          <p:cTn id="9" fill="hold">
-                            <p:stCondLst>
-                              <p:cond delay="0"/>
-                            </p:stCondLst>
-                            <p:childTnLst>
-                              <p:par>
-                                <p:cTn id="10" presetID="10" presetClass="entr" presetSubtype="0" fill="hold" nodeType="clickEffect">
-                                  <p:stCondLst>
-                                    <p:cond delay="0"/>
-                                  </p:stCondLst>
-                                  <p:childTnLst>
-                                    <p:set>
-                                      <p:cBhvr>
-                                        <p:cTn id="11" dur="1" fill="hold">
-                                          <p:stCondLst>
-                                            <p:cond delay="0"/>
-                                          </p:stCondLst>
-                                        </p:cTn>
-                                        <p:tgtEl>
-                                          <p:spTgt spid="25"/>
-                                        </p:tgtEl>
-                                        <p:attrNameLst>
-                                          <p:attrName>style.visibility</p:attrName>
-                                        </p:attrNameLst>
-                                      </p:cBhvr>
-                                      <p:to>
-                                        <p:strVal val="visible"/>
-                                      </p:to>
-                                    </p:set>
-                                    <p:animEffect transition="in" filter="fade">
-                                      <p:cBhvr>
-                                        <p:cTn id="12" dur="500"/>
-                                        <p:tgtEl>
-                                          <p:spTgt spid="25"/>
-                                        </p:tgtEl>
-                                      </p:cBhvr>
-                                    </p:animEffect>
-                                  </p:childTnLst>
-                                </p:cTn>
-                              </p:par>
-                            </p:childTnLst>
-                          </p:cTn>
-                        </p:par>
-                      </p:childTnLst>
-                    </p:cTn>
-                  </p:par>
-                  <p:par>
-                    <p:cTn id="13" fill="hold">
-                      <p:stCondLst>
-                        <p:cond delay="indefinite"/>
-                      </p:stCondLst>
-                      <p:childTnLst>
-                        <p:par>
-                          <p:cTn id="14" fill="hold">
-                            <p:stCondLst>
-                              <p:cond delay="0"/>
-                            </p:stCondLst>
-                            <p:childTnLst>
-                              <p:par>
-                                <p:cTn id="15" presetID="10" presetClass="entr" presetSubtype="0" fill="hold" nodeType="clickEffect">
-                                  <p:stCondLst>
-                                    <p:cond delay="0"/>
-                                  </p:stCondLst>
-                                  <p:childTnLst>
-                                    <p:set>
-                                      <p:cBhvr>
-                                        <p:cTn id="16" dur="1" fill="hold">
-                                          <p:stCondLst>
-                                            <p:cond delay="0"/>
-                                          </p:stCondLst>
-                                        </p:cTn>
-                                        <p:tgtEl>
-                                          <p:spTgt spid="27"/>
-                                        </p:tgtEl>
-                                        <p:attrNameLst>
-                                          <p:attrName>style.visibility</p:attrName>
-                                        </p:attrNameLst>
-                                      </p:cBhvr>
-                                      <p:to>
-                                        <p:strVal val="visible"/>
-                                      </p:to>
-                                    </p:set>
-                                    <p:animEffect transition="in" filter="fade">
-                                      <p:cBhvr>
-                                        <p:cTn id="17" dur="500"/>
-                                        <p:tgtEl>
-                                          <p:spTgt spid="27"/>
-                                        </p:tgtEl>
-                                      </p:cBhvr>
-                                    </p:animEffect>
-                                  </p:childTnLst>
-                                </p:cTn>
-                              </p:par>
-                            </p:childTnLst>
-                          </p:cTn>
-                        </p:par>
-                      </p:childTnLst>
-                    </p:cTn>
-                  </p:par>
-                  <p:par>
-                    <p:cTn id="18" fill="hold">
-                      <p:stCondLst>
-                        <p:cond delay="indefinite"/>
-                      </p:stCondLst>
-                      <p:childTnLst>
-                        <p:par>
-                          <p:cTn id="19" fill="hold">
-                            <p:stCondLst>
-                              <p:cond delay="0"/>
-                            </p:stCondLst>
-                            <p:childTnLst>
-                              <p:par>
-                                <p:cTn id="20" presetID="10" presetClass="entr" presetSubtype="0" fill="hold" nodeType="clickEffect">
-                                  <p:stCondLst>
-                                    <p:cond delay="0"/>
-                                  </p:stCondLst>
-                                  <p:childTnLst>
-                                    <p:set>
-                                      <p:cBhvr>
-                                        <p:cTn id="21" dur="1" fill="hold">
-                                          <p:stCondLst>
-                                            <p:cond delay="0"/>
-                                          </p:stCondLst>
-                                        </p:cTn>
-                                        <p:tgtEl>
-                                          <p:spTgt spid="28"/>
-                                        </p:tgtEl>
-                                        <p:attrNameLst>
-                                          <p:attrName>style.visibility</p:attrName>
-                                        </p:attrNameLst>
-                                      </p:cBhvr>
-                                      <p:to>
-                                        <p:strVal val="visible"/>
-                                      </p:to>
-                                    </p:set>
-                                    <p:animEffect transition="in" filter="fade">
-                                      <p:cBhvr>
-                                        <p:cTn id="22" dur="500"/>
-                                        <p:tgtEl>
-                                          <p:spTgt spid="28"/>
-                                        </p:tgtEl>
-                                      </p:cBhvr>
-                                    </p:animEffect>
-                                  </p:childTnLst>
-                                </p:cTn>
-                              </p:par>
-                            </p:childTnLst>
-                          </p:cTn>
-                        </p:par>
-                      </p:childTnLst>
-                    </p:cTn>
-                  </p:par>
-                  <p:par>
-                    <p:cTn id="23" fill="hold">
-                      <p:stCondLst>
-                        <p:cond delay="indefinite"/>
-                      </p:stCondLst>
-                      <p:childTnLst>
-                        <p:par>
-                          <p:cTn id="24" fill="hold">
-                            <p:stCondLst>
-                              <p:cond delay="0"/>
-                            </p:stCondLst>
-                            <p:childTnLst>
-                              <p:par>
-                                <p:cTn id="25" presetID="10" presetClass="entr" presetSubtype="0" fill="hold" nodeType="clickEffect">
-                                  <p:stCondLst>
-                                    <p:cond delay="0"/>
-                                  </p:stCondLst>
-                                  <p:childTnLst>
-                                    <p:set>
-                                      <p:cBhvr>
-                                        <p:cTn id="26" dur="1" fill="hold">
-                                          <p:stCondLst>
-                                            <p:cond delay="0"/>
-                                          </p:stCondLst>
-                                        </p:cTn>
-                                        <p:tgtEl>
-                                          <p:spTgt spid="29"/>
-                                        </p:tgtEl>
-                                        <p:attrNameLst>
-                                          <p:attrName>style.visibility</p:attrName>
-                                        </p:attrNameLst>
-                                      </p:cBhvr>
-                                      <p:to>
-                                        <p:strVal val="visible"/>
-                                      </p:to>
-                                    </p:set>
-                                    <p:animEffect transition="in" filter="fade">
-                                      <p:cBhvr>
-                                        <p:cTn id="27" dur="500"/>
-                                        <p:tgtEl>
-                                          <p:spTgt spid="29"/>
                                         </p:tgtEl>
                                       </p:cBhvr>
                                     </p:animEffect>
@@ -33126,6 +32404,2030 @@
           </a:p>
         </p:txBody>
       </p:sp>
+      <p:grpSp>
+        <p:nvGrpSpPr>
+          <p:cNvPr id="2" name="Group 1">
+            <a:extLst>
+              <a:ext uri="{FF2B5EF4-FFF2-40B4-BE49-F238E27FC236}">
+                <a16:creationId xmlns:a16="http://schemas.microsoft.com/office/drawing/2014/main" id="{1B04548E-870A-2ECE-A630-8ADB87266313}"/>
+              </a:ext>
+            </a:extLst>
+          </p:cNvPr>
+          <p:cNvGrpSpPr/>
+          <p:nvPr/>
+        </p:nvGrpSpPr>
+        <p:grpSpPr>
+          <a:xfrm>
+            <a:off x="5193267" y="799671"/>
+            <a:ext cx="6884961" cy="4272074"/>
+            <a:chOff x="1835832" y="836217"/>
+            <a:chExt cx="8380223" cy="5029460"/>
+          </a:xfrm>
+        </p:grpSpPr>
+        <p:graphicFrame>
+          <p:nvGraphicFramePr>
+            <p:cNvPr id="8" name="Chart 7">
+              <a:extLst>
+                <a:ext uri="{FF2B5EF4-FFF2-40B4-BE49-F238E27FC236}">
+                  <a16:creationId xmlns:a16="http://schemas.microsoft.com/office/drawing/2014/main" id="{46E59FE3-EC3F-5829-AE84-A7AB8CE17538}"/>
+                </a:ext>
+              </a:extLst>
+            </p:cNvPr>
+            <p:cNvGraphicFramePr/>
+            <p:nvPr>
+              <p:extLst>
+                <p:ext uri="{D42A27DB-BD31-4B8C-83A1-F6EECF244321}">
+                  <p14:modId xmlns:p14="http://schemas.microsoft.com/office/powerpoint/2010/main" val="2105509936"/>
+                </p:ext>
+              </p:extLst>
+            </p:nvPr>
+          </p:nvGraphicFramePr>
+          <p:xfrm>
+            <a:off x="3143863" y="1372781"/>
+            <a:ext cx="5904267" cy="4112438"/>
+          </p:xfrm>
+          <a:graphic>
+            <a:graphicData uri="http://schemas.openxmlformats.org/drawingml/2006/chart">
+              <c:chart xmlns:c="http://schemas.openxmlformats.org/drawingml/2006/chart" xmlns:r="http://schemas.openxmlformats.org/officeDocument/2006/relationships" r:id="rId4"/>
+            </a:graphicData>
+          </a:graphic>
+        </p:graphicFrame>
+        <p:cxnSp>
+          <p:nvCxnSpPr>
+            <p:cNvPr id="10" name="Straight Connector 9">
+              <a:extLst>
+                <a:ext uri="{FF2B5EF4-FFF2-40B4-BE49-F238E27FC236}">
+                  <a16:creationId xmlns:a16="http://schemas.microsoft.com/office/drawing/2014/main" id="{C9F1310E-21CA-2CC5-6DA7-73004A81F65F}"/>
+                </a:ext>
+              </a:extLst>
+            </p:cNvPr>
+            <p:cNvCxnSpPr/>
+            <p:nvPr/>
+          </p:nvCxnSpPr>
+          <p:spPr>
+            <a:xfrm flipV="1">
+              <a:off x="6211614" y="1852448"/>
+              <a:ext cx="4004441" cy="3153103"/>
+            </a:xfrm>
+            <a:prstGeom prst="line">
+              <a:avLst/>
+            </a:prstGeom>
+            <a:ln w="57150"/>
+          </p:spPr>
+          <p:style>
+            <a:lnRef idx="3">
+              <a:schemeClr val="accent1"/>
+            </a:lnRef>
+            <a:fillRef idx="0">
+              <a:schemeClr val="accent1"/>
+            </a:fillRef>
+            <a:effectRef idx="2">
+              <a:schemeClr val="accent1"/>
+            </a:effectRef>
+            <a:fontRef idx="minor">
+              <a:schemeClr val="tx1"/>
+            </a:fontRef>
+          </p:style>
+        </p:cxnSp>
+        <p:cxnSp>
+          <p:nvCxnSpPr>
+            <p:cNvPr id="11" name="Straight Connector 10">
+              <a:extLst>
+                <a:ext uri="{FF2B5EF4-FFF2-40B4-BE49-F238E27FC236}">
+                  <a16:creationId xmlns:a16="http://schemas.microsoft.com/office/drawing/2014/main" id="{19583519-FAB2-66CA-A510-D04B85FB483F}"/>
+                </a:ext>
+              </a:extLst>
+            </p:cNvPr>
+            <p:cNvCxnSpPr/>
+            <p:nvPr/>
+          </p:nvCxnSpPr>
+          <p:spPr>
+            <a:xfrm flipV="1">
+              <a:off x="3625431" y="836217"/>
+              <a:ext cx="4004441" cy="3153103"/>
+            </a:xfrm>
+            <a:prstGeom prst="line">
+              <a:avLst/>
+            </a:prstGeom>
+            <a:ln w="57150"/>
+          </p:spPr>
+          <p:style>
+            <a:lnRef idx="3">
+              <a:schemeClr val="accent1"/>
+            </a:lnRef>
+            <a:fillRef idx="0">
+              <a:schemeClr val="accent1"/>
+            </a:fillRef>
+            <a:effectRef idx="2">
+              <a:schemeClr val="accent1"/>
+            </a:effectRef>
+            <a:fontRef idx="minor">
+              <a:schemeClr val="tx1"/>
+            </a:fontRef>
+          </p:style>
+        </p:cxnSp>
+        <p:sp>
+          <p:nvSpPr>
+            <p:cNvPr id="12" name="TextBox 11">
+              <a:extLst>
+                <a:ext uri="{FF2B5EF4-FFF2-40B4-BE49-F238E27FC236}">
+                  <a16:creationId xmlns:a16="http://schemas.microsoft.com/office/drawing/2014/main" id="{5B694F1F-C6E3-79DC-2941-C07326B38A96}"/>
+                </a:ext>
+              </a:extLst>
+            </p:cNvPr>
+            <p:cNvSpPr txBox="1"/>
+            <p:nvPr/>
+          </p:nvSpPr>
+          <p:spPr>
+            <a:xfrm>
+              <a:off x="5912153" y="5485219"/>
+              <a:ext cx="598922" cy="380458"/>
+            </a:xfrm>
+            <a:prstGeom prst="rect">
+              <a:avLst/>
+            </a:prstGeom>
+            <a:noFill/>
+          </p:spPr>
+          <p:txBody>
+            <a:bodyPr wrap="none" rtlCol="0">
+              <a:spAutoFit/>
+            </a:bodyPr>
+            <a:lstStyle/>
+            <a:p>
+              <a:r>
+                <a:rPr lang="en-US" sz="1500" b="1" dirty="0"/>
+                <a:t>Size</a:t>
+              </a:r>
+              <a:endParaRPr lang="en-PH" sz="1500" b="1" dirty="0"/>
+            </a:p>
+          </p:txBody>
+        </p:sp>
+        <p:sp>
+          <p:nvSpPr>
+            <p:cNvPr id="13" name="TextBox 12">
+              <a:extLst>
+                <a:ext uri="{FF2B5EF4-FFF2-40B4-BE49-F238E27FC236}">
+                  <a16:creationId xmlns:a16="http://schemas.microsoft.com/office/drawing/2014/main" id="{3919FD2C-B871-D87D-1B67-5E85195F0B25}"/>
+                </a:ext>
+              </a:extLst>
+            </p:cNvPr>
+            <p:cNvSpPr txBox="1"/>
+            <p:nvPr/>
+          </p:nvSpPr>
+          <p:spPr>
+            <a:xfrm>
+              <a:off x="1835832" y="3140408"/>
+              <a:ext cx="1448136" cy="380458"/>
+            </a:xfrm>
+            <a:prstGeom prst="rect">
+              <a:avLst/>
+            </a:prstGeom>
+            <a:noFill/>
+          </p:spPr>
+          <p:txBody>
+            <a:bodyPr wrap="none" rtlCol="0">
+              <a:spAutoFit/>
+            </a:bodyPr>
+            <a:lstStyle/>
+            <a:p>
+              <a:r>
+                <a:rPr lang="en-US" sz="1500" b="1" dirty="0"/>
+                <a:t>Snout Width</a:t>
+              </a:r>
+              <a:endParaRPr lang="en-PH" sz="1500" b="1" dirty="0"/>
+            </a:p>
+          </p:txBody>
+        </p:sp>
+        <p:pic>
+          <p:nvPicPr>
+            <p:cNvPr id="3" name="Picture 2" descr="A screenshot of a computer&#10;&#10;Description automatically generated">
+              <a:extLst>
+                <a:ext uri="{FF2B5EF4-FFF2-40B4-BE49-F238E27FC236}">
+                  <a16:creationId xmlns:a16="http://schemas.microsoft.com/office/drawing/2014/main" id="{79560B69-BF2D-C53C-61E3-8E903BA2EE42}"/>
+                </a:ext>
+              </a:extLst>
+            </p:cNvPr>
+            <p:cNvPicPr>
+              <a:picLocks noChangeAspect="1"/>
+            </p:cNvPicPr>
+            <p:nvPr/>
+          </p:nvPicPr>
+          <p:blipFill rotWithShape="1">
+            <a:blip r:embed="rId5">
+              <a:extLst>
+                <a:ext uri="{28A0092B-C50C-407E-A947-70E740481C1C}">
+                  <a14:useLocalDpi xmlns:a14="http://schemas.microsoft.com/office/drawing/2010/main" val="0"/>
+                </a:ext>
+              </a:extLst>
+            </a:blip>
+            <a:srcRect l="41034" t="38739" r="50130" b="54682"/>
+            <a:stretch/>
+          </p:blipFill>
+          <p:spPr>
+            <a:xfrm>
+              <a:off x="8597202" y="4075416"/>
+              <a:ext cx="1034890" cy="433449"/>
+            </a:xfrm>
+            <a:prstGeom prst="rect">
+              <a:avLst/>
+            </a:prstGeom>
+          </p:spPr>
+        </p:pic>
+        <p:pic>
+          <p:nvPicPr>
+            <p:cNvPr id="6" name="Picture 5" descr="A screenshot of a computer&#10;&#10;Description automatically generated">
+              <a:extLst>
+                <a:ext uri="{FF2B5EF4-FFF2-40B4-BE49-F238E27FC236}">
+                  <a16:creationId xmlns:a16="http://schemas.microsoft.com/office/drawing/2014/main" id="{29B9375B-57F1-EF91-5830-1516385ADF07}"/>
+                </a:ext>
+              </a:extLst>
+            </p:cNvPr>
+            <p:cNvPicPr>
+              <a:picLocks noChangeAspect="1"/>
+            </p:cNvPicPr>
+            <p:nvPr/>
+          </p:nvPicPr>
+          <p:blipFill rotWithShape="1">
+            <a:blip r:embed="rId5">
+              <a:extLst>
+                <a:ext uri="{28A0092B-C50C-407E-A947-70E740481C1C}">
+                  <a14:useLocalDpi xmlns:a14="http://schemas.microsoft.com/office/drawing/2010/main" val="0"/>
+                </a:ext>
+              </a:extLst>
+            </a:blip>
+            <a:srcRect l="56977" t="39508" r="35774" b="54274"/>
+            <a:stretch/>
+          </p:blipFill>
+          <p:spPr>
+            <a:xfrm>
+              <a:off x="4240490" y="1898636"/>
+              <a:ext cx="849085" cy="409699"/>
+            </a:xfrm>
+            <a:prstGeom prst="rect">
+              <a:avLst/>
+            </a:prstGeom>
+          </p:spPr>
+        </p:pic>
+        <p:pic>
+          <p:nvPicPr>
+            <p:cNvPr id="20" name="Graphic 19" descr="Badge with solid fill">
+              <a:extLst>
+                <a:ext uri="{FF2B5EF4-FFF2-40B4-BE49-F238E27FC236}">
+                  <a16:creationId xmlns:a16="http://schemas.microsoft.com/office/drawing/2014/main" id="{E225A5FF-40A3-BD9A-8FEA-C6D56E6E967D}"/>
+                </a:ext>
+              </a:extLst>
+            </p:cNvPr>
+            <p:cNvPicPr>
+              <a:picLocks noChangeAspect="1"/>
+            </p:cNvPicPr>
+            <p:nvPr/>
+          </p:nvPicPr>
+          <p:blipFill>
+            <a:blip r:embed="rId6">
+              <a:extLst>
+                <a:ext uri="{28A0092B-C50C-407E-A947-70E740481C1C}">
+                  <a14:useLocalDpi xmlns:a14="http://schemas.microsoft.com/office/drawing/2010/main" val="0"/>
+                </a:ext>
+                <a:ext uri="{96DAC541-7B7A-43D3-8B79-37D633B846F1}">
+                  <asvg:svgBlip xmlns:asvg="http://schemas.microsoft.com/office/drawing/2016/SVG/main" r:embed="rId7"/>
+                </a:ext>
+              </a:extLst>
+            </a:blip>
+            <a:stretch>
+              <a:fillRect/>
+            </a:stretch>
+          </p:blipFill>
+          <p:spPr>
+            <a:xfrm>
+              <a:off x="5409723" y="1922492"/>
+              <a:ext cx="435856" cy="435856"/>
+            </a:xfrm>
+            <a:prstGeom prst="rect">
+              <a:avLst/>
+            </a:prstGeom>
+          </p:spPr>
+        </p:pic>
+        <p:pic>
+          <p:nvPicPr>
+            <p:cNvPr id="22" name="Graphic 21" descr="Badge 3 with solid fill">
+              <a:extLst>
+                <a:ext uri="{FF2B5EF4-FFF2-40B4-BE49-F238E27FC236}">
+                  <a16:creationId xmlns:a16="http://schemas.microsoft.com/office/drawing/2014/main" id="{5C1828C3-34C6-84E9-AD71-1182B6411A56}"/>
+                </a:ext>
+              </a:extLst>
+            </p:cNvPr>
+            <p:cNvPicPr>
+              <a:picLocks noChangeAspect="1"/>
+            </p:cNvPicPr>
+            <p:nvPr/>
+          </p:nvPicPr>
+          <p:blipFill>
+            <a:blip r:embed="rId8">
+              <a:extLst>
+                <a:ext uri="{28A0092B-C50C-407E-A947-70E740481C1C}">
+                  <a14:useLocalDpi xmlns:a14="http://schemas.microsoft.com/office/drawing/2010/main" val="0"/>
+                </a:ext>
+                <a:ext uri="{96DAC541-7B7A-43D3-8B79-37D633B846F1}">
+                  <asvg:svgBlip xmlns:asvg="http://schemas.microsoft.com/office/drawing/2016/SVG/main" r:embed="rId9"/>
+                </a:ext>
+              </a:extLst>
+            </a:blip>
+            <a:stretch>
+              <a:fillRect/>
+            </a:stretch>
+          </p:blipFill>
+          <p:spPr>
+            <a:xfrm>
+              <a:off x="8642471" y="3421094"/>
+              <a:ext cx="465093" cy="465093"/>
+            </a:xfrm>
+            <a:prstGeom prst="rect">
+              <a:avLst/>
+            </a:prstGeom>
+          </p:spPr>
+        </p:pic>
+        <p:pic>
+          <p:nvPicPr>
+            <p:cNvPr id="24" name="Graphic 23" descr="Badge 4 with solid fill">
+              <a:extLst>
+                <a:ext uri="{FF2B5EF4-FFF2-40B4-BE49-F238E27FC236}">
+                  <a16:creationId xmlns:a16="http://schemas.microsoft.com/office/drawing/2014/main" id="{FF3C5668-64E7-FDE4-89F9-EDC1E7422E3B}"/>
+                </a:ext>
+              </a:extLst>
+            </p:cNvPr>
+            <p:cNvPicPr>
+              <a:picLocks noChangeAspect="1"/>
+            </p:cNvPicPr>
+            <p:nvPr/>
+          </p:nvPicPr>
+          <p:blipFill>
+            <a:blip r:embed="rId10">
+              <a:extLst>
+                <a:ext uri="{28A0092B-C50C-407E-A947-70E740481C1C}">
+                  <a14:useLocalDpi xmlns:a14="http://schemas.microsoft.com/office/drawing/2010/main" val="0"/>
+                </a:ext>
+                <a:ext uri="{96DAC541-7B7A-43D3-8B79-37D633B846F1}">
+                  <asvg:svgBlip xmlns:asvg="http://schemas.microsoft.com/office/drawing/2016/SVG/main" r:embed="rId11"/>
+                </a:ext>
+              </a:extLst>
+            </a:blip>
+            <a:stretch>
+              <a:fillRect/>
+            </a:stretch>
+          </p:blipFill>
+          <p:spPr>
+            <a:xfrm>
+              <a:off x="5949733" y="2815957"/>
+              <a:ext cx="436232" cy="436232"/>
+            </a:xfrm>
+            <a:prstGeom prst="rect">
+              <a:avLst/>
+            </a:prstGeom>
+          </p:spPr>
+        </p:pic>
+        <p:pic>
+          <p:nvPicPr>
+            <p:cNvPr id="26" name="Graphic 25" descr="Badge 1 with solid fill">
+              <a:extLst>
+                <a:ext uri="{FF2B5EF4-FFF2-40B4-BE49-F238E27FC236}">
+                  <a16:creationId xmlns:a16="http://schemas.microsoft.com/office/drawing/2014/main" id="{A3873358-24A6-B186-7E9B-53F5799BCAE0}"/>
+                </a:ext>
+              </a:extLst>
+            </p:cNvPr>
+            <p:cNvPicPr>
+              <a:picLocks noChangeAspect="1"/>
+            </p:cNvPicPr>
+            <p:nvPr/>
+          </p:nvPicPr>
+          <p:blipFill>
+            <a:blip r:embed="rId12">
+              <a:extLst>
+                <a:ext uri="{28A0092B-C50C-407E-A947-70E740481C1C}">
+                  <a14:useLocalDpi xmlns:a14="http://schemas.microsoft.com/office/drawing/2010/main" val="0"/>
+                </a:ext>
+                <a:ext uri="{96DAC541-7B7A-43D3-8B79-37D633B846F1}">
+                  <asvg:svgBlip xmlns:asvg="http://schemas.microsoft.com/office/drawing/2016/SVG/main" r:embed="rId13"/>
+                </a:ext>
+              </a:extLst>
+            </a:blip>
+            <a:stretch>
+              <a:fillRect/>
+            </a:stretch>
+          </p:blipFill>
+          <p:spPr>
+            <a:xfrm>
+              <a:off x="7050245" y="4508865"/>
+              <a:ext cx="411201" cy="411201"/>
+            </a:xfrm>
+            <a:prstGeom prst="rect">
+              <a:avLst/>
+            </a:prstGeom>
+          </p:spPr>
+        </p:pic>
+      </p:grpSp>
+      <mc:AlternateContent xmlns:mc="http://schemas.openxmlformats.org/markup-compatibility/2006" xmlns:a14="http://schemas.microsoft.com/office/drawing/2010/main">
+        <mc:Choice Requires="a14">
+          <p:sp>
+            <p:nvSpPr>
+              <p:cNvPr id="7" name="TextBox 6">
+                <a:extLst>
+                  <a:ext uri="{FF2B5EF4-FFF2-40B4-BE49-F238E27FC236}">
+                    <a16:creationId xmlns:a16="http://schemas.microsoft.com/office/drawing/2014/main" id="{D29F0E55-E556-229E-BF43-0B4142E3E91B}"/>
+                  </a:ext>
+                </a:extLst>
+              </p:cNvPr>
+              <p:cNvSpPr txBox="1"/>
+              <p:nvPr/>
+            </p:nvSpPr>
+            <p:spPr>
+              <a:xfrm>
+                <a:off x="429434" y="1904327"/>
+                <a:ext cx="5465785" cy="477054"/>
+              </a:xfrm>
+              <a:prstGeom prst="rect">
+                <a:avLst/>
+              </a:prstGeom>
+              <a:noFill/>
+            </p:spPr>
+            <p:txBody>
+              <a:bodyPr wrap="square" rtlCol="0">
+                <a:spAutoFit/>
+              </a:bodyPr>
+              <a:lstStyle/>
+              <a:p>
+                <a:r>
+                  <a:rPr lang="en-PH" sz="2500" b="1" dirty="0">
+                    <a:solidFill>
+                      <a:srgbClr val="FF0000"/>
+                    </a:solidFill>
+                    <a:latin typeface="Cambria Math" panose="02040503050406030204" pitchFamily="18" charset="0"/>
+                    <a:ea typeface="Cambria Math" panose="02040503050406030204" pitchFamily="18" charset="0"/>
+                  </a:rPr>
+                  <a:t>Hinge Loss </a:t>
+                </a:r>
+                <a:r>
+                  <a:rPr lang="en-PH" sz="2500" b="1" dirty="0">
+                    <a:solidFill>
+                      <a:schemeClr val="tx1"/>
+                    </a:solidFill>
+                    <a:latin typeface="Cambria Math" panose="02040503050406030204" pitchFamily="18" charset="0"/>
+                    <a:ea typeface="Cambria Math" panose="02040503050406030204" pitchFamily="18" charset="0"/>
+                  </a:rPr>
+                  <a:t>= max (0, 1- </a:t>
+                </a:r>
+                <a14:m>
+                  <m:oMath xmlns:m="http://schemas.openxmlformats.org/officeDocument/2006/math">
+                    <m:sSub>
+                      <m:sSubPr>
+                        <m:ctrlPr>
+                          <a:rPr lang="en-PH" sz="2500" b="1" i="1" smtClean="0">
+                            <a:solidFill>
+                              <a:schemeClr val="tx1"/>
+                            </a:solidFill>
+                            <a:latin typeface="Cambria Math" panose="02040503050406030204" pitchFamily="18" charset="0"/>
+                            <a:ea typeface="Cambria Math" panose="02040503050406030204" pitchFamily="18" charset="0"/>
+                          </a:rPr>
+                        </m:ctrlPr>
+                      </m:sSubPr>
+                      <m:e>
+                        <m:r>
+                          <a:rPr lang="en-US" sz="2500" b="1" i="1" smtClean="0">
+                            <a:solidFill>
+                              <a:schemeClr val="tx1"/>
+                            </a:solidFill>
+                            <a:latin typeface="Cambria Math" panose="02040503050406030204" pitchFamily="18" charset="0"/>
+                            <a:ea typeface="Cambria Math" panose="02040503050406030204" pitchFamily="18" charset="0"/>
+                          </a:rPr>
+                          <m:t>𝒚</m:t>
+                        </m:r>
+                      </m:e>
+                      <m:sub>
+                        <m:r>
+                          <a:rPr lang="en-US" sz="2500" b="1" i="1" smtClean="0">
+                            <a:solidFill>
+                              <a:schemeClr val="tx1"/>
+                            </a:solidFill>
+                            <a:latin typeface="Cambria Math" panose="02040503050406030204" pitchFamily="18" charset="0"/>
+                            <a:ea typeface="Cambria Math" panose="02040503050406030204" pitchFamily="18" charset="0"/>
+                          </a:rPr>
+                          <m:t>𝒊</m:t>
+                        </m:r>
+                      </m:sub>
+                    </m:sSub>
+                  </m:oMath>
+                </a14:m>
+                <a:r>
+                  <a:rPr lang="en-PH" sz="2500" b="1" dirty="0">
+                    <a:solidFill>
+                      <a:schemeClr val="tx1"/>
+                    </a:solidFill>
+                    <a:latin typeface="Cambria Math" panose="02040503050406030204" pitchFamily="18" charset="0"/>
+                    <a:ea typeface="Cambria Math" panose="02040503050406030204" pitchFamily="18" charset="0"/>
+                  </a:rPr>
+                  <a:t> (</a:t>
+                </a:r>
+                <a14:m>
+                  <m:oMath xmlns:m="http://schemas.openxmlformats.org/officeDocument/2006/math">
+                    <m:acc>
+                      <m:accPr>
+                        <m:chr m:val="⃗"/>
+                        <m:ctrlPr>
+                          <a:rPr lang="en-US" sz="2500" b="1" i="1" dirty="0">
+                            <a:solidFill>
+                              <a:schemeClr val="tx1"/>
+                            </a:solidFill>
+                            <a:latin typeface="Cambria Math" panose="02040503050406030204" pitchFamily="18" charset="0"/>
+                            <a:ea typeface="Cambria Math" panose="02040503050406030204" pitchFamily="18" charset="0"/>
+                          </a:rPr>
+                        </m:ctrlPr>
+                      </m:accPr>
+                      <m:e>
+                        <m:r>
+                          <a:rPr lang="en-US" sz="2500" b="1" i="1" smtClean="0">
+                            <a:solidFill>
+                              <a:schemeClr val="tx1"/>
+                            </a:solidFill>
+                            <a:latin typeface="Cambria Math" panose="02040503050406030204" pitchFamily="18" charset="0"/>
+                          </a:rPr>
+                          <m:t>𝒘</m:t>
+                        </m:r>
+                      </m:e>
+                    </m:acc>
+                  </m:oMath>
+                </a14:m>
+                <a:r>
+                  <a:rPr lang="en-PH" sz="2500" b="1" dirty="0">
+                    <a:solidFill>
+                      <a:schemeClr val="tx1"/>
+                    </a:solidFill>
+                    <a:latin typeface="Cambria Math" panose="02040503050406030204" pitchFamily="18" charset="0"/>
+                    <a:ea typeface="Cambria Math" panose="02040503050406030204" pitchFamily="18" charset="0"/>
+                  </a:rPr>
+                  <a:t> ⋅ </a:t>
+                </a:r>
+                <a14:m>
+                  <m:oMath xmlns:m="http://schemas.openxmlformats.org/officeDocument/2006/math">
+                    <m:r>
+                      <a:rPr lang="en-US" sz="2500" b="1" i="0" dirty="0" smtClean="0">
+                        <a:solidFill>
+                          <a:schemeClr val="tx1"/>
+                        </a:solidFill>
+                        <a:latin typeface="Cambria Math" panose="02040503050406030204" pitchFamily="18" charset="0"/>
+                        <a:ea typeface="Cambria Math" panose="02040503050406030204" pitchFamily="18" charset="0"/>
+                      </a:rPr>
+                      <m:t> </m:t>
+                    </m:r>
+                    <m:acc>
+                      <m:accPr>
+                        <m:chr m:val="⃗"/>
+                        <m:ctrlPr>
+                          <a:rPr lang="en-US" sz="2500" b="1" i="1" dirty="0">
+                            <a:solidFill>
+                              <a:schemeClr val="tx1"/>
+                            </a:solidFill>
+                            <a:latin typeface="Cambria Math" panose="02040503050406030204" pitchFamily="18" charset="0"/>
+                            <a:ea typeface="Cambria Math" panose="02040503050406030204" pitchFamily="18" charset="0"/>
+                          </a:rPr>
+                        </m:ctrlPr>
+                      </m:accPr>
+                      <m:e>
+                        <m:sSub>
+                          <m:sSubPr>
+                            <m:ctrlPr>
+                              <a:rPr lang="en-US" sz="2500" b="1" i="1">
+                                <a:solidFill>
+                                  <a:schemeClr val="tx1"/>
+                                </a:solidFill>
+                                <a:latin typeface="Cambria Math" panose="02040503050406030204" pitchFamily="18" charset="0"/>
+                              </a:rPr>
+                            </m:ctrlPr>
+                          </m:sSubPr>
+                          <m:e>
+                            <m:r>
+                              <a:rPr lang="en-US" sz="2500" b="1" i="1">
+                                <a:solidFill>
+                                  <a:schemeClr val="tx1"/>
+                                </a:solidFill>
+                                <a:latin typeface="Cambria Math" panose="02040503050406030204" pitchFamily="18" charset="0"/>
+                              </a:rPr>
+                              <m:t>𝒙</m:t>
+                            </m:r>
+                          </m:e>
+                          <m:sub>
+                            <m:r>
+                              <a:rPr lang="en-US" sz="2500" b="1" i="1" smtClean="0">
+                                <a:solidFill>
+                                  <a:schemeClr val="tx1"/>
+                                </a:solidFill>
+                                <a:latin typeface="Cambria Math" panose="02040503050406030204" pitchFamily="18" charset="0"/>
+                              </a:rPr>
+                              <m:t>𝒊</m:t>
+                            </m:r>
+                          </m:sub>
+                        </m:sSub>
+                      </m:e>
+                    </m:acc>
+                  </m:oMath>
+                </a14:m>
+                <a:r>
+                  <a:rPr lang="en-PH" sz="2500" b="1" dirty="0">
+                    <a:solidFill>
+                      <a:schemeClr val="tx1"/>
+                    </a:solidFill>
+                    <a:latin typeface="Cambria Math" panose="02040503050406030204" pitchFamily="18" charset="0"/>
+                    <a:ea typeface="Cambria Math" panose="02040503050406030204" pitchFamily="18" charset="0"/>
+                  </a:rPr>
+                  <a:t> - b))   </a:t>
+                </a:r>
+              </a:p>
+            </p:txBody>
+          </p:sp>
+        </mc:Choice>
+        <mc:Fallback xmlns="">
+          <p:sp>
+            <p:nvSpPr>
+              <p:cNvPr id="7" name="TextBox 6">
+                <a:extLst>
+                  <a:ext uri="{FF2B5EF4-FFF2-40B4-BE49-F238E27FC236}">
+                    <a16:creationId xmlns:a16="http://schemas.microsoft.com/office/drawing/2014/main" id="{D29F0E55-E556-229E-BF43-0B4142E3E91B}"/>
+                  </a:ext>
+                </a:extLst>
+              </p:cNvPr>
+              <p:cNvSpPr txBox="1">
+                <a:spLocks noRot="1" noChangeAspect="1" noMove="1" noResize="1" noEditPoints="1" noAdjustHandles="1" noChangeArrowheads="1" noChangeShapeType="1" noTextEdit="1"/>
+              </p:cNvSpPr>
+              <p:nvPr/>
+            </p:nvSpPr>
+            <p:spPr>
+              <a:xfrm>
+                <a:off x="429434" y="1904327"/>
+                <a:ext cx="5465785" cy="477054"/>
+              </a:xfrm>
+              <a:prstGeom prst="rect">
+                <a:avLst/>
+              </a:prstGeom>
+              <a:blipFill>
+                <a:blip r:embed="rId14"/>
+                <a:stretch>
+                  <a:fillRect l="-1784" t="-8861" r="-4125" b="-29114"/>
+                </a:stretch>
+              </a:blipFill>
+            </p:spPr>
+            <p:txBody>
+              <a:bodyPr/>
+              <a:lstStyle/>
+              <a:p>
+                <a:r>
+                  <a:rPr lang="en-PH">
+                    <a:noFill/>
+                  </a:rPr>
+                  <a:t> </a:t>
+                </a:r>
+              </a:p>
+            </p:txBody>
+          </p:sp>
+        </mc:Fallback>
+      </mc:AlternateContent>
+      <p:grpSp>
+        <p:nvGrpSpPr>
+          <p:cNvPr id="25" name="Group 24">
+            <a:extLst>
+              <a:ext uri="{FF2B5EF4-FFF2-40B4-BE49-F238E27FC236}">
+                <a16:creationId xmlns:a16="http://schemas.microsoft.com/office/drawing/2014/main" id="{DA087A7A-1AFE-4CAA-6DBA-EDB71F1AF1C0}"/>
+              </a:ext>
+            </a:extLst>
+          </p:cNvPr>
+          <p:cNvGrpSpPr/>
+          <p:nvPr/>
+        </p:nvGrpSpPr>
+        <p:grpSpPr>
+          <a:xfrm>
+            <a:off x="440952" y="3167728"/>
+            <a:ext cx="3201458" cy="369332"/>
+            <a:chOff x="257995" y="2022748"/>
+            <a:chExt cx="3201458" cy="369332"/>
+          </a:xfrm>
+        </p:grpSpPr>
+        <p:pic>
+          <p:nvPicPr>
+            <p:cNvPr id="9" name="Graphic 8" descr="Badge 1 with solid fill">
+              <a:extLst>
+                <a:ext uri="{FF2B5EF4-FFF2-40B4-BE49-F238E27FC236}">
+                  <a16:creationId xmlns:a16="http://schemas.microsoft.com/office/drawing/2014/main" id="{75861566-4153-93B1-70F6-367D65AD0E57}"/>
+                </a:ext>
+              </a:extLst>
+            </p:cNvPr>
+            <p:cNvPicPr>
+              <a:picLocks noChangeAspect="1"/>
+            </p:cNvPicPr>
+            <p:nvPr/>
+          </p:nvPicPr>
+          <p:blipFill>
+            <a:blip r:embed="rId12">
+              <a:extLst>
+                <a:ext uri="{28A0092B-C50C-407E-A947-70E740481C1C}">
+                  <a14:useLocalDpi xmlns:a14="http://schemas.microsoft.com/office/drawing/2010/main" val="0"/>
+                </a:ext>
+                <a:ext uri="{96DAC541-7B7A-43D3-8B79-37D633B846F1}">
+                  <asvg:svgBlip xmlns:asvg="http://schemas.microsoft.com/office/drawing/2016/SVG/main" r:embed="rId13"/>
+                </a:ext>
+              </a:extLst>
+            </a:blip>
+            <a:stretch>
+              <a:fillRect/>
+            </a:stretch>
+          </p:blipFill>
+          <p:spPr>
+            <a:xfrm>
+              <a:off x="257995" y="2031290"/>
+              <a:ext cx="378402" cy="349278"/>
+            </a:xfrm>
+            <a:prstGeom prst="rect">
+              <a:avLst/>
+            </a:prstGeom>
+          </p:spPr>
+        </p:pic>
+        <mc:AlternateContent xmlns:mc="http://schemas.openxmlformats.org/markup-compatibility/2006" xmlns:a14="http://schemas.microsoft.com/office/drawing/2010/main">
+          <mc:Choice Requires="a14">
+            <p:sp>
+              <p:nvSpPr>
+                <p:cNvPr id="17" name="TextBox 16">
+                  <a:extLst>
+                    <a:ext uri="{FF2B5EF4-FFF2-40B4-BE49-F238E27FC236}">
+                      <a16:creationId xmlns:a16="http://schemas.microsoft.com/office/drawing/2014/main" id="{A802B9C6-1F6A-3F7A-B02C-5752DE2161FE}"/>
+                    </a:ext>
+                  </a:extLst>
+                </p:cNvPr>
+                <p:cNvSpPr txBox="1"/>
+                <p:nvPr/>
+              </p:nvSpPr>
+              <p:spPr>
+                <a:xfrm>
+                  <a:off x="731814" y="2022748"/>
+                  <a:ext cx="2727639" cy="369332"/>
+                </a:xfrm>
+                <a:prstGeom prst="rect">
+                  <a:avLst/>
+                </a:prstGeom>
+                <a:noFill/>
+              </p:spPr>
+              <p:txBody>
+                <a:bodyPr wrap="square" rtlCol="0">
+                  <a:spAutoFit/>
+                </a:bodyPr>
+                <a:lstStyle/>
+                <a:p>
+                  <a:r>
+                    <a:rPr lang="en-PH" b="1" dirty="0">
+                      <a:solidFill>
+                        <a:schemeClr val="tx1"/>
+                      </a:solidFill>
+                      <a:latin typeface="Cambria Math" panose="02040503050406030204" pitchFamily="18" charset="0"/>
+                      <a:ea typeface="Cambria Math" panose="02040503050406030204" pitchFamily="18" charset="0"/>
+                    </a:rPr>
+                    <a:t>max (0, 1 - 1( </a:t>
+                  </a:r>
+                  <a14:m>
+                    <m:oMath xmlns:m="http://schemas.openxmlformats.org/officeDocument/2006/math">
+                      <m:r>
+                        <a:rPr lang="en-US" b="1" i="1" dirty="0" smtClean="0">
+                          <a:solidFill>
+                            <a:schemeClr val="tx1"/>
+                          </a:solidFill>
+                          <a:latin typeface="Cambria Math" panose="02040503050406030204" pitchFamily="18" charset="0"/>
+                          <a:ea typeface="Cambria Math" panose="02040503050406030204" pitchFamily="18" charset="0"/>
+                        </a:rPr>
+                        <m:t>&gt;</m:t>
+                      </m:r>
+                      <m:r>
+                        <a:rPr lang="en-US" b="1" i="1" dirty="0" smtClean="0">
+                          <a:solidFill>
+                            <a:schemeClr val="tx1"/>
+                          </a:solidFill>
+                          <a:latin typeface="Cambria Math" panose="02040503050406030204" pitchFamily="18" charset="0"/>
+                          <a:ea typeface="Cambria Math" panose="02040503050406030204" pitchFamily="18" charset="0"/>
+                        </a:rPr>
+                        <m:t>𝟏</m:t>
+                      </m:r>
+                    </m:oMath>
+                  </a14:m>
+                  <a:r>
+                    <a:rPr lang="en-PH" b="1" dirty="0">
+                      <a:solidFill>
+                        <a:schemeClr val="tx1"/>
+                      </a:solidFill>
+                      <a:latin typeface="Cambria Math" panose="02040503050406030204" pitchFamily="18" charset="0"/>
+                      <a:ea typeface="Cambria Math" panose="02040503050406030204" pitchFamily="18" charset="0"/>
+                    </a:rPr>
+                    <a:t>)) = 0   </a:t>
+                  </a:r>
+                </a:p>
+              </p:txBody>
+            </p:sp>
+          </mc:Choice>
+          <mc:Fallback xmlns="">
+            <p:sp>
+              <p:nvSpPr>
+                <p:cNvPr id="17" name="TextBox 16">
+                  <a:extLst>
+                    <a:ext uri="{FF2B5EF4-FFF2-40B4-BE49-F238E27FC236}">
+                      <a16:creationId xmlns:a16="http://schemas.microsoft.com/office/drawing/2014/main" id="{A802B9C6-1F6A-3F7A-B02C-5752DE2161FE}"/>
+                    </a:ext>
+                  </a:extLst>
+                </p:cNvPr>
+                <p:cNvSpPr txBox="1">
+                  <a:spLocks noRot="1" noChangeAspect="1" noMove="1" noResize="1" noEditPoints="1" noAdjustHandles="1" noChangeArrowheads="1" noChangeShapeType="1" noTextEdit="1"/>
+                </p:cNvSpPr>
+                <p:nvPr/>
+              </p:nvSpPr>
+              <p:spPr>
+                <a:xfrm>
+                  <a:off x="731814" y="2022748"/>
+                  <a:ext cx="2727639" cy="369332"/>
+                </a:xfrm>
+                <a:prstGeom prst="rect">
+                  <a:avLst/>
+                </a:prstGeom>
+                <a:blipFill>
+                  <a:blip r:embed="rId15"/>
+                  <a:stretch>
+                    <a:fillRect l="-1786" t="-11667" b="-25000"/>
+                  </a:stretch>
+                </a:blipFill>
+              </p:spPr>
+              <p:txBody>
+                <a:bodyPr/>
+                <a:lstStyle/>
+                <a:p>
+                  <a:r>
+                    <a:rPr lang="en-PH">
+                      <a:noFill/>
+                    </a:rPr>
+                    <a:t> </a:t>
+                  </a:r>
+                </a:p>
+              </p:txBody>
+            </p:sp>
+          </mc:Fallback>
+        </mc:AlternateContent>
+      </p:grpSp>
+      <p:grpSp>
+        <p:nvGrpSpPr>
+          <p:cNvPr id="27" name="Group 26">
+            <a:extLst>
+              <a:ext uri="{FF2B5EF4-FFF2-40B4-BE49-F238E27FC236}">
+                <a16:creationId xmlns:a16="http://schemas.microsoft.com/office/drawing/2014/main" id="{676D674B-A34B-2872-D1EA-F64F92B2D4C2}"/>
+              </a:ext>
+            </a:extLst>
+          </p:cNvPr>
+          <p:cNvGrpSpPr/>
+          <p:nvPr/>
+        </p:nvGrpSpPr>
+        <p:grpSpPr>
+          <a:xfrm>
+            <a:off x="433200" y="3680598"/>
+            <a:ext cx="3605125" cy="402243"/>
+            <a:chOff x="250243" y="2535618"/>
+            <a:chExt cx="3605125" cy="402243"/>
+          </a:xfrm>
+        </p:grpSpPr>
+        <p:pic>
+          <p:nvPicPr>
+            <p:cNvPr id="14" name="Graphic 13" descr="Badge with solid fill">
+              <a:extLst>
+                <a:ext uri="{FF2B5EF4-FFF2-40B4-BE49-F238E27FC236}">
+                  <a16:creationId xmlns:a16="http://schemas.microsoft.com/office/drawing/2014/main" id="{280551CA-7F58-39BD-3985-0D90821672DD}"/>
+                </a:ext>
+              </a:extLst>
+            </p:cNvPr>
+            <p:cNvPicPr>
+              <a:picLocks noChangeAspect="1"/>
+            </p:cNvPicPr>
+            <p:nvPr/>
+          </p:nvPicPr>
+          <p:blipFill>
+            <a:blip r:embed="rId6">
+              <a:extLst>
+                <a:ext uri="{28A0092B-C50C-407E-A947-70E740481C1C}">
+                  <a14:useLocalDpi xmlns:a14="http://schemas.microsoft.com/office/drawing/2010/main" val="0"/>
+                </a:ext>
+                <a:ext uri="{96DAC541-7B7A-43D3-8B79-37D633B846F1}">
+                  <asvg:svgBlip xmlns:asvg="http://schemas.microsoft.com/office/drawing/2016/SVG/main" r:embed="rId7"/>
+                </a:ext>
+              </a:extLst>
+            </a:blip>
+            <a:stretch>
+              <a:fillRect/>
+            </a:stretch>
+          </p:blipFill>
+          <p:spPr>
+            <a:xfrm>
+              <a:off x="250243" y="2567641"/>
+              <a:ext cx="401090" cy="370220"/>
+            </a:xfrm>
+            <a:prstGeom prst="rect">
+              <a:avLst/>
+            </a:prstGeom>
+          </p:spPr>
+        </p:pic>
+        <mc:AlternateContent xmlns:mc="http://schemas.openxmlformats.org/markup-compatibility/2006" xmlns:a14="http://schemas.microsoft.com/office/drawing/2010/main">
+          <mc:Choice Requires="a14">
+            <p:sp>
+              <p:nvSpPr>
+                <p:cNvPr id="18" name="TextBox 17">
+                  <a:extLst>
+                    <a:ext uri="{FF2B5EF4-FFF2-40B4-BE49-F238E27FC236}">
+                      <a16:creationId xmlns:a16="http://schemas.microsoft.com/office/drawing/2014/main" id="{0138E6C9-3C29-6450-0748-82BA9355AC87}"/>
+                    </a:ext>
+                  </a:extLst>
+                </p:cNvPr>
+                <p:cNvSpPr txBox="1"/>
+                <p:nvPr/>
+              </p:nvSpPr>
+              <p:spPr>
+                <a:xfrm>
+                  <a:off x="731812" y="2535618"/>
+                  <a:ext cx="3123556" cy="369332"/>
+                </a:xfrm>
+                <a:prstGeom prst="rect">
+                  <a:avLst/>
+                </a:prstGeom>
+                <a:noFill/>
+              </p:spPr>
+              <p:txBody>
+                <a:bodyPr wrap="square" rtlCol="0">
+                  <a:spAutoFit/>
+                </a:bodyPr>
+                <a:lstStyle/>
+                <a:p>
+                  <a:r>
+                    <a:rPr lang="en-PH" b="1" dirty="0">
+                      <a:solidFill>
+                        <a:schemeClr val="tx1"/>
+                      </a:solidFill>
+                      <a:latin typeface="Cambria Math" panose="02040503050406030204" pitchFamily="18" charset="0"/>
+                      <a:ea typeface="Cambria Math" panose="02040503050406030204" pitchFamily="18" charset="0"/>
+                    </a:rPr>
+                    <a:t>max (0, 1 + 1(</a:t>
+                  </a:r>
+                  <a14:m>
+                    <m:oMath xmlns:m="http://schemas.openxmlformats.org/officeDocument/2006/math">
+                      <m:r>
+                        <a:rPr lang="en-US" b="1" i="1" dirty="0">
+                          <a:latin typeface="Cambria Math" panose="02040503050406030204" pitchFamily="18" charset="0"/>
+                          <a:ea typeface="Cambria Math" panose="02040503050406030204" pitchFamily="18" charset="0"/>
+                        </a:rPr>
+                        <m:t>&lt;</m:t>
+                      </m:r>
+                      <m:r>
+                        <a:rPr lang="en-US" b="1" i="1" dirty="0" smtClean="0">
+                          <a:latin typeface="Cambria Math" panose="02040503050406030204" pitchFamily="18" charset="0"/>
+                          <a:ea typeface="Cambria Math" panose="02040503050406030204" pitchFamily="18" charset="0"/>
+                        </a:rPr>
+                        <m:t>−</m:t>
+                      </m:r>
+                      <m:r>
+                        <a:rPr lang="en-US" b="1" i="1" dirty="0" smtClean="0">
+                          <a:solidFill>
+                            <a:schemeClr val="tx1"/>
+                          </a:solidFill>
+                          <a:latin typeface="Cambria Math" panose="02040503050406030204" pitchFamily="18" charset="0"/>
+                          <a:ea typeface="Cambria Math" panose="02040503050406030204" pitchFamily="18" charset="0"/>
+                        </a:rPr>
+                        <m:t>𝟏</m:t>
+                      </m:r>
+                    </m:oMath>
+                  </a14:m>
+                  <a:r>
+                    <a:rPr lang="en-PH" b="1" dirty="0">
+                      <a:solidFill>
+                        <a:schemeClr val="tx1"/>
+                      </a:solidFill>
+                      <a:latin typeface="Cambria Math" panose="02040503050406030204" pitchFamily="18" charset="0"/>
+                      <a:ea typeface="Cambria Math" panose="02040503050406030204" pitchFamily="18" charset="0"/>
+                    </a:rPr>
+                    <a:t>)) = 0   </a:t>
+                  </a:r>
+                </a:p>
+              </p:txBody>
+            </p:sp>
+          </mc:Choice>
+          <mc:Fallback xmlns="">
+            <p:sp>
+              <p:nvSpPr>
+                <p:cNvPr id="18" name="TextBox 17">
+                  <a:extLst>
+                    <a:ext uri="{FF2B5EF4-FFF2-40B4-BE49-F238E27FC236}">
+                      <a16:creationId xmlns:a16="http://schemas.microsoft.com/office/drawing/2014/main" id="{0138E6C9-3C29-6450-0748-82BA9355AC87}"/>
+                    </a:ext>
+                  </a:extLst>
+                </p:cNvPr>
+                <p:cNvSpPr txBox="1">
+                  <a:spLocks noRot="1" noChangeAspect="1" noMove="1" noResize="1" noEditPoints="1" noAdjustHandles="1" noChangeArrowheads="1" noChangeShapeType="1" noTextEdit="1"/>
+                </p:cNvSpPr>
+                <p:nvPr/>
+              </p:nvSpPr>
+              <p:spPr>
+                <a:xfrm>
+                  <a:off x="731812" y="2535618"/>
+                  <a:ext cx="3123556" cy="369332"/>
+                </a:xfrm>
+                <a:prstGeom prst="rect">
+                  <a:avLst/>
+                </a:prstGeom>
+                <a:blipFill>
+                  <a:blip r:embed="rId16"/>
+                  <a:stretch>
+                    <a:fillRect l="-1563" t="-11667" b="-25000"/>
+                  </a:stretch>
+                </a:blipFill>
+              </p:spPr>
+              <p:txBody>
+                <a:bodyPr/>
+                <a:lstStyle/>
+                <a:p>
+                  <a:r>
+                    <a:rPr lang="en-PH">
+                      <a:noFill/>
+                    </a:rPr>
+                    <a:t> </a:t>
+                  </a:r>
+                </a:p>
+              </p:txBody>
+            </p:sp>
+          </mc:Fallback>
+        </mc:AlternateContent>
+      </p:grpSp>
+      <p:grpSp>
+        <p:nvGrpSpPr>
+          <p:cNvPr id="28" name="Group 27">
+            <a:extLst>
+              <a:ext uri="{FF2B5EF4-FFF2-40B4-BE49-F238E27FC236}">
+                <a16:creationId xmlns:a16="http://schemas.microsoft.com/office/drawing/2014/main" id="{DCFF49F1-B59A-5BCC-8339-BE5D974D5677}"/>
+              </a:ext>
+            </a:extLst>
+          </p:cNvPr>
+          <p:cNvGrpSpPr/>
+          <p:nvPr/>
+        </p:nvGrpSpPr>
+        <p:grpSpPr>
+          <a:xfrm>
+            <a:off x="416154" y="4247035"/>
+            <a:ext cx="3921460" cy="395793"/>
+            <a:chOff x="233197" y="3102055"/>
+            <a:chExt cx="3921460" cy="395793"/>
+          </a:xfrm>
+        </p:grpSpPr>
+        <p:pic>
+          <p:nvPicPr>
+            <p:cNvPr id="15" name="Graphic 14" descr="Badge 3 with solid fill">
+              <a:extLst>
+                <a:ext uri="{FF2B5EF4-FFF2-40B4-BE49-F238E27FC236}">
+                  <a16:creationId xmlns:a16="http://schemas.microsoft.com/office/drawing/2014/main" id="{6FF2CD7F-967A-E66E-D72D-782C5D06F78F}"/>
+                </a:ext>
+              </a:extLst>
+            </p:cNvPr>
+            <p:cNvPicPr>
+              <a:picLocks noChangeAspect="1"/>
+            </p:cNvPicPr>
+            <p:nvPr/>
+          </p:nvPicPr>
+          <p:blipFill>
+            <a:blip r:embed="rId8">
+              <a:extLst>
+                <a:ext uri="{28A0092B-C50C-407E-A947-70E740481C1C}">
+                  <a14:useLocalDpi xmlns:a14="http://schemas.microsoft.com/office/drawing/2010/main" val="0"/>
+                </a:ext>
+                <a:ext uri="{96DAC541-7B7A-43D3-8B79-37D633B846F1}">
+                  <asvg:svgBlip xmlns:asvg="http://schemas.microsoft.com/office/drawing/2016/SVG/main" r:embed="rId9"/>
+                </a:ext>
+              </a:extLst>
+            </a:blip>
+            <a:stretch>
+              <a:fillRect/>
+            </a:stretch>
+          </p:blipFill>
+          <p:spPr>
+            <a:xfrm>
+              <a:off x="233197" y="3102793"/>
+              <a:ext cx="427996" cy="395055"/>
+            </a:xfrm>
+            <a:prstGeom prst="rect">
+              <a:avLst/>
+            </a:prstGeom>
+          </p:spPr>
+        </p:pic>
+        <mc:AlternateContent xmlns:mc="http://schemas.openxmlformats.org/markup-compatibility/2006" xmlns:a14="http://schemas.microsoft.com/office/drawing/2010/main">
+          <mc:Choice Requires="a14">
+            <p:sp>
+              <p:nvSpPr>
+                <p:cNvPr id="19" name="TextBox 18">
+                  <a:extLst>
+                    <a:ext uri="{FF2B5EF4-FFF2-40B4-BE49-F238E27FC236}">
+                      <a16:creationId xmlns:a16="http://schemas.microsoft.com/office/drawing/2014/main" id="{AA8AA0CA-0C0B-8990-A387-2D16F7551ADE}"/>
+                    </a:ext>
+                  </a:extLst>
+                </p:cNvPr>
+                <p:cNvSpPr txBox="1"/>
+                <p:nvPr/>
+              </p:nvSpPr>
+              <p:spPr>
+                <a:xfrm>
+                  <a:off x="731811" y="3102055"/>
+                  <a:ext cx="3422846" cy="369332"/>
+                </a:xfrm>
+                <a:prstGeom prst="rect">
+                  <a:avLst/>
+                </a:prstGeom>
+                <a:noFill/>
+              </p:spPr>
+              <p:txBody>
+                <a:bodyPr wrap="square" rtlCol="0">
+                  <a:spAutoFit/>
+                </a:bodyPr>
+                <a:lstStyle/>
+                <a:p>
+                  <a:r>
+                    <a:rPr lang="en-PH" b="1" dirty="0">
+                      <a:solidFill>
+                        <a:schemeClr val="tx1"/>
+                      </a:solidFill>
+                      <a:latin typeface="Cambria Math" panose="02040503050406030204" pitchFamily="18" charset="0"/>
+                      <a:ea typeface="Cambria Math" panose="02040503050406030204" pitchFamily="18" charset="0"/>
+                    </a:rPr>
+                    <a:t>max (0, 1 + 1(</a:t>
+                  </a:r>
+                  <a14:m>
+                    <m:oMath xmlns:m="http://schemas.openxmlformats.org/officeDocument/2006/math">
+                      <m:r>
+                        <a:rPr lang="en-US" b="1" i="1" dirty="0" smtClean="0">
+                          <a:latin typeface="Cambria Math" panose="02040503050406030204" pitchFamily="18" charset="0"/>
+                          <a:ea typeface="Cambria Math" panose="02040503050406030204" pitchFamily="18" charset="0"/>
+                        </a:rPr>
+                        <m:t> &gt;</m:t>
+                      </m:r>
+                      <m:r>
+                        <a:rPr lang="en-US" b="1" i="1" dirty="0" smtClean="0">
+                          <a:solidFill>
+                            <a:schemeClr val="tx1"/>
+                          </a:solidFill>
+                          <a:latin typeface="Cambria Math" panose="02040503050406030204" pitchFamily="18" charset="0"/>
+                          <a:ea typeface="Cambria Math" panose="02040503050406030204" pitchFamily="18" charset="0"/>
+                        </a:rPr>
+                        <m:t>𝟏</m:t>
+                      </m:r>
+                    </m:oMath>
+                  </a14:m>
+                  <a:r>
+                    <a:rPr lang="en-PH" b="1" dirty="0">
+                      <a:solidFill>
+                        <a:schemeClr val="tx1"/>
+                      </a:solidFill>
+                      <a:latin typeface="Cambria Math" panose="02040503050406030204" pitchFamily="18" charset="0"/>
+                      <a:ea typeface="Cambria Math" panose="02040503050406030204" pitchFamily="18" charset="0"/>
+                    </a:rPr>
+                    <a:t>)) = &gt; 1   </a:t>
+                  </a:r>
+                </a:p>
+              </p:txBody>
+            </p:sp>
+          </mc:Choice>
+          <mc:Fallback xmlns="">
+            <p:sp>
+              <p:nvSpPr>
+                <p:cNvPr id="19" name="TextBox 18">
+                  <a:extLst>
+                    <a:ext uri="{FF2B5EF4-FFF2-40B4-BE49-F238E27FC236}">
+                      <a16:creationId xmlns:a16="http://schemas.microsoft.com/office/drawing/2014/main" id="{AA8AA0CA-0C0B-8990-A387-2D16F7551ADE}"/>
+                    </a:ext>
+                  </a:extLst>
+                </p:cNvPr>
+                <p:cNvSpPr txBox="1">
+                  <a:spLocks noRot="1" noChangeAspect="1" noMove="1" noResize="1" noEditPoints="1" noAdjustHandles="1" noChangeArrowheads="1" noChangeShapeType="1" noTextEdit="1"/>
+                </p:cNvSpPr>
+                <p:nvPr/>
+              </p:nvSpPr>
+              <p:spPr>
+                <a:xfrm>
+                  <a:off x="731811" y="3102055"/>
+                  <a:ext cx="3422846" cy="369332"/>
+                </a:xfrm>
+                <a:prstGeom prst="rect">
+                  <a:avLst/>
+                </a:prstGeom>
+                <a:blipFill>
+                  <a:blip r:embed="rId17"/>
+                  <a:stretch>
+                    <a:fillRect l="-1423" t="-11667" b="-25000"/>
+                  </a:stretch>
+                </a:blipFill>
+              </p:spPr>
+              <p:txBody>
+                <a:bodyPr/>
+                <a:lstStyle/>
+                <a:p>
+                  <a:r>
+                    <a:rPr lang="en-PH">
+                      <a:noFill/>
+                    </a:rPr>
+                    <a:t> </a:t>
+                  </a:r>
+                </a:p>
+              </p:txBody>
+            </p:sp>
+          </mc:Fallback>
+        </mc:AlternateContent>
+      </p:grpSp>
+      <p:grpSp>
+        <p:nvGrpSpPr>
+          <p:cNvPr id="29" name="Group 28">
+            <a:extLst>
+              <a:ext uri="{FF2B5EF4-FFF2-40B4-BE49-F238E27FC236}">
+                <a16:creationId xmlns:a16="http://schemas.microsoft.com/office/drawing/2014/main" id="{E02368C9-6ACA-AD64-BCCC-3862AB8EF7F5}"/>
+              </a:ext>
+            </a:extLst>
+          </p:cNvPr>
+          <p:cNvGrpSpPr/>
+          <p:nvPr/>
+        </p:nvGrpSpPr>
+        <p:grpSpPr>
+          <a:xfrm>
+            <a:off x="429434" y="4767182"/>
+            <a:ext cx="5675996" cy="387162"/>
+            <a:chOff x="246477" y="3622202"/>
+            <a:chExt cx="5675996" cy="387162"/>
+          </a:xfrm>
+        </p:grpSpPr>
+        <p:pic>
+          <p:nvPicPr>
+            <p:cNvPr id="16" name="Graphic 15" descr="Badge 4 with solid fill">
+              <a:extLst>
+                <a:ext uri="{FF2B5EF4-FFF2-40B4-BE49-F238E27FC236}">
+                  <a16:creationId xmlns:a16="http://schemas.microsoft.com/office/drawing/2014/main" id="{6842FA85-A9CE-D261-E43F-7B09C5DFE5F7}"/>
+                </a:ext>
+              </a:extLst>
+            </p:cNvPr>
+            <p:cNvPicPr>
+              <a:picLocks noChangeAspect="1"/>
+            </p:cNvPicPr>
+            <p:nvPr/>
+          </p:nvPicPr>
+          <p:blipFill>
+            <a:blip r:embed="rId10">
+              <a:extLst>
+                <a:ext uri="{28A0092B-C50C-407E-A947-70E740481C1C}">
+                  <a14:useLocalDpi xmlns:a14="http://schemas.microsoft.com/office/drawing/2010/main" val="0"/>
+                </a:ext>
+                <a:ext uri="{96DAC541-7B7A-43D3-8B79-37D633B846F1}">
+                  <asvg:svgBlip xmlns:asvg="http://schemas.microsoft.com/office/drawing/2016/SVG/main" r:embed="rId11"/>
+                </a:ext>
+              </a:extLst>
+            </a:blip>
+            <a:stretch>
+              <a:fillRect/>
+            </a:stretch>
+          </p:blipFill>
+          <p:spPr>
+            <a:xfrm>
+              <a:off x="246477" y="3638824"/>
+              <a:ext cx="401436" cy="370540"/>
+            </a:xfrm>
+            <a:prstGeom prst="rect">
+              <a:avLst/>
+            </a:prstGeom>
+          </p:spPr>
+        </p:pic>
+        <mc:AlternateContent xmlns:mc="http://schemas.openxmlformats.org/markup-compatibility/2006" xmlns:a14="http://schemas.microsoft.com/office/drawing/2010/main">
+          <mc:Choice Requires="a14">
+            <p:sp>
+              <p:nvSpPr>
+                <p:cNvPr id="21" name="TextBox 20">
+                  <a:extLst>
+                    <a:ext uri="{FF2B5EF4-FFF2-40B4-BE49-F238E27FC236}">
+                      <a16:creationId xmlns:a16="http://schemas.microsoft.com/office/drawing/2014/main" id="{3143F759-7C1F-D312-CD88-EE18CF2948F6}"/>
+                    </a:ext>
+                  </a:extLst>
+                </p:cNvPr>
+                <p:cNvSpPr txBox="1"/>
+                <p:nvPr/>
+              </p:nvSpPr>
+              <p:spPr>
+                <a:xfrm>
+                  <a:off x="731007" y="3622202"/>
+                  <a:ext cx="5191466" cy="369332"/>
+                </a:xfrm>
+                <a:prstGeom prst="rect">
+                  <a:avLst/>
+                </a:prstGeom>
+                <a:noFill/>
+              </p:spPr>
+              <p:txBody>
+                <a:bodyPr wrap="square" rtlCol="0">
+                  <a:spAutoFit/>
+                </a:bodyPr>
+                <a:lstStyle/>
+                <a:p>
+                  <a:r>
+                    <a:rPr lang="en-PH" b="1" dirty="0">
+                      <a:solidFill>
+                        <a:schemeClr val="tx1"/>
+                      </a:solidFill>
+                      <a:latin typeface="Cambria Math" panose="02040503050406030204" pitchFamily="18" charset="0"/>
+                      <a:ea typeface="Cambria Math" panose="02040503050406030204" pitchFamily="18" charset="0"/>
+                    </a:rPr>
+                    <a:t>max (0, 1 + 1(</a:t>
+                  </a:r>
+                  <a14:m>
+                    <m:oMath xmlns:m="http://schemas.openxmlformats.org/officeDocument/2006/math">
+                      <m:r>
+                        <a:rPr lang="en-US" b="1" i="1" dirty="0" smtClean="0">
+                          <a:latin typeface="Cambria Math" panose="02040503050406030204" pitchFamily="18" charset="0"/>
+                          <a:ea typeface="Cambria Math" panose="02040503050406030204" pitchFamily="18" charset="0"/>
+                        </a:rPr>
+                        <m:t> </m:t>
+                      </m:r>
+                      <m:r>
+                        <a:rPr lang="en-US" b="1" i="1" dirty="0" smtClean="0">
+                          <a:latin typeface="Cambria Math" panose="02040503050406030204" pitchFamily="18" charset="0"/>
+                          <a:ea typeface="Cambria Math" panose="02040503050406030204" pitchFamily="18" charset="0"/>
+                        </a:rPr>
+                        <m:t>𝑩𝒆𝒕𝒘𝒆𝒆𝒏</m:t>
+                      </m:r>
+                      <m:r>
+                        <a:rPr lang="en-US" b="1" i="1" dirty="0" smtClean="0">
+                          <a:latin typeface="Cambria Math" panose="02040503050406030204" pitchFamily="18" charset="0"/>
+                          <a:ea typeface="Cambria Math" panose="02040503050406030204" pitchFamily="18" charset="0"/>
+                        </a:rPr>
+                        <m:t> </m:t>
+                      </m:r>
+                      <m:r>
+                        <a:rPr lang="en-US" b="1" i="1" dirty="0" smtClean="0">
+                          <a:latin typeface="Cambria Math" panose="02040503050406030204" pitchFamily="18" charset="0"/>
+                          <a:ea typeface="Cambria Math" panose="02040503050406030204" pitchFamily="18" charset="0"/>
+                        </a:rPr>
+                        <m:t>𝟎</m:t>
+                      </m:r>
+                      <m:r>
+                        <a:rPr lang="en-US" b="1" i="1" dirty="0" smtClean="0">
+                          <a:latin typeface="Cambria Math" panose="02040503050406030204" pitchFamily="18" charset="0"/>
+                          <a:ea typeface="Cambria Math" panose="02040503050406030204" pitchFamily="18" charset="0"/>
+                        </a:rPr>
+                        <m:t> &amp; </m:t>
+                      </m:r>
+                      <m:r>
+                        <a:rPr lang="en-US" b="1" i="1" dirty="0" smtClean="0">
+                          <a:latin typeface="Cambria Math" panose="02040503050406030204" pitchFamily="18" charset="0"/>
+                          <a:ea typeface="Cambria Math" panose="02040503050406030204" pitchFamily="18" charset="0"/>
+                        </a:rPr>
+                        <m:t>𝟏</m:t>
+                      </m:r>
+                    </m:oMath>
+                  </a14:m>
+                  <a:r>
+                    <a:rPr lang="en-PH" b="1" dirty="0">
+                      <a:solidFill>
+                        <a:schemeClr val="tx1"/>
+                      </a:solidFill>
+                      <a:latin typeface="Cambria Math" panose="02040503050406030204" pitchFamily="18" charset="0"/>
+                      <a:ea typeface="Cambria Math" panose="02040503050406030204" pitchFamily="18" charset="0"/>
+                    </a:rPr>
+                    <a:t>)) = </a:t>
+                  </a:r>
+                  <a14:m>
+                    <m:oMath xmlns:m="http://schemas.openxmlformats.org/officeDocument/2006/math">
+                      <m:r>
+                        <a:rPr lang="en-US" b="1" i="1" dirty="0">
+                          <a:latin typeface="Cambria Math" panose="02040503050406030204" pitchFamily="18" charset="0"/>
+                          <a:ea typeface="Cambria Math" panose="02040503050406030204" pitchFamily="18" charset="0"/>
+                        </a:rPr>
+                        <m:t>𝑩𝒆𝒕𝒘𝒆𝒆𝒏</m:t>
+                      </m:r>
+                      <m:r>
+                        <a:rPr lang="en-US" b="1" i="1" dirty="0">
+                          <a:latin typeface="Cambria Math" panose="02040503050406030204" pitchFamily="18" charset="0"/>
+                          <a:ea typeface="Cambria Math" panose="02040503050406030204" pitchFamily="18" charset="0"/>
+                        </a:rPr>
+                        <m:t> </m:t>
+                      </m:r>
+                      <m:r>
+                        <a:rPr lang="en-US" b="1" i="1" dirty="0">
+                          <a:latin typeface="Cambria Math" panose="02040503050406030204" pitchFamily="18" charset="0"/>
+                          <a:ea typeface="Cambria Math" panose="02040503050406030204" pitchFamily="18" charset="0"/>
+                        </a:rPr>
+                        <m:t>𝟎</m:t>
+                      </m:r>
+                      <m:r>
+                        <a:rPr lang="en-US" b="1" i="1" dirty="0">
+                          <a:latin typeface="Cambria Math" panose="02040503050406030204" pitchFamily="18" charset="0"/>
+                          <a:ea typeface="Cambria Math" panose="02040503050406030204" pitchFamily="18" charset="0"/>
+                        </a:rPr>
+                        <m:t> &amp; </m:t>
+                      </m:r>
+                      <m:r>
+                        <a:rPr lang="en-US" b="1" i="1" dirty="0">
+                          <a:latin typeface="Cambria Math" panose="02040503050406030204" pitchFamily="18" charset="0"/>
+                          <a:ea typeface="Cambria Math" panose="02040503050406030204" pitchFamily="18" charset="0"/>
+                        </a:rPr>
+                        <m:t>𝟏</m:t>
+                      </m:r>
+                    </m:oMath>
+                  </a14:m>
+                  <a:r>
+                    <a:rPr lang="en-PH" b="1" dirty="0">
+                      <a:solidFill>
+                        <a:schemeClr val="tx1"/>
+                      </a:solidFill>
+                      <a:latin typeface="Cambria Math" panose="02040503050406030204" pitchFamily="18" charset="0"/>
+                      <a:ea typeface="Cambria Math" panose="02040503050406030204" pitchFamily="18" charset="0"/>
+                    </a:rPr>
+                    <a:t>   </a:t>
+                  </a:r>
+                </a:p>
+              </p:txBody>
+            </p:sp>
+          </mc:Choice>
+          <mc:Fallback xmlns="">
+            <p:sp>
+              <p:nvSpPr>
+                <p:cNvPr id="21" name="TextBox 20">
+                  <a:extLst>
+                    <a:ext uri="{FF2B5EF4-FFF2-40B4-BE49-F238E27FC236}">
+                      <a16:creationId xmlns:a16="http://schemas.microsoft.com/office/drawing/2014/main" id="{3143F759-7C1F-D312-CD88-EE18CF2948F6}"/>
+                    </a:ext>
+                  </a:extLst>
+                </p:cNvPr>
+                <p:cNvSpPr txBox="1">
+                  <a:spLocks noRot="1" noChangeAspect="1" noMove="1" noResize="1" noEditPoints="1" noAdjustHandles="1" noChangeArrowheads="1" noChangeShapeType="1" noTextEdit="1"/>
+                </p:cNvSpPr>
+                <p:nvPr/>
+              </p:nvSpPr>
+              <p:spPr>
+                <a:xfrm>
+                  <a:off x="731007" y="3622202"/>
+                  <a:ext cx="5191466" cy="369332"/>
+                </a:xfrm>
+                <a:prstGeom prst="rect">
+                  <a:avLst/>
+                </a:prstGeom>
+                <a:blipFill>
+                  <a:blip r:embed="rId18"/>
+                  <a:stretch>
+                    <a:fillRect l="-1056" t="-9836" b="-22951"/>
+                  </a:stretch>
+                </a:blipFill>
+              </p:spPr>
+              <p:txBody>
+                <a:bodyPr/>
+                <a:lstStyle/>
+                <a:p>
+                  <a:r>
+                    <a:rPr lang="en-PH">
+                      <a:noFill/>
+                    </a:rPr>
+                    <a:t> </a:t>
+                  </a:r>
+                </a:p>
+              </p:txBody>
+            </p:sp>
+          </mc:Fallback>
+        </mc:AlternateContent>
+      </p:grpSp>
+      <p:sp>
+        <p:nvSpPr>
+          <p:cNvPr id="30" name="Title 1">
+            <a:extLst>
+              <a:ext uri="{FF2B5EF4-FFF2-40B4-BE49-F238E27FC236}">
+                <a16:creationId xmlns:a16="http://schemas.microsoft.com/office/drawing/2014/main" id="{CC6F9EBE-E470-10A5-2876-561F5BC5703F}"/>
+              </a:ext>
+            </a:extLst>
+          </p:cNvPr>
+          <p:cNvSpPr>
+            <a:spLocks noGrp="1"/>
+          </p:cNvSpPr>
+          <p:nvPr>
+            <p:ph type="ctrTitle"/>
+          </p:nvPr>
+        </p:nvSpPr>
+        <p:spPr>
+          <a:xfrm>
+            <a:off x="459203" y="241266"/>
+            <a:ext cx="11273589" cy="718459"/>
+          </a:xfrm>
+        </p:spPr>
+        <p:txBody>
+          <a:bodyPr>
+            <a:noAutofit/>
+          </a:bodyPr>
+          <a:lstStyle/>
+          <a:p>
+            <a:r>
+              <a:rPr lang="en-US" sz="5000" b="1" dirty="0"/>
+              <a:t>Loss Function</a:t>
+            </a:r>
+            <a:endParaRPr lang="en-PH" sz="5000" b="1" dirty="0"/>
+          </a:p>
+        </p:txBody>
+      </p:sp>
+    </p:spTree>
+    <p:extLst>
+      <p:ext uri="{BB962C8B-B14F-4D97-AF65-F5344CB8AC3E}">
+        <p14:creationId xmlns:p14="http://schemas.microsoft.com/office/powerpoint/2010/main" val="3649371918"/>
+      </p:ext>
+    </p:extLst>
+  </p:cSld>
+  <p:clrMapOvr>
+    <a:masterClrMapping/>
+  </p:clrMapOvr>
+  <p:timing>
+    <p:tnLst>
+      <p:par>
+        <p:cTn id="1" dur="indefinite" restart="never" nodeType="tmRoot">
+          <p:childTnLst>
+            <p:seq concurrent="1" nextAc="seek">
+              <p:cTn id="2" dur="indefinite" nodeType="mainSeq">
+                <p:childTnLst>
+                  <p:par>
+                    <p:cTn id="3" fill="hold">
+                      <p:stCondLst>
+                        <p:cond delay="indefinite"/>
+                      </p:stCondLst>
+                      <p:childTnLst>
+                        <p:par>
+                          <p:cTn id="4" fill="hold">
+                            <p:stCondLst>
+                              <p:cond delay="0"/>
+                            </p:stCondLst>
+                            <p:childTnLst>
+                              <p:par>
+                                <p:cTn id="5" presetID="10" presetClass="entr" presetSubtype="0" fill="hold" grpId="0" nodeType="clickEffect">
+                                  <p:stCondLst>
+                                    <p:cond delay="0"/>
+                                  </p:stCondLst>
+                                  <p:childTnLst>
+                                    <p:set>
+                                      <p:cBhvr>
+                                        <p:cTn id="6" dur="1" fill="hold">
+                                          <p:stCondLst>
+                                            <p:cond delay="0"/>
+                                          </p:stCondLst>
+                                        </p:cTn>
+                                        <p:tgtEl>
+                                          <p:spTgt spid="7"/>
+                                        </p:tgtEl>
+                                        <p:attrNameLst>
+                                          <p:attrName>style.visibility</p:attrName>
+                                        </p:attrNameLst>
+                                      </p:cBhvr>
+                                      <p:to>
+                                        <p:strVal val="visible"/>
+                                      </p:to>
+                                    </p:set>
+                                    <p:animEffect transition="in" filter="fade">
+                                      <p:cBhvr>
+                                        <p:cTn id="7" dur="500"/>
+                                        <p:tgtEl>
+                                          <p:spTgt spid="7"/>
+                                        </p:tgtEl>
+                                      </p:cBhvr>
+                                    </p:animEffect>
+                                  </p:childTnLst>
+                                </p:cTn>
+                              </p:par>
+                            </p:childTnLst>
+                          </p:cTn>
+                        </p:par>
+                      </p:childTnLst>
+                    </p:cTn>
+                  </p:par>
+                  <p:par>
+                    <p:cTn id="8" fill="hold">
+                      <p:stCondLst>
+                        <p:cond delay="indefinite"/>
+                      </p:stCondLst>
+                      <p:childTnLst>
+                        <p:par>
+                          <p:cTn id="9" fill="hold">
+                            <p:stCondLst>
+                              <p:cond delay="0"/>
+                            </p:stCondLst>
+                            <p:childTnLst>
+                              <p:par>
+                                <p:cTn id="10" presetID="10" presetClass="entr" presetSubtype="0" fill="hold" nodeType="clickEffect">
+                                  <p:stCondLst>
+                                    <p:cond delay="0"/>
+                                  </p:stCondLst>
+                                  <p:childTnLst>
+                                    <p:set>
+                                      <p:cBhvr>
+                                        <p:cTn id="11" dur="1" fill="hold">
+                                          <p:stCondLst>
+                                            <p:cond delay="0"/>
+                                          </p:stCondLst>
+                                        </p:cTn>
+                                        <p:tgtEl>
+                                          <p:spTgt spid="25"/>
+                                        </p:tgtEl>
+                                        <p:attrNameLst>
+                                          <p:attrName>style.visibility</p:attrName>
+                                        </p:attrNameLst>
+                                      </p:cBhvr>
+                                      <p:to>
+                                        <p:strVal val="visible"/>
+                                      </p:to>
+                                    </p:set>
+                                    <p:animEffect transition="in" filter="fade">
+                                      <p:cBhvr>
+                                        <p:cTn id="12" dur="500"/>
+                                        <p:tgtEl>
+                                          <p:spTgt spid="25"/>
+                                        </p:tgtEl>
+                                      </p:cBhvr>
+                                    </p:animEffect>
+                                  </p:childTnLst>
+                                </p:cTn>
+                              </p:par>
+                            </p:childTnLst>
+                          </p:cTn>
+                        </p:par>
+                      </p:childTnLst>
+                    </p:cTn>
+                  </p:par>
+                  <p:par>
+                    <p:cTn id="13" fill="hold">
+                      <p:stCondLst>
+                        <p:cond delay="indefinite"/>
+                      </p:stCondLst>
+                      <p:childTnLst>
+                        <p:par>
+                          <p:cTn id="14" fill="hold">
+                            <p:stCondLst>
+                              <p:cond delay="0"/>
+                            </p:stCondLst>
+                            <p:childTnLst>
+                              <p:par>
+                                <p:cTn id="15" presetID="10" presetClass="entr" presetSubtype="0" fill="hold" nodeType="clickEffect">
+                                  <p:stCondLst>
+                                    <p:cond delay="0"/>
+                                  </p:stCondLst>
+                                  <p:childTnLst>
+                                    <p:set>
+                                      <p:cBhvr>
+                                        <p:cTn id="16" dur="1" fill="hold">
+                                          <p:stCondLst>
+                                            <p:cond delay="0"/>
+                                          </p:stCondLst>
+                                        </p:cTn>
+                                        <p:tgtEl>
+                                          <p:spTgt spid="27"/>
+                                        </p:tgtEl>
+                                        <p:attrNameLst>
+                                          <p:attrName>style.visibility</p:attrName>
+                                        </p:attrNameLst>
+                                      </p:cBhvr>
+                                      <p:to>
+                                        <p:strVal val="visible"/>
+                                      </p:to>
+                                    </p:set>
+                                    <p:animEffect transition="in" filter="fade">
+                                      <p:cBhvr>
+                                        <p:cTn id="17" dur="500"/>
+                                        <p:tgtEl>
+                                          <p:spTgt spid="27"/>
+                                        </p:tgtEl>
+                                      </p:cBhvr>
+                                    </p:animEffect>
+                                  </p:childTnLst>
+                                </p:cTn>
+                              </p:par>
+                            </p:childTnLst>
+                          </p:cTn>
+                        </p:par>
+                      </p:childTnLst>
+                    </p:cTn>
+                  </p:par>
+                  <p:par>
+                    <p:cTn id="18" fill="hold">
+                      <p:stCondLst>
+                        <p:cond delay="indefinite"/>
+                      </p:stCondLst>
+                      <p:childTnLst>
+                        <p:par>
+                          <p:cTn id="19" fill="hold">
+                            <p:stCondLst>
+                              <p:cond delay="0"/>
+                            </p:stCondLst>
+                            <p:childTnLst>
+                              <p:par>
+                                <p:cTn id="20" presetID="10" presetClass="entr" presetSubtype="0" fill="hold" nodeType="clickEffect">
+                                  <p:stCondLst>
+                                    <p:cond delay="0"/>
+                                  </p:stCondLst>
+                                  <p:childTnLst>
+                                    <p:set>
+                                      <p:cBhvr>
+                                        <p:cTn id="21" dur="1" fill="hold">
+                                          <p:stCondLst>
+                                            <p:cond delay="0"/>
+                                          </p:stCondLst>
+                                        </p:cTn>
+                                        <p:tgtEl>
+                                          <p:spTgt spid="28"/>
+                                        </p:tgtEl>
+                                        <p:attrNameLst>
+                                          <p:attrName>style.visibility</p:attrName>
+                                        </p:attrNameLst>
+                                      </p:cBhvr>
+                                      <p:to>
+                                        <p:strVal val="visible"/>
+                                      </p:to>
+                                    </p:set>
+                                    <p:animEffect transition="in" filter="fade">
+                                      <p:cBhvr>
+                                        <p:cTn id="22" dur="500"/>
+                                        <p:tgtEl>
+                                          <p:spTgt spid="28"/>
+                                        </p:tgtEl>
+                                      </p:cBhvr>
+                                    </p:animEffect>
+                                  </p:childTnLst>
+                                </p:cTn>
+                              </p:par>
+                            </p:childTnLst>
+                          </p:cTn>
+                        </p:par>
+                      </p:childTnLst>
+                    </p:cTn>
+                  </p:par>
+                  <p:par>
+                    <p:cTn id="23" fill="hold">
+                      <p:stCondLst>
+                        <p:cond delay="indefinite"/>
+                      </p:stCondLst>
+                      <p:childTnLst>
+                        <p:par>
+                          <p:cTn id="24" fill="hold">
+                            <p:stCondLst>
+                              <p:cond delay="0"/>
+                            </p:stCondLst>
+                            <p:childTnLst>
+                              <p:par>
+                                <p:cTn id="25" presetID="10" presetClass="entr" presetSubtype="0" fill="hold" nodeType="clickEffect">
+                                  <p:stCondLst>
+                                    <p:cond delay="0"/>
+                                  </p:stCondLst>
+                                  <p:childTnLst>
+                                    <p:set>
+                                      <p:cBhvr>
+                                        <p:cTn id="26" dur="1" fill="hold">
+                                          <p:stCondLst>
+                                            <p:cond delay="0"/>
+                                          </p:stCondLst>
+                                        </p:cTn>
+                                        <p:tgtEl>
+                                          <p:spTgt spid="29"/>
+                                        </p:tgtEl>
+                                        <p:attrNameLst>
+                                          <p:attrName>style.visibility</p:attrName>
+                                        </p:attrNameLst>
+                                      </p:cBhvr>
+                                      <p:to>
+                                        <p:strVal val="visible"/>
+                                      </p:to>
+                                    </p:set>
+                                    <p:animEffect transition="in" filter="fade">
+                                      <p:cBhvr>
+                                        <p:cTn id="27" dur="500"/>
+                                        <p:tgtEl>
+                                          <p:spTgt spid="29"/>
+                                        </p:tgtEl>
+                                      </p:cBhvr>
+                                    </p:animEffect>
+                                  </p:childTnLst>
+                                </p:cTn>
+                              </p:par>
+                            </p:childTnLst>
+                          </p:cTn>
+                        </p:par>
+                      </p:childTnLst>
+                    </p:cTn>
+                  </p:par>
+                </p:childTnLst>
+              </p:cTn>
+              <p:prevCondLst>
+                <p:cond evt="onPrev" delay="0">
+                  <p:tgtEl>
+                    <p:sldTgt/>
+                  </p:tgtEl>
+                </p:cond>
+              </p:prevCondLst>
+              <p:nextCondLst>
+                <p:cond evt="onNext" delay="0">
+                  <p:tgtEl>
+                    <p:sldTgt/>
+                  </p:tgtEl>
+                </p:cond>
+              </p:nextCondLst>
+            </p:seq>
+          </p:childTnLst>
+        </p:cTn>
+      </p:par>
+    </p:tnLst>
+    <p:bldLst>
+      <p:bldP spid="7" grpId="0"/>
+    </p:bldLst>
+  </p:timing>
+</p:sld>
+</file>
+
+<file path=ppt/slides/slide21.xml><?xml version="1.0" encoding="utf-8"?>
+<p:sld xmlns:a="http://schemas.openxmlformats.org/drawingml/2006/main" xmlns:r="http://schemas.openxmlformats.org/officeDocument/2006/relationships" xmlns:p="http://schemas.openxmlformats.org/presentationml/2006/main">
+  <p:cSld>
+    <p:bg>
+      <p:bgPr>
+        <a:blipFill dpi="0" rotWithShape="1">
+          <a:blip r:embed="rId3">
+            <a:alphaModFix amt="99000"/>
+            <a:lum/>
+          </a:blip>
+          <a:srcRect/>
+          <a:stretch>
+            <a:fillRect t="89000" r="85000" b="-1000"/>
+          </a:stretch>
+        </a:blipFill>
+        <a:effectLst/>
+      </p:bgPr>
+    </p:bg>
+    <p:spTree>
+      <p:nvGrpSpPr>
+        <p:cNvPr id="1" name=""/>
+        <p:cNvGrpSpPr/>
+        <p:nvPr/>
+      </p:nvGrpSpPr>
+      <p:grpSpPr>
+        <a:xfrm>
+          <a:off x="0" y="0"/>
+          <a:ext cx="0" cy="0"/>
+          <a:chOff x="0" y="0"/>
+          <a:chExt cx="0" cy="0"/>
+        </a:xfrm>
+      </p:grpSpPr>
+      <p:sp>
+        <p:nvSpPr>
+          <p:cNvPr id="4" name="Footer Placeholder 3">
+            <a:extLst>
+              <a:ext uri="{FF2B5EF4-FFF2-40B4-BE49-F238E27FC236}">
+                <a16:creationId xmlns:a16="http://schemas.microsoft.com/office/drawing/2014/main" id="{638E7DE1-45EE-476A-A474-0F3C264AEDA3}"/>
+              </a:ext>
+            </a:extLst>
+          </p:cNvPr>
+          <p:cNvSpPr>
+            <a:spLocks noGrp="1"/>
+          </p:cNvSpPr>
+          <p:nvPr>
+            <p:ph type="ftr" sz="quarter" idx="11"/>
+          </p:nvPr>
+        </p:nvSpPr>
+        <p:spPr>
+          <a:xfrm>
+            <a:off x="0" y="6139541"/>
+            <a:ext cx="12192000" cy="718459"/>
+          </a:xfrm>
+          <a:ln w="28575">
+            <a:solidFill>
+              <a:schemeClr val="accent5">
+                <a:lumMod val="50000"/>
+              </a:schemeClr>
+            </a:solidFill>
+          </a:ln>
+        </p:spPr>
+        <p:txBody>
+          <a:bodyPr/>
+          <a:lstStyle/>
+          <a:p>
+            <a:pPr algn="r"/>
+            <a:r>
+              <a:rPr lang="en-US" b="1" dirty="0">
+                <a:solidFill>
+                  <a:schemeClr val="tx1"/>
+                </a:solidFill>
+              </a:rPr>
+              <a:t>CCADMACL</a:t>
+            </a:r>
+            <a:endParaRPr lang="en-PH" dirty="0"/>
+          </a:p>
+        </p:txBody>
+      </p:sp>
+      <p:sp>
+        <p:nvSpPr>
+          <p:cNvPr id="5" name="Title 1">
+            <a:extLst>
+              <a:ext uri="{FF2B5EF4-FFF2-40B4-BE49-F238E27FC236}">
+                <a16:creationId xmlns:a16="http://schemas.microsoft.com/office/drawing/2014/main" id="{3444037F-B658-D82C-5DCA-53E8AA1493D7}"/>
+              </a:ext>
+            </a:extLst>
+          </p:cNvPr>
+          <p:cNvSpPr txBox="1">
+            <a:spLocks/>
+          </p:cNvSpPr>
+          <p:nvPr/>
+        </p:nvSpPr>
+        <p:spPr>
+          <a:xfrm>
+            <a:off x="459203" y="1035133"/>
+            <a:ext cx="11273589" cy="4290585"/>
+          </a:xfrm>
+          <a:prstGeom prst="rect">
+            <a:avLst/>
+          </a:prstGeom>
+        </p:spPr>
+        <p:txBody>
+          <a:bodyPr vert="horz" lIns="91440" tIns="45720" rIns="91440" bIns="45720" rtlCol="0" anchor="b">
+            <a:normAutofit fontScale="97500"/>
+          </a:bodyPr>
+          <a:lstStyle>
+            <a:lvl1pPr algn="ctr" defTabSz="914400" rtl="0" eaLnBrk="1" latinLnBrk="0" hangingPunct="1">
+              <a:lnSpc>
+                <a:spcPct val="90000"/>
+              </a:lnSpc>
+              <a:spcBef>
+                <a:spcPct val="0"/>
+              </a:spcBef>
+              <a:buNone/>
+              <a:defRPr sz="6000" kern="1200">
+                <a:solidFill>
+                  <a:schemeClr val="tx1"/>
+                </a:solidFill>
+                <a:latin typeface="+mj-lt"/>
+                <a:ea typeface="+mj-ea"/>
+                <a:cs typeface="+mj-cs"/>
+              </a:defRPr>
+            </a:lvl1pPr>
+          </a:lstStyle>
+          <a:p>
+            <a:pPr algn="l"/>
+            <a:endParaRPr lang="en-US" sz="2800" dirty="0">
+              <a:solidFill>
+                <a:srgbClr val="636C8B"/>
+              </a:solidFill>
+              <a:latin typeface="Calibri Light (Headings)"/>
+            </a:endParaRPr>
+          </a:p>
+          <a:p>
+            <a:pPr algn="l"/>
+            <a:endParaRPr lang="en-US" sz="2800" dirty="0">
+              <a:solidFill>
+                <a:srgbClr val="636C8B"/>
+              </a:solidFill>
+              <a:latin typeface="Calibri Light (Headings)"/>
+            </a:endParaRPr>
+          </a:p>
+          <a:p>
+            <a:pPr algn="l"/>
+            <a:endParaRPr lang="en-US" sz="2800" dirty="0">
+              <a:solidFill>
+                <a:srgbClr val="636C8B"/>
+              </a:solidFill>
+              <a:latin typeface="Calibri Light (Headings)"/>
+            </a:endParaRPr>
+          </a:p>
+          <a:p>
+            <a:pPr algn="l"/>
+            <a:endParaRPr lang="en-US" sz="2800" dirty="0">
+              <a:solidFill>
+                <a:srgbClr val="636C8B"/>
+              </a:solidFill>
+              <a:latin typeface="Calibri Light (Headings)"/>
+            </a:endParaRPr>
+          </a:p>
+          <a:p>
+            <a:pPr algn="l"/>
+            <a:endParaRPr lang="en-US" sz="2800" dirty="0">
+              <a:solidFill>
+                <a:srgbClr val="636C8B"/>
+              </a:solidFill>
+              <a:latin typeface="Calibri Light (Headings)"/>
+            </a:endParaRPr>
+          </a:p>
+          <a:p>
+            <a:pPr algn="l"/>
+            <a:endParaRPr lang="en-US" sz="2800" dirty="0">
+              <a:solidFill>
+                <a:srgbClr val="636C8B"/>
+              </a:solidFill>
+              <a:latin typeface="Calibri Light (Headings)"/>
+            </a:endParaRPr>
+          </a:p>
+          <a:p>
+            <a:pPr algn="l"/>
+            <a:endParaRPr lang="en-US" sz="2800" dirty="0">
+              <a:solidFill>
+                <a:srgbClr val="636C8B"/>
+              </a:solidFill>
+              <a:latin typeface="Calibri Light (Headings)"/>
+            </a:endParaRPr>
+          </a:p>
+        </p:txBody>
+      </p:sp>
       <p:sp>
         <p:nvSpPr>
           <p:cNvPr id="30" name="Title 1">
@@ -33178,8 +34480,8 @@
             </p:nvSpPr>
             <p:spPr>
               <a:xfrm>
-                <a:off x="1739897" y="1035133"/>
-                <a:ext cx="8712200" cy="2294987"/>
+                <a:off x="706432" y="1035133"/>
+                <a:ext cx="10450435" cy="3449149"/>
               </a:xfrm>
               <a:prstGeom prst="rect">
                 <a:avLst/>
@@ -33207,6 +34509,7 @@
                 </a:endParaRPr>
               </a:p>
               <a:p>
+                <a:pPr/>
                 <a14:m>
                   <m:oMathPara xmlns:m="http://schemas.openxmlformats.org/officeDocument/2006/math">
                     <m:oMathParaPr>
@@ -33214,14 +34517,54 @@
                     </m:oMathParaPr>
                     <m:oMath xmlns:m="http://schemas.openxmlformats.org/officeDocument/2006/math">
                       <m:r>
-                        <a:rPr lang="en-US" sz="2500" b="1" i="1" smtClean="0">
+                        <a:rPr lang="en-US" sz="2500" b="0" i="1" smtClean="0">
                           <a:solidFill>
                             <a:schemeClr val="tx1"/>
                           </a:solidFill>
                           <a:latin typeface="Cambria Math" panose="02040503050406030204" pitchFamily="18" charset="0"/>
                           <a:ea typeface="Cambria Math" panose="02040503050406030204" pitchFamily="18" charset="0"/>
                         </a:rPr>
-                        <m:t>𝒎𝒊𝒏𝒊𝒎𝒊𝒛𝒆</m:t>
+                        <m:t>𝑝𝑖𝑐𝑘</m:t>
+                      </m:r>
+                      <m:r>
+                        <a:rPr lang="en-US" sz="2500" b="0" i="1" smtClean="0">
+                          <a:solidFill>
+                            <a:schemeClr val="tx1"/>
+                          </a:solidFill>
+                          <a:latin typeface="Cambria Math" panose="02040503050406030204" pitchFamily="18" charset="0"/>
+                          <a:ea typeface="Cambria Math" panose="02040503050406030204" pitchFamily="18" charset="0"/>
+                        </a:rPr>
+                        <m:t> </m:t>
+                      </m:r>
+                      <m:r>
+                        <a:rPr lang="en-US" sz="2500" b="0" i="1" smtClean="0">
+                          <a:solidFill>
+                            <a:schemeClr val="tx1"/>
+                          </a:solidFill>
+                          <a:latin typeface="Cambria Math" panose="02040503050406030204" pitchFamily="18" charset="0"/>
+                          <a:ea typeface="Cambria Math" panose="02040503050406030204" pitchFamily="18" charset="0"/>
+                        </a:rPr>
+                        <m:t>𝑎</m:t>
+                      </m:r>
+                      <m:r>
+                        <a:rPr lang="en-US" sz="2500" b="0" i="1" smtClean="0">
+                          <a:solidFill>
+                            <a:schemeClr val="tx1"/>
+                          </a:solidFill>
+                          <a:latin typeface="Cambria Math" panose="02040503050406030204" pitchFamily="18" charset="0"/>
+                          <a:ea typeface="Cambria Math" panose="02040503050406030204" pitchFamily="18" charset="0"/>
+                        </a:rPr>
+                        <m:t> </m:t>
+                      </m:r>
+                      <m:r>
+                        <a:rPr lang="en-US" sz="2500" b="0" i="1" smtClean="0">
+                          <a:solidFill>
+                            <a:schemeClr val="tx1"/>
+                          </a:solidFill>
+                          <a:latin typeface="Cambria Math" panose="02040503050406030204" pitchFamily="18" charset="0"/>
+                          <a:ea typeface="Cambria Math" panose="02040503050406030204" pitchFamily="18" charset="0"/>
+                        </a:rPr>
+                        <m:t>𝑣𝑒𝑐𝑡𝑜𝑟</m:t>
                       </m:r>
                       <m:r>
                         <a:rPr lang="en-US" sz="2500" b="1" i="1" smtClean="0">
@@ -33233,6 +34576,244 @@
                         </a:rPr>
                         <m:t> </m:t>
                       </m:r>
+                      <m:r>
+                        <a:rPr lang="en-US" sz="2500" b="1" i="1" smtClean="0">
+                          <a:solidFill>
+                            <a:schemeClr val="tx1"/>
+                          </a:solidFill>
+                          <a:latin typeface="Cambria Math" panose="02040503050406030204" pitchFamily="18" charset="0"/>
+                          <a:ea typeface="Cambria Math" panose="02040503050406030204" pitchFamily="18" charset="0"/>
+                        </a:rPr>
+                        <m:t>𝒘</m:t>
+                      </m:r>
+                      <m:r>
+                        <a:rPr lang="en-US" sz="2500" b="1" i="1" smtClean="0">
+                          <a:solidFill>
+                            <a:schemeClr val="tx1"/>
+                          </a:solidFill>
+                          <a:latin typeface="Cambria Math" panose="02040503050406030204" pitchFamily="18" charset="0"/>
+                          <a:ea typeface="Cambria Math" panose="02040503050406030204" pitchFamily="18" charset="0"/>
+                        </a:rPr>
+                        <m:t> </m:t>
+                      </m:r>
+                      <m:r>
+                        <a:rPr lang="en-US" sz="2500" b="0" i="1" smtClean="0">
+                          <a:solidFill>
+                            <a:schemeClr val="tx1"/>
+                          </a:solidFill>
+                          <a:latin typeface="Cambria Math" panose="02040503050406030204" pitchFamily="18" charset="0"/>
+                          <a:ea typeface="Cambria Math" panose="02040503050406030204" pitchFamily="18" charset="0"/>
+                        </a:rPr>
+                        <m:t>𝑎𝑛𝑑</m:t>
+                      </m:r>
+                      <m:r>
+                        <a:rPr lang="en-US" sz="2500" b="0" i="1" smtClean="0">
+                          <a:solidFill>
+                            <a:schemeClr val="tx1"/>
+                          </a:solidFill>
+                          <a:latin typeface="Cambria Math" panose="02040503050406030204" pitchFamily="18" charset="0"/>
+                          <a:ea typeface="Cambria Math" panose="02040503050406030204" pitchFamily="18" charset="0"/>
+                        </a:rPr>
+                        <m:t> </m:t>
+                      </m:r>
+                      <m:r>
+                        <a:rPr lang="en-US" sz="2500" b="0" i="1" smtClean="0">
+                          <a:solidFill>
+                            <a:schemeClr val="tx1"/>
+                          </a:solidFill>
+                          <a:latin typeface="Cambria Math" panose="02040503050406030204" pitchFamily="18" charset="0"/>
+                          <a:ea typeface="Cambria Math" panose="02040503050406030204" pitchFamily="18" charset="0"/>
+                        </a:rPr>
+                        <m:t>𝑖𝑛𝑡𝑒𝑟𝑐𝑒𝑝𝑡</m:t>
+                      </m:r>
+                      <m:r>
+                        <a:rPr lang="en-US" sz="2500" b="1" i="1" smtClean="0">
+                          <a:solidFill>
+                            <a:schemeClr val="tx1"/>
+                          </a:solidFill>
+                          <a:latin typeface="Cambria Math" panose="02040503050406030204" pitchFamily="18" charset="0"/>
+                          <a:ea typeface="Cambria Math" panose="02040503050406030204" pitchFamily="18" charset="0"/>
+                        </a:rPr>
+                        <m:t> </m:t>
+                      </m:r>
+                      <m:r>
+                        <a:rPr lang="en-US" sz="2500" b="1" i="1" smtClean="0">
+                          <a:solidFill>
+                            <a:schemeClr val="tx1"/>
+                          </a:solidFill>
+                          <a:latin typeface="Cambria Math" panose="02040503050406030204" pitchFamily="18" charset="0"/>
+                          <a:ea typeface="Cambria Math" panose="02040503050406030204" pitchFamily="18" charset="0"/>
+                        </a:rPr>
+                        <m:t>𝒃</m:t>
+                      </m:r>
+                      <m:r>
+                        <a:rPr lang="en-US" sz="2500" b="1" i="1" smtClean="0">
+                          <a:solidFill>
+                            <a:schemeClr val="tx1"/>
+                          </a:solidFill>
+                          <a:latin typeface="Cambria Math" panose="02040503050406030204" pitchFamily="18" charset="0"/>
+                          <a:ea typeface="Cambria Math" panose="02040503050406030204" pitchFamily="18" charset="0"/>
+                        </a:rPr>
+                        <m:t> </m:t>
+                      </m:r>
+                      <m:r>
+                        <a:rPr lang="en-US" sz="2500" b="0" i="1" smtClean="0">
+                          <a:solidFill>
+                            <a:schemeClr val="tx1"/>
+                          </a:solidFill>
+                          <a:latin typeface="Cambria Math" panose="02040503050406030204" pitchFamily="18" charset="0"/>
+                          <a:ea typeface="Cambria Math" panose="02040503050406030204" pitchFamily="18" charset="0"/>
+                        </a:rPr>
+                        <m:t>𝑠𝑢𝑐h</m:t>
+                      </m:r>
+                      <m:r>
+                        <a:rPr lang="en-US" sz="2500" b="0" i="1" smtClean="0">
+                          <a:solidFill>
+                            <a:schemeClr val="tx1"/>
+                          </a:solidFill>
+                          <a:latin typeface="Cambria Math" panose="02040503050406030204" pitchFamily="18" charset="0"/>
+                          <a:ea typeface="Cambria Math" panose="02040503050406030204" pitchFamily="18" charset="0"/>
+                        </a:rPr>
+                        <m:t> </m:t>
+                      </m:r>
+                      <m:r>
+                        <a:rPr lang="en-US" sz="2500" b="0" i="1" smtClean="0">
+                          <a:solidFill>
+                            <a:schemeClr val="tx1"/>
+                          </a:solidFill>
+                          <a:latin typeface="Cambria Math" panose="02040503050406030204" pitchFamily="18" charset="0"/>
+                          <a:ea typeface="Cambria Math" panose="02040503050406030204" pitchFamily="18" charset="0"/>
+                        </a:rPr>
+                        <m:t>𝑡h𝑎𝑡</m:t>
+                      </m:r>
+                      <m:r>
+                        <a:rPr lang="en-US" sz="2500" b="0" i="1" smtClean="0">
+                          <a:solidFill>
+                            <a:schemeClr val="tx1"/>
+                          </a:solidFill>
+                          <a:latin typeface="Cambria Math" panose="02040503050406030204" pitchFamily="18" charset="0"/>
+                          <a:ea typeface="Cambria Math" panose="02040503050406030204" pitchFamily="18" charset="0"/>
+                        </a:rPr>
+                        <m:t> </m:t>
+                      </m:r>
+                      <m:r>
+                        <a:rPr lang="en-US" sz="2500" b="0" i="1" smtClean="0">
+                          <a:solidFill>
+                            <a:schemeClr val="tx1"/>
+                          </a:solidFill>
+                          <a:latin typeface="Cambria Math" panose="02040503050406030204" pitchFamily="18" charset="0"/>
+                          <a:ea typeface="Cambria Math" panose="02040503050406030204" pitchFamily="18" charset="0"/>
+                        </a:rPr>
+                        <m:t>𝑡h𝑒</m:t>
+                      </m:r>
+                      <m:r>
+                        <a:rPr lang="en-US" sz="2500" b="0" i="1" smtClean="0">
+                          <a:solidFill>
+                            <a:schemeClr val="tx1"/>
+                          </a:solidFill>
+                          <a:latin typeface="Cambria Math" panose="02040503050406030204" pitchFamily="18" charset="0"/>
+                          <a:ea typeface="Cambria Math" panose="02040503050406030204" pitchFamily="18" charset="0"/>
+                        </a:rPr>
+                        <m:t> </m:t>
+                      </m:r>
+                      <m:r>
+                        <a:rPr lang="en-US" sz="2500" b="1" i="1" smtClean="0">
+                          <a:solidFill>
+                            <a:schemeClr val="tx1"/>
+                          </a:solidFill>
+                          <a:latin typeface="Cambria Math" panose="02040503050406030204" pitchFamily="18" charset="0"/>
+                          <a:ea typeface="Cambria Math" panose="02040503050406030204" pitchFamily="18" charset="0"/>
+                        </a:rPr>
+                        <m:t>𝒂𝒗𝒆𝒓𝒂𝒈𝒆</m:t>
+                      </m:r>
+                      <m:r>
+                        <a:rPr lang="en-US" sz="2500" b="1" i="1" smtClean="0">
+                          <a:solidFill>
+                            <a:schemeClr val="tx1"/>
+                          </a:solidFill>
+                          <a:latin typeface="Cambria Math" panose="02040503050406030204" pitchFamily="18" charset="0"/>
+                          <a:ea typeface="Cambria Math" panose="02040503050406030204" pitchFamily="18" charset="0"/>
+                        </a:rPr>
+                        <m:t> </m:t>
+                      </m:r>
+                      <m:r>
+                        <a:rPr lang="en-US" sz="2500" b="1" i="1" smtClean="0">
+                          <a:solidFill>
+                            <a:schemeClr val="tx1"/>
+                          </a:solidFill>
+                          <a:latin typeface="Cambria Math" panose="02040503050406030204" pitchFamily="18" charset="0"/>
+                          <a:ea typeface="Cambria Math" panose="02040503050406030204" pitchFamily="18" charset="0"/>
+                        </a:rPr>
+                        <m:t>𝒉𝒊𝒏𝒈𝒆</m:t>
+                      </m:r>
+                      <m:r>
+                        <a:rPr lang="en-US" sz="2500" b="1" i="1" smtClean="0">
+                          <a:solidFill>
+                            <a:schemeClr val="tx1"/>
+                          </a:solidFill>
+                          <a:latin typeface="Cambria Math" panose="02040503050406030204" pitchFamily="18" charset="0"/>
+                          <a:ea typeface="Cambria Math" panose="02040503050406030204" pitchFamily="18" charset="0"/>
+                        </a:rPr>
+                        <m:t> </m:t>
+                      </m:r>
+                      <m:r>
+                        <a:rPr lang="en-US" sz="2500" b="1" i="1" smtClean="0">
+                          <a:solidFill>
+                            <a:schemeClr val="tx1"/>
+                          </a:solidFill>
+                          <a:latin typeface="Cambria Math" panose="02040503050406030204" pitchFamily="18" charset="0"/>
+                          <a:ea typeface="Cambria Math" panose="02040503050406030204" pitchFamily="18" charset="0"/>
+                        </a:rPr>
+                        <m:t>𝒍𝒐𝒔𝒔</m:t>
+                      </m:r>
+                    </m:oMath>
+                  </m:oMathPara>
+                </a14:m>
+                <a:endParaRPr lang="en-US" sz="2500" b="1" i="1" dirty="0">
+                  <a:solidFill>
+                    <a:schemeClr val="tx1"/>
+                  </a:solidFill>
+                  <a:latin typeface="Cambria Math" panose="02040503050406030204" pitchFamily="18" charset="0"/>
+                  <a:ea typeface="Cambria Math" panose="02040503050406030204" pitchFamily="18" charset="0"/>
+                </a:endParaRPr>
+              </a:p>
+              <a:p>
+                <a:pPr/>
+                <a14:m>
+                  <m:oMathPara xmlns:m="http://schemas.openxmlformats.org/officeDocument/2006/math">
+                    <m:oMathParaPr>
+                      <m:jc m:val="centerGroup"/>
+                    </m:oMathParaPr>
+                    <m:oMath xmlns:m="http://schemas.openxmlformats.org/officeDocument/2006/math">
+                      <m:r>
+                        <a:rPr lang="en-US" sz="2500" b="0" i="1" smtClean="0">
+                          <a:solidFill>
+                            <a:schemeClr val="tx1"/>
+                          </a:solidFill>
+                          <a:latin typeface="Cambria Math" panose="02040503050406030204" pitchFamily="18" charset="0"/>
+                          <a:ea typeface="Cambria Math" panose="02040503050406030204" pitchFamily="18" charset="0"/>
+                        </a:rPr>
+                        <m:t> </m:t>
+                      </m:r>
+                    </m:oMath>
+                  </m:oMathPara>
+                </a14:m>
+                <a:endParaRPr lang="en-US" sz="2500" b="0" i="1" dirty="0">
+                  <a:solidFill>
+                    <a:schemeClr val="tx1"/>
+                  </a:solidFill>
+                  <a:latin typeface="Cambria Math" panose="02040503050406030204" pitchFamily="18" charset="0"/>
+                  <a:ea typeface="Cambria Math" panose="02040503050406030204" pitchFamily="18" charset="0"/>
+                </a:endParaRPr>
+              </a:p>
+              <a:p>
+                <a:pPr/>
+                <a14:m>
+                  <m:oMathPara xmlns:m="http://schemas.openxmlformats.org/officeDocument/2006/math">
+                    <m:oMathParaPr>
+                      <m:jc m:val="centerGroup"/>
+                    </m:oMathParaPr>
+                    <m:oMath xmlns:m="http://schemas.openxmlformats.org/officeDocument/2006/math">
                       <m:f>
                         <m:fPr>
                           <m:ctrlPr>
@@ -33622,7 +35203,7 @@
                     </m:oMath>
                   </m:oMathPara>
                 </a14:m>
-                <a:endParaRPr lang="en-PH" sz="2500" b="1" dirty="0">
+                <a:endParaRPr lang="en-US" sz="2500" b="1" i="1" dirty="0">
                   <a:solidFill>
                     <a:schemeClr val="tx1"/>
                   </a:solidFill>
@@ -33631,6 +35212,136 @@
                 </a:endParaRPr>
               </a:p>
               <a:p>
+                <a:pPr/>
+                <a:endParaRPr lang="en-US" sz="2500" b="1" i="1" dirty="0">
+                  <a:solidFill>
+                    <a:srgbClr val="0070C0"/>
+                  </a:solidFill>
+                  <a:latin typeface="Cambria Math" panose="02040503050406030204" pitchFamily="18" charset="0"/>
+                  <a:ea typeface="Cambria Math" panose="02040503050406030204" pitchFamily="18" charset="0"/>
+                </a:endParaRPr>
+              </a:p>
+              <a:p>
+                <a:pPr/>
+                <a14:m>
+                  <m:oMathPara xmlns:m="http://schemas.openxmlformats.org/officeDocument/2006/math">
+                    <m:oMathParaPr>
+                      <m:jc m:val="centerGroup"/>
+                    </m:oMathParaPr>
+                    <m:oMath xmlns:m="http://schemas.openxmlformats.org/officeDocument/2006/math">
+                      <m:r>
+                        <a:rPr lang="en-US" sz="2500" b="1" i="1" smtClean="0">
+                          <a:solidFill>
+                            <a:schemeClr val="tx1"/>
+                          </a:solidFill>
+                          <a:latin typeface="Cambria Math" panose="02040503050406030204" pitchFamily="18" charset="0"/>
+                          <a:ea typeface="Cambria Math" panose="02040503050406030204" pitchFamily="18" charset="0"/>
+                        </a:rPr>
+                        <m:t>𝒊𝒔</m:t>
+                      </m:r>
+                      <m:r>
+                        <a:rPr lang="en-US" sz="2500" b="1" i="1" smtClean="0">
+                          <a:solidFill>
+                            <a:schemeClr val="tx1"/>
+                          </a:solidFill>
+                          <a:latin typeface="Cambria Math" panose="02040503050406030204" pitchFamily="18" charset="0"/>
+                          <a:ea typeface="Cambria Math" panose="02040503050406030204" pitchFamily="18" charset="0"/>
+                        </a:rPr>
+                        <m:t> </m:t>
+                      </m:r>
+                      <m:r>
+                        <a:rPr lang="en-US" sz="2500" b="1" i="1" smtClean="0">
+                          <a:solidFill>
+                            <a:schemeClr val="tx1"/>
+                          </a:solidFill>
+                          <a:latin typeface="Cambria Math" panose="02040503050406030204" pitchFamily="18" charset="0"/>
+                          <a:ea typeface="Cambria Math" panose="02040503050406030204" pitchFamily="18" charset="0"/>
+                        </a:rPr>
+                        <m:t>𝒎𝒊𝒏𝒊𝒎𝒊𝒛𝒆𝒅</m:t>
+                      </m:r>
+                      <m:r>
+                        <a:rPr lang="en-US" sz="2500" b="1" i="1" smtClean="0">
+                          <a:solidFill>
+                            <a:schemeClr val="tx1"/>
+                          </a:solidFill>
+                          <a:latin typeface="Cambria Math" panose="02040503050406030204" pitchFamily="18" charset="0"/>
+                          <a:ea typeface="Cambria Math" panose="02040503050406030204" pitchFamily="18" charset="0"/>
+                        </a:rPr>
+                        <m:t> </m:t>
+                      </m:r>
+                      <m:r>
+                        <a:rPr lang="en-US" sz="2500" b="0" i="1" smtClean="0">
+                          <a:solidFill>
+                            <a:schemeClr val="tx1"/>
+                          </a:solidFill>
+                          <a:latin typeface="Cambria Math" panose="02040503050406030204" pitchFamily="18" charset="0"/>
+                          <a:ea typeface="Cambria Math" panose="02040503050406030204" pitchFamily="18" charset="0"/>
+                        </a:rPr>
+                        <m:t>𝑤h𝑖𝑙𝑒</m:t>
+                      </m:r>
+                      <m:r>
+                        <a:rPr lang="en-US" sz="2500" b="0" i="1" smtClean="0">
+                          <a:solidFill>
+                            <a:schemeClr val="tx1"/>
+                          </a:solidFill>
+                          <a:latin typeface="Cambria Math" panose="02040503050406030204" pitchFamily="18" charset="0"/>
+                          <a:ea typeface="Cambria Math" panose="02040503050406030204" pitchFamily="18" charset="0"/>
+                        </a:rPr>
+                        <m:t> </m:t>
+                      </m:r>
+                      <m:r>
+                        <a:rPr lang="en-US" sz="2500" b="0" i="1" smtClean="0">
+                          <a:solidFill>
+                            <a:schemeClr val="tx1"/>
+                          </a:solidFill>
+                          <a:latin typeface="Cambria Math" panose="02040503050406030204" pitchFamily="18" charset="0"/>
+                          <a:ea typeface="Cambria Math" panose="02040503050406030204" pitchFamily="18" charset="0"/>
+                        </a:rPr>
+                        <m:t>𝑚𝑎𝑥𝑖𝑚𝑖𝑛𝑔</m:t>
+                      </m:r>
+                      <m:r>
+                        <a:rPr lang="en-US" sz="2500" b="0" i="1" smtClean="0">
+                          <a:solidFill>
+                            <a:schemeClr val="tx1"/>
+                          </a:solidFill>
+                          <a:latin typeface="Cambria Math" panose="02040503050406030204" pitchFamily="18" charset="0"/>
+                          <a:ea typeface="Cambria Math" panose="02040503050406030204" pitchFamily="18" charset="0"/>
+                        </a:rPr>
+                        <m:t> </m:t>
+                      </m:r>
+                      <m:r>
+                        <a:rPr lang="en-US" sz="2500" b="0" i="1" smtClean="0">
+                          <a:solidFill>
+                            <a:schemeClr val="tx1"/>
+                          </a:solidFill>
+                          <a:latin typeface="Cambria Math" panose="02040503050406030204" pitchFamily="18" charset="0"/>
+                          <a:ea typeface="Cambria Math" panose="02040503050406030204" pitchFamily="18" charset="0"/>
+                        </a:rPr>
+                        <m:t>𝑡h𝑒</m:t>
+                      </m:r>
+                      <m:r>
+                        <a:rPr lang="en-US" sz="2500" b="0" i="1" smtClean="0">
+                          <a:solidFill>
+                            <a:schemeClr val="tx1"/>
+                          </a:solidFill>
+                          <a:latin typeface="Cambria Math" panose="02040503050406030204" pitchFamily="18" charset="0"/>
+                          <a:ea typeface="Cambria Math" panose="02040503050406030204" pitchFamily="18" charset="0"/>
+                        </a:rPr>
+                        <m:t> </m:t>
+                      </m:r>
+                      <m:r>
+                        <a:rPr lang="en-US" sz="2500" b="1" i="1" smtClean="0">
+                          <a:solidFill>
+                            <a:schemeClr val="tx1"/>
+                          </a:solidFill>
+                          <a:latin typeface="Cambria Math" panose="02040503050406030204" pitchFamily="18" charset="0"/>
+                          <a:ea typeface="Cambria Math" panose="02040503050406030204" pitchFamily="18" charset="0"/>
+                        </a:rPr>
+                        <m:t>𝒎𝒂𝒓𝒈𝒊𝒏</m:t>
+                      </m:r>
+                    </m:oMath>
+                  </m:oMathPara>
+                </a14:m>
                 <a:endParaRPr lang="en-PH" sz="2500" b="1" dirty="0">
                   <a:solidFill>
                     <a:schemeClr val="tx1"/>
@@ -33659,8 +35370,8 @@
             </p:nvSpPr>
             <p:spPr>
               <a:xfrm>
-                <a:off x="1739897" y="1035133"/>
-                <a:ext cx="8712200" cy="2294987"/>
+                <a:off x="706432" y="1035133"/>
+                <a:ext cx="10450435" cy="3449149"/>
               </a:xfrm>
               <a:prstGeom prst="rect">
                 <a:avLst/>
@@ -33703,7 +35414,7 @@
             </p:nvSpPr>
             <p:spPr>
               <a:xfrm>
-                <a:off x="706433" y="3527881"/>
+                <a:off x="789560" y="4667913"/>
                 <a:ext cx="10779127" cy="830997"/>
               </a:xfrm>
               <a:prstGeom prst="rect">
@@ -33717,12 +35428,28 @@
               </a:bodyPr>
               <a:lstStyle/>
               <a:p>
-                <a:r>
-                  <a:rPr lang="en-US" sz="2400" dirty="0"/>
-                  <a:t>Where </a:t>
-                </a:r>
                 <a14:m>
                   <m:oMath xmlns:m="http://schemas.openxmlformats.org/officeDocument/2006/math">
+                    <m:r>
+                      <a:rPr lang="en-US" sz="2400" b="0" i="1" smtClean="0">
+                        <a:solidFill>
+                          <a:schemeClr val="tx1"/>
+                        </a:solidFill>
+                        <a:latin typeface="Cambria Math" panose="02040503050406030204" pitchFamily="18" charset="0"/>
+                        <a:ea typeface="Cambria Math" panose="02040503050406030204" pitchFamily="18" charset="0"/>
+                      </a:rPr>
+                      <m:t>𝐿𝑎𝑚𝑏𝑑𝑎</m:t>
+                    </m:r>
+                    <m:r>
+                      <a:rPr lang="en-US" sz="2400" b="1" i="1" smtClean="0">
+                        <a:solidFill>
+                          <a:srgbClr val="00B0F0"/>
+                        </a:solidFill>
+                        <a:latin typeface="Cambria Math" panose="02040503050406030204" pitchFamily="18" charset="0"/>
+                        <a:ea typeface="Cambria Math" panose="02040503050406030204" pitchFamily="18" charset="0"/>
+                      </a:rPr>
+                      <m:t> (</m:t>
+                    </m:r>
                     <m:r>
                       <a:rPr lang="en-US" sz="2400" b="1" i="1" smtClean="0">
                         <a:solidFill>
@@ -33732,6 +35459,16 @@
                         <a:ea typeface="Cambria Math" panose="02040503050406030204" pitchFamily="18" charset="0"/>
                       </a:rPr>
                       <m:t>𝝀</m:t>
+                    </m:r>
+                    <m:r>
+                      <a:rPr lang="en-US" sz="2400" b="1" i="1" smtClean="0">
+                        <a:solidFill>
+                          <a:srgbClr val="00B0F0"/>
+                        </a:solidFill>
+                        <a:latin typeface="Cambria Math" panose="02040503050406030204" pitchFamily="18" charset="0"/>
+                        <a:ea typeface="Cambria Math" panose="02040503050406030204" pitchFamily="18" charset="0"/>
+                      </a:rPr>
+                      <m:t>)</m:t>
                     </m:r>
                   </m:oMath>
                 </a14:m>
@@ -33815,7 +35552,7 @@
             </p:nvSpPr>
             <p:spPr>
               <a:xfrm>
-                <a:off x="706433" y="3527881"/>
+                <a:off x="789560" y="4667913"/>
                 <a:ext cx="10779127" cy="830997"/>
               </a:xfrm>
               <a:prstGeom prst="rect">
@@ -34773,8 +36510,8 @@
           </a:p>
         </p:txBody>
       </p:sp>
-      <mc:AlternateContent xmlns:mc="http://schemas.openxmlformats.org/markup-compatibility/2006">
-        <mc:Choice xmlns:a14="http://schemas.microsoft.com/office/drawing/2010/main" Requires="a14">
+      <mc:AlternateContent xmlns:mc="http://schemas.openxmlformats.org/markup-compatibility/2006" xmlns:a14="http://schemas.microsoft.com/office/drawing/2010/main">
+        <mc:Choice Requires="a14">
           <p:graphicFrame>
             <p:nvGraphicFramePr>
               <p:cNvPr id="3" name="Table 5">
@@ -36097,7 +37834,7 @@
             </a:graphic>
           </p:graphicFrame>
         </mc:Choice>
-        <mc:Fallback>
+        <mc:Fallback xmlns="">
           <p:graphicFrame>
             <p:nvGraphicFramePr>
               <p:cNvPr id="3" name="Table 5">
@@ -43012,18 +44749,18 @@
 </file>
 
 <file path=customXml/item2.xml><?xml version="1.0" encoding="utf-8"?>
-<p:properties xmlns:p="http://schemas.microsoft.com/office/2006/metadata/properties" xmlns:xsi="http://www.w3.org/2001/XMLSchema-instance" xmlns:pc="http://schemas.microsoft.com/office/infopath/2007/PartnerControls">
-  <documentManagement/>
-</p:properties>
-</file>
-
-<file path=customXml/item3.xml><?xml version="1.0" encoding="utf-8"?>
 <?mso-contentType ?>
 <FormTemplates xmlns="http://schemas.microsoft.com/sharepoint/v3/contenttype/forms">
   <Display>DocumentLibraryForm</Display>
   <Edit>DocumentLibraryForm</Edit>
   <New>DocumentLibraryForm</New>
 </FormTemplates>
+</file>
+
+<file path=customXml/item3.xml><?xml version="1.0" encoding="utf-8"?>
+<p:properties xmlns:p="http://schemas.microsoft.com/office/2006/metadata/properties" xmlns:xsi="http://www.w3.org/2001/XMLSchema-instance" xmlns:pc="http://schemas.microsoft.com/office/infopath/2007/PartnerControls">
+  <documentManagement/>
+</p:properties>
 </file>
 
 <file path=customXml/itemProps1.xml><?xml version="1.0" encoding="utf-8"?>
@@ -43045,18 +44782,18 @@
 </file>
 
 <file path=customXml/itemProps2.xml><?xml version="1.0" encoding="utf-8"?>
+<ds:datastoreItem xmlns:ds="http://schemas.openxmlformats.org/officeDocument/2006/customXml" ds:itemID="{6C1A3F1B-CE3A-47AB-9F84-47E786467973}">
+  <ds:schemaRefs>
+    <ds:schemaRef ds:uri="http://schemas.microsoft.com/sharepoint/v3/contenttype/forms"/>
+  </ds:schemaRefs>
+</ds:datastoreItem>
+</file>
+
+<file path=customXml/itemProps3.xml><?xml version="1.0" encoding="utf-8"?>
 <ds:datastoreItem xmlns:ds="http://schemas.openxmlformats.org/officeDocument/2006/customXml" ds:itemID="{7ACF14CA-9E7F-410C-99DF-E0FAFDE78C11}">
   <ds:schemaRefs>
     <ds:schemaRef ds:uri="http://schemas.microsoft.com/office/2006/metadata/properties"/>
     <ds:schemaRef ds:uri="http://schemas.microsoft.com/office/infopath/2007/PartnerControls"/>
   </ds:schemaRefs>
 </ds:datastoreItem>
-</file>
-
-<file path=customXml/itemProps3.xml><?xml version="1.0" encoding="utf-8"?>
-<ds:datastoreItem xmlns:ds="http://schemas.openxmlformats.org/officeDocument/2006/customXml" ds:itemID="{6C1A3F1B-CE3A-47AB-9F84-47E786467973}">
-  <ds:schemaRefs>
-    <ds:schemaRef ds:uri="http://schemas.microsoft.com/sharepoint/v3/contenttype/forms"/>
-  </ds:schemaRefs>
-</ds:datastoreItem>
 </file>
--- a/2 - Generative versus Discriminative/Support Vector Machine - Math.pptx
+++ b/2 - Generative versus Discriminative/Support Vector Machine - Math.pptx
@@ -13386,7 +13386,7 @@
           <a:p>
             <a:fld id="{F666E1FD-E7A0-497B-BBC0-740BAAC97C64}" type="datetimeFigureOut">
               <a:rPr lang="en-PH" smtClean="0"/>
-              <a:t>09/01/2024</a:t>
+              <a:t>1/11/24</a:t>
             </a:fld>
             <a:endParaRPr lang="en-PH"/>
           </a:p>
@@ -15567,7 +15567,7 @@
           <a:p>
             <a:fld id="{0CCF0B81-6BD8-4C65-9459-815598C5F1F4}" type="datetimeFigureOut">
               <a:rPr lang="en-PH" smtClean="0"/>
-              <a:t>09/01/2024</a:t>
+              <a:t>1/11/24</a:t>
             </a:fld>
             <a:endParaRPr lang="en-PH"/>
           </a:p>
@@ -15767,7 +15767,7 @@
           <a:p>
             <a:fld id="{0CCF0B81-6BD8-4C65-9459-815598C5F1F4}" type="datetimeFigureOut">
               <a:rPr lang="en-PH" smtClean="0"/>
-              <a:t>09/01/2024</a:t>
+              <a:t>1/11/24</a:t>
             </a:fld>
             <a:endParaRPr lang="en-PH"/>
           </a:p>
@@ -15977,7 +15977,7 @@
           <a:p>
             <a:fld id="{0CCF0B81-6BD8-4C65-9459-815598C5F1F4}" type="datetimeFigureOut">
               <a:rPr lang="en-PH" smtClean="0"/>
-              <a:t>09/01/2024</a:t>
+              <a:t>1/11/24</a:t>
             </a:fld>
             <a:endParaRPr lang="en-PH"/>
           </a:p>
@@ -16177,7 +16177,7 @@
           <a:p>
             <a:fld id="{0CCF0B81-6BD8-4C65-9459-815598C5F1F4}" type="datetimeFigureOut">
               <a:rPr lang="en-PH" smtClean="0"/>
-              <a:t>09/01/2024</a:t>
+              <a:t>1/11/24</a:t>
             </a:fld>
             <a:endParaRPr lang="en-PH"/>
           </a:p>
@@ -16453,7 +16453,7 @@
           <a:p>
             <a:fld id="{0CCF0B81-6BD8-4C65-9459-815598C5F1F4}" type="datetimeFigureOut">
               <a:rPr lang="en-PH" smtClean="0"/>
-              <a:t>09/01/2024</a:t>
+              <a:t>1/11/24</a:t>
             </a:fld>
             <a:endParaRPr lang="en-PH"/>
           </a:p>
@@ -16721,7 +16721,7 @@
           <a:p>
             <a:fld id="{0CCF0B81-6BD8-4C65-9459-815598C5F1F4}" type="datetimeFigureOut">
               <a:rPr lang="en-PH" smtClean="0"/>
-              <a:t>09/01/2024</a:t>
+              <a:t>1/11/24</a:t>
             </a:fld>
             <a:endParaRPr lang="en-PH"/>
           </a:p>
@@ -17136,7 +17136,7 @@
           <a:p>
             <a:fld id="{0CCF0B81-6BD8-4C65-9459-815598C5F1F4}" type="datetimeFigureOut">
               <a:rPr lang="en-PH" smtClean="0"/>
-              <a:t>09/01/2024</a:t>
+              <a:t>1/11/24</a:t>
             </a:fld>
             <a:endParaRPr lang="en-PH"/>
           </a:p>
@@ -17278,7 +17278,7 @@
           <a:p>
             <a:fld id="{0CCF0B81-6BD8-4C65-9459-815598C5F1F4}" type="datetimeFigureOut">
               <a:rPr lang="en-PH" smtClean="0"/>
-              <a:t>09/01/2024</a:t>
+              <a:t>1/11/24</a:t>
             </a:fld>
             <a:endParaRPr lang="en-PH"/>
           </a:p>
@@ -17391,7 +17391,7 @@
           <a:p>
             <a:fld id="{0CCF0B81-6BD8-4C65-9459-815598C5F1F4}" type="datetimeFigureOut">
               <a:rPr lang="en-PH" smtClean="0"/>
-              <a:t>09/01/2024</a:t>
+              <a:t>1/11/24</a:t>
             </a:fld>
             <a:endParaRPr lang="en-PH"/>
           </a:p>
@@ -17704,7 +17704,7 @@
           <a:p>
             <a:fld id="{0CCF0B81-6BD8-4C65-9459-815598C5F1F4}" type="datetimeFigureOut">
               <a:rPr lang="en-PH" smtClean="0"/>
-              <a:t>09/01/2024</a:t>
+              <a:t>1/11/24</a:t>
             </a:fld>
             <a:endParaRPr lang="en-PH"/>
           </a:p>
@@ -17993,7 +17993,7 @@
           <a:p>
             <a:fld id="{0CCF0B81-6BD8-4C65-9459-815598C5F1F4}" type="datetimeFigureOut">
               <a:rPr lang="en-PH" smtClean="0"/>
-              <a:t>09/01/2024</a:t>
+              <a:t>1/11/24</a:t>
             </a:fld>
             <a:endParaRPr lang="en-PH"/>
           </a:p>
@@ -18236,7 +18236,7 @@
           <a:p>
             <a:fld id="{0CCF0B81-6BD8-4C65-9459-815598C5F1F4}" type="datetimeFigureOut">
               <a:rPr lang="en-PH" smtClean="0"/>
-              <a:t>09/01/2024</a:t>
+              <a:t>1/11/24</a:t>
             </a:fld>
             <a:endParaRPr lang="en-PH"/>
           </a:p>
@@ -22545,8 +22545,8 @@
           </a:fontRef>
         </p:style>
       </p:cxnSp>
-      <mc:AlternateContent xmlns:mc="http://schemas.openxmlformats.org/markup-compatibility/2006">
-        <mc:Choice xmlns:a14="http://schemas.microsoft.com/office/drawing/2010/main" Requires="a14">
+      <mc:AlternateContent xmlns:mc="http://schemas.openxmlformats.org/markup-compatibility/2006" xmlns:a14="http://schemas.microsoft.com/office/drawing/2010/main">
+        <mc:Choice Requires="a14">
           <p:sp>
             <p:nvSpPr>
               <p:cNvPr id="2" name="TextBox 1">
@@ -22581,6 +22581,7 @@
                 </a:r>
               </a:p>
               <a:p>
+                <a:pPr/>
                 <a14:m>
                   <m:oMathPara xmlns:m="http://schemas.openxmlformats.org/officeDocument/2006/math">
                     <m:oMathParaPr>
@@ -22659,7 +22660,7 @@
                           <a:latin typeface="Cambria Math" panose="02040503050406030204" pitchFamily="18" charset="0"/>
                           <a:ea typeface="Cambria Math" panose="02040503050406030204" pitchFamily="18" charset="0"/>
                         </a:rPr>
-                        <m:t> - </m:t>
+                        <m:t> − </m:t>
                       </m:r>
                       <m:r>
                         <m:rPr>
@@ -22762,6 +22763,7 @@
                 </a:endParaRPr>
               </a:p>
               <a:p>
+                <a:pPr/>
                 <a14:m>
                   <m:oMathPara xmlns:m="http://schemas.openxmlformats.org/officeDocument/2006/math">
                     <m:oMathParaPr>
@@ -22840,7 +22842,7 @@
                           <a:latin typeface="Cambria Math" panose="02040503050406030204" pitchFamily="18" charset="0"/>
                           <a:ea typeface="Cambria Math" panose="02040503050406030204" pitchFamily="18" charset="0"/>
                         </a:rPr>
-                        <m:t> - </m:t>
+                        <m:t> − </m:t>
                       </m:r>
                       <m:r>
                         <m:rPr>
@@ -22860,7 +22862,7 @@
                           <a:latin typeface="Cambria Math" panose="02040503050406030204" pitchFamily="18" charset="0"/>
                           <a:ea typeface="Cambria Math" panose="02040503050406030204" pitchFamily="18" charset="0"/>
                         </a:rPr>
-                        <m:t> ≤ -1, </m:t>
+                        <m:t> ≤ −1, </m:t>
                       </m:r>
                       <m:r>
                         <a:rPr lang="en-US" b="1" i="1" dirty="0" smtClean="0">
@@ -22923,7 +22925,7 @@
                           </a:solidFill>
                           <a:ea typeface="Cambria Math" panose="02040503050406030204" pitchFamily="18" charset="0"/>
                         </a:rPr>
-                        <m:t>-1</m:t>
+                        <m:t>−1</m:t>
                       </m:r>
                     </m:oMath>
                   </m:oMathPara>
@@ -22936,7 +22938,7 @@
             </p:txBody>
           </p:sp>
         </mc:Choice>
-        <mc:Fallback>
+        <mc:Fallback xmlns="">
           <p:sp>
             <p:nvSpPr>
               <p:cNvPr id="2" name="TextBox 1">
@@ -23412,14 +23414,12 @@
             </a:endParaRPr>
           </a:p>
           <a:p>
-            <a:pPr/>
             <a:endParaRPr lang="en-PH" sz="2800" b="1" dirty="0">
               <a:latin typeface="Cambria Math" panose="02040503050406030204" pitchFamily="18" charset="0"/>
               <a:ea typeface="Cambria Math" panose="02040503050406030204" pitchFamily="18" charset="0"/>
             </a:endParaRPr>
           </a:p>
           <a:p>
-            <a:pPr/>
             <a:endParaRPr lang="en-PH" sz="2500" b="1" dirty="0">
               <a:solidFill>
                 <a:schemeClr val="tx1"/>
@@ -23475,8 +23475,8 @@
           </a:p>
         </p:txBody>
       </p:sp>
-      <mc:AlternateContent xmlns:mc="http://schemas.openxmlformats.org/markup-compatibility/2006">
-        <mc:Choice xmlns:a14="http://schemas.microsoft.com/office/drawing/2010/main" Requires="a14">
+      <mc:AlternateContent xmlns:mc="http://schemas.openxmlformats.org/markup-compatibility/2006" xmlns:a14="http://schemas.microsoft.com/office/drawing/2010/main">
+        <mc:Choice Requires="a14">
           <p:sp>
             <p:nvSpPr>
               <p:cNvPr id="3" name="TextBox 2">
@@ -23508,6 +23508,7 @@
                 <a:endParaRPr lang="en-US" b="1" dirty="0"/>
               </a:p>
               <a:p>
+                <a:pPr/>
                 <a14:m>
                   <m:oMathPara xmlns:m="http://schemas.openxmlformats.org/officeDocument/2006/math">
                     <m:oMathParaPr>
@@ -23586,7 +23587,7 @@
                           <a:latin typeface="Cambria Math" panose="02040503050406030204" pitchFamily="18" charset="0"/>
                           <a:ea typeface="Cambria Math" panose="02040503050406030204" pitchFamily="18" charset="0"/>
                         </a:rPr>
-                        <m:t> - </m:t>
+                        <m:t> − </m:t>
                       </m:r>
                       <m:r>
                         <m:rPr>
@@ -23691,6 +23692,7 @@
                 </a:endParaRPr>
               </a:p>
               <a:p>
+                <a:pPr/>
                 <a14:m>
                   <m:oMathPara xmlns:m="http://schemas.openxmlformats.org/officeDocument/2006/math">
                     <m:oMathParaPr>
@@ -23769,7 +23771,7 @@
                           <a:latin typeface="Cambria Math" panose="02040503050406030204" pitchFamily="18" charset="0"/>
                           <a:ea typeface="Cambria Math" panose="02040503050406030204" pitchFamily="18" charset="0"/>
                         </a:rPr>
-                        <m:t> - </m:t>
+                        <m:t> − </m:t>
                       </m:r>
                       <m:r>
                         <m:rPr>
@@ -23789,7 +23791,7 @@
                           <a:latin typeface="Cambria Math" panose="02040503050406030204" pitchFamily="18" charset="0"/>
                           <a:ea typeface="Cambria Math" panose="02040503050406030204" pitchFamily="18" charset="0"/>
                         </a:rPr>
-                        <m:t> ≤ -1, </m:t>
+                        <m:t> ≤ −1, </m:t>
                       </m:r>
                       <m:r>
                         <a:rPr lang="en-US" sz="3000" b="1" i="1" dirty="0" smtClean="0">
@@ -23854,7 +23856,7 @@
                           <a:latin typeface="Cambria Math" panose="02040503050406030204" pitchFamily="18" charset="0"/>
                           <a:ea typeface="Cambria Math" panose="02040503050406030204" pitchFamily="18" charset="0"/>
                         </a:rPr>
-                        <m:t>-1</m:t>
+                        <m:t>−1</m:t>
                       </m:r>
                     </m:oMath>
                   </m:oMathPara>
@@ -23867,7 +23869,7 @@
             </p:txBody>
           </p:sp>
         </mc:Choice>
-        <mc:Fallback>
+        <mc:Fallback xmlns="">
           <p:sp>
             <p:nvSpPr>
               <p:cNvPr id="3" name="TextBox 2">
@@ -23912,8 +23914,8 @@
           </p:sp>
         </mc:Fallback>
       </mc:AlternateContent>
-      <mc:AlternateContent xmlns:mc="http://schemas.openxmlformats.org/markup-compatibility/2006">
-        <mc:Choice xmlns:a14="http://schemas.microsoft.com/office/drawing/2010/main" Requires="a14">
+      <mc:AlternateContent xmlns:mc="http://schemas.openxmlformats.org/markup-compatibility/2006" xmlns:a14="http://schemas.microsoft.com/office/drawing/2010/main">
+        <mc:Choice Requires="a14">
           <p:sp>
             <p:nvSpPr>
               <p:cNvPr id="9" name="TextBox 8">
@@ -24126,7 +24128,7 @@
             </p:txBody>
           </p:sp>
         </mc:Choice>
-        <mc:Fallback>
+        <mc:Fallback xmlns="">
           <p:sp>
             <p:nvSpPr>
               <p:cNvPr id="9" name="TextBox 8">
@@ -24573,8 +24575,8 @@
             </p:nvSpPr>
             <p:spPr>
               <a:xfrm>
-                <a:off x="4354737" y="2526175"/>
-                <a:ext cx="3482515" cy="553998"/>
+                <a:off x="3904562" y="2526175"/>
+                <a:ext cx="4382863" cy="553998"/>
               </a:xfrm>
               <a:prstGeom prst="rect">
                 <a:avLst/>
@@ -24788,8 +24790,8 @@
             </p:nvSpPr>
             <p:spPr>
               <a:xfrm>
-                <a:off x="4354737" y="2526175"/>
-                <a:ext cx="3482515" cy="553998"/>
+                <a:off x="3904562" y="2526175"/>
+                <a:ext cx="4382863" cy="553998"/>
               </a:xfrm>
               <a:prstGeom prst="rect">
                 <a:avLst/>
@@ -24797,7 +24799,7 @@
               <a:blipFill>
                 <a:blip r:embed="rId4"/>
                 <a:stretch>
-                  <a:fillRect/>
+                  <a:fillRect b="-22222"/>
                 </a:stretch>
               </a:blipFill>
             </p:spPr>
@@ -24806,7 +24808,7 @@
               <a:lstStyle/>
               <a:p>
                 <a:r>
-                  <a:rPr lang="en-PH">
+                  <a:rPr lang="en-US">
                     <a:noFill/>
                   </a:rPr>
                   <a:t> </a:t>
@@ -24816,8 +24818,8 @@
           </p:sp>
         </mc:Fallback>
       </mc:AlternateContent>
-      <mc:AlternateContent xmlns:mc="http://schemas.openxmlformats.org/markup-compatibility/2006">
-        <mc:Choice xmlns:a14="http://schemas.microsoft.com/office/drawing/2010/main" Requires="a14">
+      <mc:AlternateContent xmlns:mc="http://schemas.openxmlformats.org/markup-compatibility/2006" xmlns:a14="http://schemas.microsoft.com/office/drawing/2010/main">
+        <mc:Choice Requires="a14">
           <p:sp>
             <p:nvSpPr>
               <p:cNvPr id="2" name="TextBox 1">
@@ -24846,7 +24848,6 @@
               </a:bodyPr>
               <a:lstStyle/>
               <a:p>
-                <a:pPr/>
                 <a14:m>
                   <m:oMath xmlns:m="http://schemas.openxmlformats.org/officeDocument/2006/math">
                     <m:r>
@@ -25044,7 +25045,7 @@
             </p:txBody>
           </p:sp>
         </mc:Choice>
-        <mc:Fallback>
+        <mc:Fallback xmlns="">
           <p:sp>
             <p:nvSpPr>
               <p:cNvPr id="2" name="TextBox 1">
@@ -25089,8 +25090,8 @@
           </p:sp>
         </mc:Fallback>
       </mc:AlternateContent>
-      <mc:AlternateContent xmlns:mc="http://schemas.openxmlformats.org/markup-compatibility/2006">
-        <mc:Choice xmlns:a14="http://schemas.microsoft.com/office/drawing/2010/main" Requires="a14">
+      <mc:AlternateContent xmlns:mc="http://schemas.openxmlformats.org/markup-compatibility/2006" xmlns:a14="http://schemas.microsoft.com/office/drawing/2010/main">
+        <mc:Choice Requires="a14">
           <p:sp>
             <p:nvSpPr>
               <p:cNvPr id="6" name="TextBox 5">
@@ -25200,7 +25201,7 @@
             </p:txBody>
           </p:sp>
         </mc:Choice>
-        <mc:Fallback>
+        <mc:Fallback xmlns="">
           <p:sp>
             <p:nvSpPr>
               <p:cNvPr id="6" name="TextBox 5">
@@ -31309,8 +31310,8 @@
           </a:p>
         </p:txBody>
       </p:sp>
-      <mc:AlternateContent xmlns:mc="http://schemas.openxmlformats.org/markup-compatibility/2006" xmlns:a14="http://schemas.microsoft.com/office/drawing/2010/main">
-        <mc:Choice Requires="a14">
+      <mc:AlternateContent xmlns:mc="http://schemas.openxmlformats.org/markup-compatibility/2006">
+        <mc:Choice xmlns:a14="http://schemas.microsoft.com/office/drawing/2010/main" Requires="a14">
           <p:sp>
             <p:nvSpPr>
               <p:cNvPr id="7" name="TextBox 6">
@@ -31325,8 +31326,8 @@
             </p:nvSpPr>
             <p:spPr>
               <a:xfrm>
-                <a:off x="3082969" y="3228879"/>
-                <a:ext cx="6026051" cy="523220"/>
+                <a:off x="2226733" y="3228879"/>
+                <a:ext cx="6882287" cy="523220"/>
               </a:xfrm>
               <a:prstGeom prst="rect">
                 <a:avLst/>
@@ -31527,7 +31528,7 @@
             </p:txBody>
           </p:sp>
         </mc:Choice>
-        <mc:Fallback xmlns="">
+        <mc:Fallback>
           <p:sp>
             <p:nvSpPr>
               <p:cNvPr id="7" name="TextBox 6">
@@ -31544,8 +31545,8 @@
             </p:nvSpPr>
             <p:spPr>
               <a:xfrm>
-                <a:off x="3082969" y="3228879"/>
-                <a:ext cx="6026051" cy="523220"/>
+                <a:off x="2226733" y="3228879"/>
+                <a:ext cx="6882287" cy="523220"/>
               </a:xfrm>
               <a:prstGeom prst="rect">
                 <a:avLst/>
@@ -31553,7 +31554,7 @@
               <a:blipFill>
                 <a:blip r:embed="rId4"/>
                 <a:stretch>
-                  <a:fillRect l="-2126" t="-12791" r="-5466" b="-31395"/>
+                  <a:fillRect l="-1842" t="-11905" b="-30952"/>
                 </a:stretch>
               </a:blipFill>
             </p:spPr>
@@ -31562,7 +31563,7 @@
               <a:lstStyle/>
               <a:p>
                 <a:r>
-                  <a:rPr lang="en-PH">
+                  <a:rPr lang="en-US">
                     <a:noFill/>
                   </a:rPr>
                   <a:t> </a:t>
@@ -34464,8 +34465,8 @@
           </a:p>
         </p:txBody>
       </p:sp>
-      <mc:AlternateContent xmlns:mc="http://schemas.openxmlformats.org/markup-compatibility/2006">
-        <mc:Choice xmlns:a14="http://schemas.microsoft.com/office/drawing/2010/main" Requires="a14">
+      <mc:AlternateContent xmlns:mc="http://schemas.openxmlformats.org/markup-compatibility/2006" xmlns:a14="http://schemas.microsoft.com/office/drawing/2010/main">
+        <mc:Choice Requires="a14">
           <p:sp>
             <p:nvSpPr>
               <p:cNvPr id="23" name="TextBox 22">
@@ -35212,7 +35213,6 @@
                 </a:endParaRPr>
               </a:p>
               <a:p>
-                <a:pPr/>
                 <a:endParaRPr lang="en-US" sz="2500" b="1" i="1" dirty="0">
                   <a:solidFill>
                     <a:srgbClr val="0070C0"/>
@@ -35353,7 +35353,7 @@
             </p:txBody>
           </p:sp>
         </mc:Choice>
-        <mc:Fallback>
+        <mc:Fallback xmlns="">
           <p:sp>
             <p:nvSpPr>
               <p:cNvPr id="23" name="TextBox 22">
@@ -35398,8 +35398,8 @@
           </p:sp>
         </mc:Fallback>
       </mc:AlternateContent>
-      <mc:AlternateContent xmlns:mc="http://schemas.openxmlformats.org/markup-compatibility/2006">
-        <mc:Choice xmlns:a14="http://schemas.microsoft.com/office/drawing/2010/main" Requires="a14">
+      <mc:AlternateContent xmlns:mc="http://schemas.openxmlformats.org/markup-compatibility/2006" xmlns:a14="http://schemas.microsoft.com/office/drawing/2010/main">
+        <mc:Choice Requires="a14">
           <p:sp>
             <p:nvSpPr>
               <p:cNvPr id="34" name="TextBox 33">
@@ -35535,7 +35535,7 @@
             </p:txBody>
           </p:sp>
         </mc:Choice>
-        <mc:Fallback>
+        <mc:Fallback xmlns="">
           <p:sp>
             <p:nvSpPr>
               <p:cNvPr id="34" name="TextBox 33">
@@ -44617,6 +44617,15 @@
 </file>
 
 <file path=customXml/item1.xml><?xml version="1.0" encoding="utf-8"?>
+<?mso-contentType ?>
+<FormTemplates xmlns="http://schemas.microsoft.com/sharepoint/v3/contenttype/forms">
+  <Display>DocumentLibraryForm</Display>
+  <Edit>DocumentLibraryForm</Edit>
+  <New>DocumentLibraryForm</New>
+</FormTemplates>
+</file>
+
+<file path=customXml/item2.xml><?xml version="1.0" encoding="utf-8"?>
 <ct:contentTypeSchema xmlns:ct="http://schemas.microsoft.com/office/2006/metadata/contentType" xmlns:ma="http://schemas.microsoft.com/office/2006/metadata/properties/metaAttributes" ct:_="" ma:_="" ma:contentTypeName="Document" ma:contentTypeID="0x0101007188BDCA587B344BBA6CB1A93FAE6998" ma:contentTypeVersion="2" ma:contentTypeDescription="Create a new document." ma:contentTypeScope="" ma:versionID="7a8e4b6720badb2566a0cfeddfaf2856">
   <xsd:schema xmlns:xsd="http://www.w3.org/2001/XMLSchema" xmlns:xs="http://www.w3.org/2001/XMLSchema" xmlns:p="http://schemas.microsoft.com/office/2006/metadata/properties" xmlns:ns2="ba111d12-426d-4af0-bcb6-460e36974645" targetNamespace="http://schemas.microsoft.com/office/2006/metadata/properties" ma:root="true" ma:fieldsID="989b05398519136c88ba0a8d54e3c3da" ns2:_="">
     <xsd:import namespace="ba111d12-426d-4af0-bcb6-460e36974645"/>
@@ -44748,15 +44757,6 @@
 </ct:contentTypeSchema>
 </file>
 
-<file path=customXml/item2.xml><?xml version="1.0" encoding="utf-8"?>
-<?mso-contentType ?>
-<FormTemplates xmlns="http://schemas.microsoft.com/sharepoint/v3/contenttype/forms">
-  <Display>DocumentLibraryForm</Display>
-  <Edit>DocumentLibraryForm</Edit>
-  <New>DocumentLibraryForm</New>
-</FormTemplates>
-</file>
-
 <file path=customXml/item3.xml><?xml version="1.0" encoding="utf-8"?>
 <p:properties xmlns:p="http://schemas.microsoft.com/office/2006/metadata/properties" xmlns:xsi="http://www.w3.org/2001/XMLSchema-instance" xmlns:pc="http://schemas.microsoft.com/office/infopath/2007/PartnerControls">
   <documentManagement/>
@@ -44764,6 +44764,14 @@
 </file>
 
 <file path=customXml/itemProps1.xml><?xml version="1.0" encoding="utf-8"?>
+<ds:datastoreItem xmlns:ds="http://schemas.openxmlformats.org/officeDocument/2006/customXml" ds:itemID="{6C1A3F1B-CE3A-47AB-9F84-47E786467973}">
+  <ds:schemaRefs>
+    <ds:schemaRef ds:uri="http://schemas.microsoft.com/sharepoint/v3/contenttype/forms"/>
+  </ds:schemaRefs>
+</ds:datastoreItem>
+</file>
+
+<file path=customXml/itemProps2.xml><?xml version="1.0" encoding="utf-8"?>
 <ds:datastoreItem xmlns:ds="http://schemas.openxmlformats.org/officeDocument/2006/customXml" ds:itemID="{D622FF19-6ECD-4B79-A412-9430824D2BB6}">
   <ds:schemaRefs>
     <ds:schemaRef ds:uri="http://schemas.microsoft.com/office/2006/metadata/contentType"/>
@@ -44781,14 +44789,6 @@
 </ds:datastoreItem>
 </file>
 
-<file path=customXml/itemProps2.xml><?xml version="1.0" encoding="utf-8"?>
-<ds:datastoreItem xmlns:ds="http://schemas.openxmlformats.org/officeDocument/2006/customXml" ds:itemID="{6C1A3F1B-CE3A-47AB-9F84-47E786467973}">
-  <ds:schemaRefs>
-    <ds:schemaRef ds:uri="http://schemas.microsoft.com/sharepoint/v3/contenttype/forms"/>
-  </ds:schemaRefs>
-</ds:datastoreItem>
-</file>
-
 <file path=customXml/itemProps3.xml><?xml version="1.0" encoding="utf-8"?>
 <ds:datastoreItem xmlns:ds="http://schemas.openxmlformats.org/officeDocument/2006/customXml" ds:itemID="{7ACF14CA-9E7F-410C-99DF-E0FAFDE78C11}">
   <ds:schemaRefs>
